--- a/Presentation material/ericsson_presentation.pptx
+++ b/Presentation material/ericsson_presentation.pptx
@@ -5,7 +5,7 @@
     <p:sldMasterId id="2147483648" r:id="rId2"/>
   </p:sldMasterIdLst>
   <p:handoutMasterIdLst>
-    <p:handoutMasterId r:id="rId15"/>
+    <p:handoutMasterId r:id="rId20"/>
   </p:handoutMasterIdLst>
   <p:sldIdLst>
     <p:sldId id="256" r:id="rId3"/>
@@ -19,7 +19,12 @@
     <p:sldId id="264" r:id="rId11"/>
     <p:sldId id="267" r:id="rId12"/>
     <p:sldId id="268" r:id="rId13"/>
-    <p:sldId id="259" r:id="rId14"/>
+    <p:sldId id="269" r:id="rId14"/>
+    <p:sldId id="270" r:id="rId15"/>
+    <p:sldId id="271" r:id="rId16"/>
+    <p:sldId id="272" r:id="rId17"/>
+    <p:sldId id="273" r:id="rId18"/>
+    <p:sldId id="259" r:id="rId19"/>
   </p:sldIdLst>
   <p:sldSz cx="12192000" cy="6858000"/>
   <p:notesSz cx="6858000" cy="9144000"/>
@@ -127,6 +132,3357 @@
     </p:ext>
   </p:extLst>
 </p:presentation>
+</file>
+
+<file path=ppt/charts/chart1.xml><?xml version="1.0" encoding="utf-8"?>
+<c:chartSpace xmlns:c="http://schemas.openxmlformats.org/drawingml/2006/chart" xmlns:a="http://schemas.openxmlformats.org/drawingml/2006/main" xmlns:r="http://schemas.openxmlformats.org/officeDocument/2006/relationships">
+  <c:date1904 val="0"/>
+  <c:lang val="en-US"/>
+  <c:roundedCorners val="0"/>
+  <mc:AlternateContent xmlns:mc="http://schemas.openxmlformats.org/markup-compatibility/2006">
+    <mc:Choice xmlns:c14="http://schemas.microsoft.com/office/drawing/2007/8/2/chart" Requires="c14">
+      <c14:style val="102"/>
+    </mc:Choice>
+    <mc:Fallback>
+      <c:style val="2"/>
+    </mc:Fallback>
+  </mc:AlternateContent>
+  <c:chart>
+    <c:title>
+      <c:tx>
+        <c:rich>
+          <a:bodyPr rot="0" spcFirstLastPara="1" vertOverflow="ellipsis" vert="horz" wrap="square" anchor="ctr" anchorCtr="1"/>
+          <a:lstStyle/>
+          <a:p>
+            <a:pPr>
+              <a:defRPr sz="2128" b="1" i="0" u="none" strike="noStrike" kern="1200" baseline="0">
+                <a:solidFill>
+                  <a:schemeClr val="tx1">
+                    <a:lumMod val="65000"/>
+                    <a:lumOff val="35000"/>
+                  </a:schemeClr>
+                </a:solidFill>
+                <a:latin typeface="+mn-lt"/>
+                <a:ea typeface="+mn-ea"/>
+                <a:cs typeface="+mn-cs"/>
+              </a:defRPr>
+            </a:pPr>
+            <a:r>
+              <a:rPr lang="en-GB" b="0" dirty="0">
+                <a:effectLst>
+                  <a:outerShdw blurRad="38100" dist="38100" dir="2700000" algn="tl">
+                    <a:srgbClr val="000000">
+                      <a:alpha val="43137"/>
+                    </a:srgbClr>
+                  </a:outerShdw>
+                </a:effectLst>
+              </a:rPr>
+              <a:t>Percentage of relevant information received</a:t>
+            </a:r>
+            <a:endParaRPr lang="es-ES" b="0" dirty="0">
+              <a:effectLst>
+                <a:outerShdw blurRad="38100" dist="38100" dir="2700000" algn="tl">
+                  <a:srgbClr val="000000">
+                    <a:alpha val="43137"/>
+                  </a:srgbClr>
+                </a:outerShdw>
+              </a:effectLst>
+            </a:endParaRPr>
+          </a:p>
+        </c:rich>
+      </c:tx>
+      <c:layout>
+        <c:manualLayout>
+          <c:xMode val="edge"/>
+          <c:yMode val="edge"/>
+          <c:x val="0.14984281387218579"/>
+          <c:y val="1.0514019658733135E-2"/>
+        </c:manualLayout>
+      </c:layout>
+      <c:overlay val="0"/>
+      <c:spPr>
+        <a:noFill/>
+        <a:ln>
+          <a:noFill/>
+        </a:ln>
+        <a:effectLst/>
+      </c:spPr>
+      <c:txPr>
+        <a:bodyPr rot="0" spcFirstLastPara="1" vertOverflow="ellipsis" vert="horz" wrap="square" anchor="ctr" anchorCtr="1"/>
+        <a:lstStyle/>
+        <a:p>
+          <a:pPr>
+            <a:defRPr sz="2128" b="1" i="0" u="none" strike="noStrike" kern="1200" baseline="0">
+              <a:solidFill>
+                <a:schemeClr val="tx1">
+                  <a:lumMod val="65000"/>
+                  <a:lumOff val="35000"/>
+                </a:schemeClr>
+              </a:solidFill>
+              <a:latin typeface="+mn-lt"/>
+              <a:ea typeface="+mn-ea"/>
+              <a:cs typeface="+mn-cs"/>
+            </a:defRPr>
+          </a:pPr>
+          <a:endParaRPr lang="es-ES"/>
+        </a:p>
+      </c:txPr>
+    </c:title>
+    <c:autoTitleDeleted val="0"/>
+    <c:plotArea>
+      <c:layout/>
+      <c:barChart>
+        <c:barDir val="col"/>
+        <c:grouping val="clustered"/>
+        <c:varyColors val="0"/>
+        <c:ser>
+          <c:idx val="0"/>
+          <c:order val="0"/>
+          <c:tx>
+            <c:strRef>
+              <c:f>Sheet1!$B$1</c:f>
+              <c:strCache>
+                <c:ptCount val="1"/>
+                <c:pt idx="0">
+                  <c:v>Baseline (median %)</c:v>
+                </c:pt>
+              </c:strCache>
+            </c:strRef>
+          </c:tx>
+          <c:spPr>
+            <a:gradFill rotWithShape="1">
+              <a:gsLst>
+                <a:gs pos="0">
+                  <a:schemeClr val="accent1">
+                    <a:satMod val="103000"/>
+                    <a:lumMod val="102000"/>
+                    <a:tint val="94000"/>
+                  </a:schemeClr>
+                </a:gs>
+                <a:gs pos="50000">
+                  <a:schemeClr val="accent1">
+                    <a:satMod val="110000"/>
+                    <a:lumMod val="100000"/>
+                    <a:shade val="100000"/>
+                  </a:schemeClr>
+                </a:gs>
+                <a:gs pos="100000">
+                  <a:schemeClr val="accent1">
+                    <a:lumMod val="99000"/>
+                    <a:satMod val="120000"/>
+                    <a:shade val="78000"/>
+                  </a:schemeClr>
+                </a:gs>
+              </a:gsLst>
+              <a:lin ang="5400000" scaled="0"/>
+            </a:gradFill>
+            <a:ln>
+              <a:noFill/>
+            </a:ln>
+            <a:effectLst>
+              <a:outerShdw blurRad="57150" dist="19050" dir="5400000" algn="ctr" rotWithShape="0">
+                <a:srgbClr val="000000">
+                  <a:alpha val="63000"/>
+                </a:srgbClr>
+              </a:outerShdw>
+            </a:effectLst>
+          </c:spPr>
+          <c:invertIfNegative val="0"/>
+          <c:dLbls>
+            <c:spPr>
+              <a:noFill/>
+              <a:ln>
+                <a:noFill/>
+              </a:ln>
+              <a:effectLst/>
+            </c:spPr>
+            <c:txPr>
+              <a:bodyPr rot="0" spcFirstLastPara="1" vertOverflow="ellipsis" vert="horz" wrap="square" lIns="38100" tIns="19050" rIns="38100" bIns="19050" anchor="ctr" anchorCtr="1">
+                <a:spAutoFit/>
+              </a:bodyPr>
+              <a:lstStyle/>
+              <a:p>
+                <a:pPr>
+                  <a:defRPr sz="1197" b="0" i="0" u="none" strike="noStrike" kern="1200" baseline="0">
+                    <a:solidFill>
+                      <a:schemeClr val="tx1">
+                        <a:lumMod val="75000"/>
+                        <a:lumOff val="25000"/>
+                      </a:schemeClr>
+                    </a:solidFill>
+                    <a:latin typeface="+mn-lt"/>
+                    <a:ea typeface="+mn-ea"/>
+                    <a:cs typeface="+mn-cs"/>
+                  </a:defRPr>
+                </a:pPr>
+                <a:endParaRPr lang="es-ES"/>
+              </a:p>
+            </c:txPr>
+            <c:dLblPos val="outEnd"/>
+            <c:showLegendKey val="0"/>
+            <c:showVal val="1"/>
+            <c:showCatName val="0"/>
+            <c:showSerName val="0"/>
+            <c:showPercent val="0"/>
+            <c:showBubbleSize val="0"/>
+            <c:showLeaderLines val="0"/>
+            <c:extLst>
+              <c:ext xmlns:c15="http://schemas.microsoft.com/office/drawing/2012/chart" uri="{CE6537A1-D6FC-4f65-9D91-7224C49458BB}">
+                <c15:layout/>
+                <c15:showLeaderLines val="1"/>
+                <c15:leaderLines>
+                  <c:spPr>
+                    <a:ln w="9525" cap="flat" cmpd="sng" algn="ctr">
+                      <a:solidFill>
+                        <a:schemeClr val="tx1">
+                          <a:lumMod val="35000"/>
+                          <a:lumOff val="65000"/>
+                        </a:schemeClr>
+                      </a:solidFill>
+                      <a:round/>
+                    </a:ln>
+                    <a:effectLst/>
+                  </c:spPr>
+                </c15:leaderLines>
+              </c:ext>
+            </c:extLst>
+          </c:dLbls>
+          <c:cat>
+            <c:strRef>
+              <c:extLst>
+                <c:ext xmlns:c15="http://schemas.microsoft.com/office/drawing/2012/chart" uri="{02D57815-91ED-43cb-92C2-25804820EDAC}">
+                  <c15:fullRef>
+                    <c15:sqref>Sheet1!$A$2:$A$5</c15:sqref>
+                  </c15:fullRef>
+                </c:ext>
+              </c:extLst>
+              <c:f>Sheet1!$A$2:$A$3</c:f>
+              <c:strCache>
+                <c:ptCount val="2"/>
+                <c:pt idx="0">
+                  <c:v>Scrum Masters</c:v>
+                </c:pt>
+                <c:pt idx="1">
+                  <c:v>Developers</c:v>
+                </c:pt>
+              </c:strCache>
+            </c:strRef>
+          </c:cat>
+          <c:val>
+            <c:numRef>
+              <c:extLst>
+                <c:ext xmlns:c15="http://schemas.microsoft.com/office/drawing/2012/chart" uri="{02D57815-91ED-43cb-92C2-25804820EDAC}">
+                  <c15:fullRef>
+                    <c15:sqref>Sheet1!$B$2:$B$5</c15:sqref>
+                  </c15:fullRef>
+                </c:ext>
+              </c:extLst>
+              <c:f>Sheet1!$B$2:$B$3</c:f>
+              <c:numCache>
+                <c:formatCode>General</c:formatCode>
+                <c:ptCount val="2"/>
+                <c:pt idx="0">
+                  <c:v>61.93</c:v>
+                </c:pt>
+                <c:pt idx="1">
+                  <c:v>67.400000000000006</c:v>
+                </c:pt>
+              </c:numCache>
+            </c:numRef>
+          </c:val>
+        </c:ser>
+        <c:ser>
+          <c:idx val="1"/>
+          <c:order val="1"/>
+          <c:tx>
+            <c:strRef>
+              <c:f>Sheet1!$C$1</c:f>
+              <c:strCache>
+                <c:ptCount val="1"/>
+                <c:pt idx="0">
+                  <c:v>Treatment (median %)</c:v>
+                </c:pt>
+              </c:strCache>
+            </c:strRef>
+          </c:tx>
+          <c:spPr>
+            <a:gradFill rotWithShape="1">
+              <a:gsLst>
+                <a:gs pos="0">
+                  <a:schemeClr val="accent2">
+                    <a:satMod val="103000"/>
+                    <a:lumMod val="102000"/>
+                    <a:tint val="94000"/>
+                  </a:schemeClr>
+                </a:gs>
+                <a:gs pos="50000">
+                  <a:schemeClr val="accent2">
+                    <a:satMod val="110000"/>
+                    <a:lumMod val="100000"/>
+                    <a:shade val="100000"/>
+                  </a:schemeClr>
+                </a:gs>
+                <a:gs pos="100000">
+                  <a:schemeClr val="accent2">
+                    <a:lumMod val="99000"/>
+                    <a:satMod val="120000"/>
+                    <a:shade val="78000"/>
+                  </a:schemeClr>
+                </a:gs>
+              </a:gsLst>
+              <a:lin ang="5400000" scaled="0"/>
+            </a:gradFill>
+            <a:ln>
+              <a:noFill/>
+            </a:ln>
+            <a:effectLst>
+              <a:outerShdw blurRad="57150" dist="19050" dir="5400000" algn="ctr" rotWithShape="0">
+                <a:srgbClr val="000000">
+                  <a:alpha val="63000"/>
+                </a:srgbClr>
+              </a:outerShdw>
+            </a:effectLst>
+          </c:spPr>
+          <c:invertIfNegative val="0"/>
+          <c:dLbls>
+            <c:spPr>
+              <a:noFill/>
+              <a:ln>
+                <a:noFill/>
+              </a:ln>
+              <a:effectLst/>
+            </c:spPr>
+            <c:txPr>
+              <a:bodyPr rot="0" spcFirstLastPara="1" vertOverflow="ellipsis" vert="horz" wrap="square" lIns="38100" tIns="19050" rIns="38100" bIns="19050" anchor="ctr" anchorCtr="1">
+                <a:spAutoFit/>
+              </a:bodyPr>
+              <a:lstStyle/>
+              <a:p>
+                <a:pPr>
+                  <a:defRPr sz="1197" b="0" i="0" u="none" strike="noStrike" kern="1200" baseline="0">
+                    <a:solidFill>
+                      <a:schemeClr val="tx1">
+                        <a:lumMod val="75000"/>
+                        <a:lumOff val="25000"/>
+                      </a:schemeClr>
+                    </a:solidFill>
+                    <a:latin typeface="+mn-lt"/>
+                    <a:ea typeface="+mn-ea"/>
+                    <a:cs typeface="+mn-cs"/>
+                  </a:defRPr>
+                </a:pPr>
+                <a:endParaRPr lang="es-ES"/>
+              </a:p>
+            </c:txPr>
+            <c:dLblPos val="outEnd"/>
+            <c:showLegendKey val="0"/>
+            <c:showVal val="1"/>
+            <c:showCatName val="0"/>
+            <c:showSerName val="0"/>
+            <c:showPercent val="0"/>
+            <c:showBubbleSize val="0"/>
+            <c:showLeaderLines val="0"/>
+            <c:extLst>
+              <c:ext xmlns:c15="http://schemas.microsoft.com/office/drawing/2012/chart" uri="{CE6537A1-D6FC-4f65-9D91-7224C49458BB}">
+                <c15:layout/>
+                <c15:showLeaderLines val="1"/>
+                <c15:leaderLines>
+                  <c:spPr>
+                    <a:ln w="9525" cap="flat" cmpd="sng" algn="ctr">
+                      <a:solidFill>
+                        <a:schemeClr val="tx1">
+                          <a:lumMod val="35000"/>
+                          <a:lumOff val="65000"/>
+                        </a:schemeClr>
+                      </a:solidFill>
+                      <a:round/>
+                    </a:ln>
+                    <a:effectLst/>
+                  </c:spPr>
+                </c15:leaderLines>
+              </c:ext>
+            </c:extLst>
+          </c:dLbls>
+          <c:cat>
+            <c:strRef>
+              <c:extLst>
+                <c:ext xmlns:c15="http://schemas.microsoft.com/office/drawing/2012/chart" uri="{02D57815-91ED-43cb-92C2-25804820EDAC}">
+                  <c15:fullRef>
+                    <c15:sqref>Sheet1!$A$2:$A$5</c15:sqref>
+                  </c15:fullRef>
+                </c:ext>
+              </c:extLst>
+              <c:f>Sheet1!$A$2:$A$3</c:f>
+              <c:strCache>
+                <c:ptCount val="2"/>
+                <c:pt idx="0">
+                  <c:v>Scrum Masters</c:v>
+                </c:pt>
+                <c:pt idx="1">
+                  <c:v>Developers</c:v>
+                </c:pt>
+              </c:strCache>
+            </c:strRef>
+          </c:cat>
+          <c:val>
+            <c:numRef>
+              <c:extLst>
+                <c:ext xmlns:c15="http://schemas.microsoft.com/office/drawing/2012/chart" uri="{02D57815-91ED-43cb-92C2-25804820EDAC}">
+                  <c15:fullRef>
+                    <c15:sqref>Sheet1!$C$2:$C$5</c15:sqref>
+                  </c15:fullRef>
+                </c:ext>
+              </c:extLst>
+              <c:f>Sheet1!$C$2:$C$3</c:f>
+              <c:numCache>
+                <c:formatCode>General</c:formatCode>
+                <c:ptCount val="2"/>
+                <c:pt idx="0">
+                  <c:v>64.44</c:v>
+                </c:pt>
+                <c:pt idx="1">
+                  <c:v>76.099999999999994</c:v>
+                </c:pt>
+              </c:numCache>
+            </c:numRef>
+          </c:val>
+        </c:ser>
+        <c:dLbls>
+          <c:showLegendKey val="0"/>
+          <c:showVal val="0"/>
+          <c:showCatName val="0"/>
+          <c:showSerName val="0"/>
+          <c:showPercent val="0"/>
+          <c:showBubbleSize val="0"/>
+        </c:dLbls>
+        <c:gapWidth val="100"/>
+        <c:overlap val="-24"/>
+        <c:axId val="-1072494848"/>
+        <c:axId val="-1072496480"/>
+      </c:barChart>
+      <c:catAx>
+        <c:axId val="-1072494848"/>
+        <c:scaling>
+          <c:orientation val="minMax"/>
+        </c:scaling>
+        <c:delete val="0"/>
+        <c:axPos val="b"/>
+        <c:numFmt formatCode="General" sourceLinked="1"/>
+        <c:majorTickMark val="none"/>
+        <c:minorTickMark val="none"/>
+        <c:tickLblPos val="nextTo"/>
+        <c:spPr>
+          <a:noFill/>
+          <a:ln w="12700" cap="flat" cmpd="sng" algn="ctr">
+            <a:solidFill>
+              <a:schemeClr val="tx1">
+                <a:lumMod val="15000"/>
+                <a:lumOff val="85000"/>
+              </a:schemeClr>
+            </a:solidFill>
+            <a:round/>
+          </a:ln>
+          <a:effectLst/>
+        </c:spPr>
+        <c:txPr>
+          <a:bodyPr rot="-60000000" spcFirstLastPara="1" vertOverflow="ellipsis" vert="horz" wrap="square" anchor="ctr" anchorCtr="1"/>
+          <a:lstStyle/>
+          <a:p>
+            <a:pPr>
+              <a:defRPr sz="1197" b="0" i="0" u="none" strike="noStrike" kern="1200" baseline="0">
+                <a:solidFill>
+                  <a:schemeClr val="tx1">
+                    <a:lumMod val="65000"/>
+                    <a:lumOff val="35000"/>
+                  </a:schemeClr>
+                </a:solidFill>
+                <a:latin typeface="+mn-lt"/>
+                <a:ea typeface="+mn-ea"/>
+                <a:cs typeface="+mn-cs"/>
+              </a:defRPr>
+            </a:pPr>
+            <a:endParaRPr lang="es-ES"/>
+          </a:p>
+        </c:txPr>
+        <c:crossAx val="-1072496480"/>
+        <c:crosses val="autoZero"/>
+        <c:auto val="1"/>
+        <c:lblAlgn val="ctr"/>
+        <c:lblOffset val="100"/>
+        <c:noMultiLvlLbl val="0"/>
+      </c:catAx>
+      <c:valAx>
+        <c:axId val="-1072496480"/>
+        <c:scaling>
+          <c:orientation val="minMax"/>
+          <c:max val="100"/>
+        </c:scaling>
+        <c:delete val="0"/>
+        <c:axPos val="l"/>
+        <c:majorGridlines>
+          <c:spPr>
+            <a:ln w="9525" cap="flat" cmpd="sng" algn="ctr">
+              <a:solidFill>
+                <a:schemeClr val="tx1">
+                  <a:lumMod val="15000"/>
+                  <a:lumOff val="85000"/>
+                </a:schemeClr>
+              </a:solidFill>
+              <a:round/>
+            </a:ln>
+            <a:effectLst/>
+          </c:spPr>
+        </c:majorGridlines>
+        <c:numFmt formatCode="General" sourceLinked="1"/>
+        <c:majorTickMark val="none"/>
+        <c:minorTickMark val="none"/>
+        <c:tickLblPos val="nextTo"/>
+        <c:spPr>
+          <a:noFill/>
+          <a:ln>
+            <a:noFill/>
+          </a:ln>
+          <a:effectLst/>
+        </c:spPr>
+        <c:txPr>
+          <a:bodyPr rot="-60000000" spcFirstLastPara="1" vertOverflow="ellipsis" vert="horz" wrap="square" anchor="ctr" anchorCtr="1"/>
+          <a:lstStyle/>
+          <a:p>
+            <a:pPr>
+              <a:defRPr sz="1197" b="0" i="0" u="none" strike="noStrike" kern="1200" baseline="0">
+                <a:solidFill>
+                  <a:schemeClr val="tx1">
+                    <a:lumMod val="65000"/>
+                    <a:lumOff val="35000"/>
+                  </a:schemeClr>
+                </a:solidFill>
+                <a:latin typeface="+mn-lt"/>
+                <a:ea typeface="+mn-ea"/>
+                <a:cs typeface="+mn-cs"/>
+              </a:defRPr>
+            </a:pPr>
+            <a:endParaRPr lang="es-ES"/>
+          </a:p>
+        </c:txPr>
+        <c:crossAx val="-1072494848"/>
+        <c:crosses val="autoZero"/>
+        <c:crossBetween val="between"/>
+      </c:valAx>
+      <c:spPr>
+        <a:noFill/>
+        <a:ln>
+          <a:noFill/>
+        </a:ln>
+        <a:effectLst/>
+      </c:spPr>
+    </c:plotArea>
+    <c:legend>
+      <c:legendPos val="b"/>
+      <c:layout/>
+      <c:overlay val="0"/>
+      <c:spPr>
+        <a:noFill/>
+        <a:ln>
+          <a:noFill/>
+        </a:ln>
+        <a:effectLst/>
+      </c:spPr>
+      <c:txPr>
+        <a:bodyPr rot="0" spcFirstLastPara="1" vertOverflow="ellipsis" vert="horz" wrap="square" anchor="ctr" anchorCtr="1"/>
+        <a:lstStyle/>
+        <a:p>
+          <a:pPr>
+            <a:defRPr sz="1197" b="0" i="0" u="none" strike="noStrike" kern="1200" baseline="0">
+              <a:solidFill>
+                <a:schemeClr val="tx1">
+                  <a:lumMod val="65000"/>
+                  <a:lumOff val="35000"/>
+                </a:schemeClr>
+              </a:solidFill>
+              <a:latin typeface="+mn-lt"/>
+              <a:ea typeface="+mn-ea"/>
+              <a:cs typeface="+mn-cs"/>
+            </a:defRPr>
+          </a:pPr>
+          <a:endParaRPr lang="es-ES"/>
+        </a:p>
+      </c:txPr>
+    </c:legend>
+    <c:plotVisOnly val="1"/>
+    <c:dispBlanksAs val="gap"/>
+    <c:showDLblsOverMax val="0"/>
+  </c:chart>
+  <c:spPr>
+    <a:noFill/>
+    <a:ln>
+      <a:noFill/>
+    </a:ln>
+    <a:effectLst/>
+  </c:spPr>
+  <c:txPr>
+    <a:bodyPr/>
+    <a:lstStyle/>
+    <a:p>
+      <a:pPr>
+        <a:defRPr/>
+      </a:pPr>
+      <a:endParaRPr lang="es-ES"/>
+    </a:p>
+  </c:txPr>
+  <c:externalData r:id="rId3">
+    <c:autoUpdate val="0"/>
+  </c:externalData>
+</c:chartSpace>
+</file>
+
+<file path=ppt/charts/chart2.xml><?xml version="1.0" encoding="utf-8"?>
+<c:chartSpace xmlns:c="http://schemas.openxmlformats.org/drawingml/2006/chart" xmlns:a="http://schemas.openxmlformats.org/drawingml/2006/main" xmlns:r="http://schemas.openxmlformats.org/officeDocument/2006/relationships">
+  <c:date1904 val="0"/>
+  <c:lang val="en-US"/>
+  <c:roundedCorners val="0"/>
+  <mc:AlternateContent xmlns:mc="http://schemas.openxmlformats.org/markup-compatibility/2006">
+    <mc:Choice xmlns:c14="http://schemas.microsoft.com/office/drawing/2007/8/2/chart" Requires="c14">
+      <c14:style val="102"/>
+    </mc:Choice>
+    <mc:Fallback>
+      <c:style val="2"/>
+    </mc:Fallback>
+  </mc:AlternateContent>
+  <c:chart>
+    <c:title>
+      <c:tx>
+        <c:rich>
+          <a:bodyPr rot="0" spcFirstLastPara="1" vertOverflow="ellipsis" vert="horz" wrap="square" anchor="ctr" anchorCtr="1"/>
+          <a:lstStyle/>
+          <a:p>
+            <a:pPr>
+              <a:defRPr sz="2128" b="1" i="0" u="none" strike="noStrike" kern="1200" baseline="0">
+                <a:solidFill>
+                  <a:schemeClr val="tx1">
+                    <a:lumMod val="65000"/>
+                    <a:lumOff val="35000"/>
+                  </a:schemeClr>
+                </a:solidFill>
+                <a:latin typeface="+mn-lt"/>
+                <a:ea typeface="+mn-ea"/>
+                <a:cs typeface="+mn-cs"/>
+              </a:defRPr>
+            </a:pPr>
+            <a:r>
+              <a:rPr lang="en-GB" b="0" dirty="0" smtClean="0">
+                <a:effectLst>
+                  <a:outerShdw blurRad="38100" dist="38100" dir="2700000" algn="tl">
+                    <a:srgbClr val="000000">
+                      <a:alpha val="43137"/>
+                    </a:srgbClr>
+                  </a:outerShdw>
+                </a:effectLst>
+              </a:rPr>
+              <a:t>Difficulty to communicate with the Team Coach</a:t>
+            </a:r>
+            <a:endParaRPr lang="es-ES" b="0" dirty="0">
+              <a:effectLst>
+                <a:outerShdw blurRad="38100" dist="38100" dir="2700000" algn="tl">
+                  <a:srgbClr val="000000">
+                    <a:alpha val="43137"/>
+                  </a:srgbClr>
+                </a:outerShdw>
+              </a:effectLst>
+            </a:endParaRPr>
+          </a:p>
+        </c:rich>
+      </c:tx>
+      <c:layout>
+        <c:manualLayout>
+          <c:xMode val="edge"/>
+          <c:yMode val="edge"/>
+          <c:x val="0.14984281387218579"/>
+          <c:y val="1.0514019658733135E-2"/>
+        </c:manualLayout>
+      </c:layout>
+      <c:overlay val="0"/>
+      <c:spPr>
+        <a:noFill/>
+        <a:ln>
+          <a:noFill/>
+        </a:ln>
+        <a:effectLst/>
+      </c:spPr>
+      <c:txPr>
+        <a:bodyPr rot="0" spcFirstLastPara="1" vertOverflow="ellipsis" vert="horz" wrap="square" anchor="ctr" anchorCtr="1"/>
+        <a:lstStyle/>
+        <a:p>
+          <a:pPr>
+            <a:defRPr sz="2128" b="1" i="0" u="none" strike="noStrike" kern="1200" baseline="0">
+              <a:solidFill>
+                <a:schemeClr val="tx1">
+                  <a:lumMod val="65000"/>
+                  <a:lumOff val="35000"/>
+                </a:schemeClr>
+              </a:solidFill>
+              <a:latin typeface="+mn-lt"/>
+              <a:ea typeface="+mn-ea"/>
+              <a:cs typeface="+mn-cs"/>
+            </a:defRPr>
+          </a:pPr>
+          <a:endParaRPr lang="es-ES"/>
+        </a:p>
+      </c:txPr>
+    </c:title>
+    <c:autoTitleDeleted val="0"/>
+    <c:plotArea>
+      <c:layout/>
+      <c:barChart>
+        <c:barDir val="col"/>
+        <c:grouping val="clustered"/>
+        <c:varyColors val="0"/>
+        <c:ser>
+          <c:idx val="0"/>
+          <c:order val="0"/>
+          <c:tx>
+            <c:strRef>
+              <c:f>Sheet1!$B$1</c:f>
+              <c:strCache>
+                <c:ptCount val="1"/>
+                <c:pt idx="0">
+                  <c:v>Baseline (median difficulty)</c:v>
+                </c:pt>
+              </c:strCache>
+            </c:strRef>
+          </c:tx>
+          <c:spPr>
+            <a:gradFill rotWithShape="1">
+              <a:gsLst>
+                <a:gs pos="0">
+                  <a:schemeClr val="accent1">
+                    <a:satMod val="103000"/>
+                    <a:lumMod val="102000"/>
+                    <a:tint val="94000"/>
+                  </a:schemeClr>
+                </a:gs>
+                <a:gs pos="50000">
+                  <a:schemeClr val="accent1">
+                    <a:satMod val="110000"/>
+                    <a:lumMod val="100000"/>
+                    <a:shade val="100000"/>
+                  </a:schemeClr>
+                </a:gs>
+                <a:gs pos="100000">
+                  <a:schemeClr val="accent1">
+                    <a:lumMod val="99000"/>
+                    <a:satMod val="120000"/>
+                    <a:shade val="78000"/>
+                  </a:schemeClr>
+                </a:gs>
+              </a:gsLst>
+              <a:lin ang="5400000" scaled="0"/>
+            </a:gradFill>
+            <a:ln>
+              <a:noFill/>
+            </a:ln>
+            <a:effectLst>
+              <a:outerShdw blurRad="57150" dist="19050" dir="5400000" algn="ctr" rotWithShape="0">
+                <a:srgbClr val="000000">
+                  <a:alpha val="63000"/>
+                </a:srgbClr>
+              </a:outerShdw>
+            </a:effectLst>
+          </c:spPr>
+          <c:invertIfNegative val="0"/>
+          <c:dLbls>
+            <c:spPr>
+              <a:noFill/>
+              <a:ln>
+                <a:noFill/>
+              </a:ln>
+              <a:effectLst/>
+            </c:spPr>
+            <c:txPr>
+              <a:bodyPr rot="0" spcFirstLastPara="1" vertOverflow="ellipsis" vert="horz" wrap="square" lIns="38100" tIns="19050" rIns="38100" bIns="19050" anchor="ctr" anchorCtr="1">
+                <a:spAutoFit/>
+              </a:bodyPr>
+              <a:lstStyle/>
+              <a:p>
+                <a:pPr>
+                  <a:defRPr sz="1197" b="0" i="0" u="none" strike="noStrike" kern="1200" baseline="0">
+                    <a:solidFill>
+                      <a:schemeClr val="tx1">
+                        <a:lumMod val="75000"/>
+                        <a:lumOff val="25000"/>
+                      </a:schemeClr>
+                    </a:solidFill>
+                    <a:latin typeface="+mn-lt"/>
+                    <a:ea typeface="+mn-ea"/>
+                    <a:cs typeface="+mn-cs"/>
+                  </a:defRPr>
+                </a:pPr>
+                <a:endParaRPr lang="es-ES"/>
+              </a:p>
+            </c:txPr>
+            <c:dLblPos val="outEnd"/>
+            <c:showLegendKey val="0"/>
+            <c:showVal val="1"/>
+            <c:showCatName val="0"/>
+            <c:showSerName val="0"/>
+            <c:showPercent val="0"/>
+            <c:showBubbleSize val="0"/>
+            <c:showLeaderLines val="0"/>
+            <c:extLst>
+              <c:ext xmlns:c15="http://schemas.microsoft.com/office/drawing/2012/chart" uri="{CE6537A1-D6FC-4f65-9D91-7224C49458BB}">
+                <c15:layout/>
+                <c15:showLeaderLines val="1"/>
+                <c15:leaderLines>
+                  <c:spPr>
+                    <a:ln w="9525" cap="flat" cmpd="sng" algn="ctr">
+                      <a:solidFill>
+                        <a:schemeClr val="tx1">
+                          <a:lumMod val="35000"/>
+                          <a:lumOff val="65000"/>
+                        </a:schemeClr>
+                      </a:solidFill>
+                      <a:round/>
+                    </a:ln>
+                    <a:effectLst/>
+                  </c:spPr>
+                </c15:leaderLines>
+              </c:ext>
+            </c:extLst>
+          </c:dLbls>
+          <c:cat>
+            <c:strRef>
+              <c:f>Sheet1!$A$2</c:f>
+              <c:strCache>
+                <c:ptCount val="1"/>
+                <c:pt idx="0">
+                  <c:v>Developers</c:v>
+                </c:pt>
+              </c:strCache>
+            </c:strRef>
+          </c:cat>
+          <c:val>
+            <c:numRef>
+              <c:f>Sheet1!$B$2</c:f>
+              <c:numCache>
+                <c:formatCode>General</c:formatCode>
+                <c:ptCount val="1"/>
+                <c:pt idx="0">
+                  <c:v>1.3875</c:v>
+                </c:pt>
+              </c:numCache>
+            </c:numRef>
+          </c:val>
+        </c:ser>
+        <c:ser>
+          <c:idx val="1"/>
+          <c:order val="1"/>
+          <c:tx>
+            <c:strRef>
+              <c:f>Sheet1!$C$1</c:f>
+              <c:strCache>
+                <c:ptCount val="1"/>
+                <c:pt idx="0">
+                  <c:v>Treatment (median difficulty)</c:v>
+                </c:pt>
+              </c:strCache>
+            </c:strRef>
+          </c:tx>
+          <c:spPr>
+            <a:gradFill rotWithShape="1">
+              <a:gsLst>
+                <a:gs pos="0">
+                  <a:schemeClr val="accent2">
+                    <a:satMod val="103000"/>
+                    <a:lumMod val="102000"/>
+                    <a:tint val="94000"/>
+                  </a:schemeClr>
+                </a:gs>
+                <a:gs pos="50000">
+                  <a:schemeClr val="accent2">
+                    <a:satMod val="110000"/>
+                    <a:lumMod val="100000"/>
+                    <a:shade val="100000"/>
+                  </a:schemeClr>
+                </a:gs>
+                <a:gs pos="100000">
+                  <a:schemeClr val="accent2">
+                    <a:lumMod val="99000"/>
+                    <a:satMod val="120000"/>
+                    <a:shade val="78000"/>
+                  </a:schemeClr>
+                </a:gs>
+              </a:gsLst>
+              <a:lin ang="5400000" scaled="0"/>
+            </a:gradFill>
+            <a:ln>
+              <a:noFill/>
+            </a:ln>
+            <a:effectLst>
+              <a:outerShdw blurRad="57150" dist="19050" dir="5400000" algn="ctr" rotWithShape="0">
+                <a:srgbClr val="000000">
+                  <a:alpha val="63000"/>
+                </a:srgbClr>
+              </a:outerShdw>
+            </a:effectLst>
+          </c:spPr>
+          <c:invertIfNegative val="0"/>
+          <c:dLbls>
+            <c:spPr>
+              <a:noFill/>
+              <a:ln>
+                <a:noFill/>
+              </a:ln>
+              <a:effectLst/>
+            </c:spPr>
+            <c:txPr>
+              <a:bodyPr rot="0" spcFirstLastPara="1" vertOverflow="ellipsis" vert="horz" wrap="square" lIns="38100" tIns="19050" rIns="38100" bIns="19050" anchor="ctr" anchorCtr="1">
+                <a:spAutoFit/>
+              </a:bodyPr>
+              <a:lstStyle/>
+              <a:p>
+                <a:pPr>
+                  <a:defRPr sz="1197" b="0" i="0" u="none" strike="noStrike" kern="1200" baseline="0">
+                    <a:solidFill>
+                      <a:schemeClr val="tx1">
+                        <a:lumMod val="75000"/>
+                        <a:lumOff val="25000"/>
+                      </a:schemeClr>
+                    </a:solidFill>
+                    <a:latin typeface="+mn-lt"/>
+                    <a:ea typeface="+mn-ea"/>
+                    <a:cs typeface="+mn-cs"/>
+                  </a:defRPr>
+                </a:pPr>
+                <a:endParaRPr lang="es-ES"/>
+              </a:p>
+            </c:txPr>
+            <c:dLblPos val="outEnd"/>
+            <c:showLegendKey val="0"/>
+            <c:showVal val="1"/>
+            <c:showCatName val="0"/>
+            <c:showSerName val="0"/>
+            <c:showPercent val="0"/>
+            <c:showBubbleSize val="0"/>
+            <c:showLeaderLines val="0"/>
+            <c:extLst>
+              <c:ext xmlns:c15="http://schemas.microsoft.com/office/drawing/2012/chart" uri="{CE6537A1-D6FC-4f65-9D91-7224C49458BB}">
+                <c15:layout/>
+                <c15:showLeaderLines val="1"/>
+                <c15:leaderLines>
+                  <c:spPr>
+                    <a:ln w="9525" cap="flat" cmpd="sng" algn="ctr">
+                      <a:solidFill>
+                        <a:schemeClr val="tx1">
+                          <a:lumMod val="35000"/>
+                          <a:lumOff val="65000"/>
+                        </a:schemeClr>
+                      </a:solidFill>
+                      <a:round/>
+                    </a:ln>
+                    <a:effectLst/>
+                  </c:spPr>
+                </c15:leaderLines>
+              </c:ext>
+            </c:extLst>
+          </c:dLbls>
+          <c:cat>
+            <c:strRef>
+              <c:f>Sheet1!$A$2</c:f>
+              <c:strCache>
+                <c:ptCount val="1"/>
+                <c:pt idx="0">
+                  <c:v>Developers</c:v>
+                </c:pt>
+              </c:strCache>
+            </c:strRef>
+          </c:cat>
+          <c:val>
+            <c:numRef>
+              <c:f>Sheet1!$C$2</c:f>
+              <c:numCache>
+                <c:formatCode>General</c:formatCode>
+                <c:ptCount val="1"/>
+                <c:pt idx="0">
+                  <c:v>1.125</c:v>
+                </c:pt>
+              </c:numCache>
+            </c:numRef>
+          </c:val>
+        </c:ser>
+        <c:dLbls>
+          <c:showLegendKey val="0"/>
+          <c:showVal val="0"/>
+          <c:showCatName val="0"/>
+          <c:showSerName val="0"/>
+          <c:showPercent val="0"/>
+          <c:showBubbleSize val="0"/>
+        </c:dLbls>
+        <c:gapWidth val="100"/>
+        <c:overlap val="-24"/>
+        <c:axId val="-1042227664"/>
+        <c:axId val="-1042232016"/>
+      </c:barChart>
+      <c:catAx>
+        <c:axId val="-1042227664"/>
+        <c:scaling>
+          <c:orientation val="minMax"/>
+        </c:scaling>
+        <c:delete val="0"/>
+        <c:axPos val="b"/>
+        <c:numFmt formatCode="General" sourceLinked="1"/>
+        <c:majorTickMark val="none"/>
+        <c:minorTickMark val="none"/>
+        <c:tickLblPos val="nextTo"/>
+        <c:spPr>
+          <a:noFill/>
+          <a:ln w="12700" cap="flat" cmpd="sng" algn="ctr">
+            <a:solidFill>
+              <a:schemeClr val="tx1">
+                <a:lumMod val="15000"/>
+                <a:lumOff val="85000"/>
+              </a:schemeClr>
+            </a:solidFill>
+            <a:round/>
+          </a:ln>
+          <a:effectLst/>
+        </c:spPr>
+        <c:txPr>
+          <a:bodyPr rot="-60000000" spcFirstLastPara="1" vertOverflow="ellipsis" vert="horz" wrap="square" anchor="ctr" anchorCtr="1"/>
+          <a:lstStyle/>
+          <a:p>
+            <a:pPr>
+              <a:defRPr sz="1197" b="0" i="0" u="none" strike="noStrike" kern="1200" baseline="0">
+                <a:solidFill>
+                  <a:schemeClr val="tx1">
+                    <a:lumMod val="65000"/>
+                    <a:lumOff val="35000"/>
+                  </a:schemeClr>
+                </a:solidFill>
+                <a:latin typeface="+mn-lt"/>
+                <a:ea typeface="+mn-ea"/>
+                <a:cs typeface="+mn-cs"/>
+              </a:defRPr>
+            </a:pPr>
+            <a:endParaRPr lang="es-ES"/>
+          </a:p>
+        </c:txPr>
+        <c:crossAx val="-1042232016"/>
+        <c:crosses val="autoZero"/>
+        <c:auto val="1"/>
+        <c:lblAlgn val="ctr"/>
+        <c:lblOffset val="100"/>
+        <c:noMultiLvlLbl val="0"/>
+      </c:catAx>
+      <c:valAx>
+        <c:axId val="-1042232016"/>
+        <c:scaling>
+          <c:orientation val="minMax"/>
+          <c:max val="5"/>
+          <c:min val="1"/>
+        </c:scaling>
+        <c:delete val="0"/>
+        <c:axPos val="l"/>
+        <c:majorGridlines>
+          <c:spPr>
+            <a:ln w="9525" cap="flat" cmpd="sng" algn="ctr">
+              <a:solidFill>
+                <a:schemeClr val="tx1">
+                  <a:lumMod val="15000"/>
+                  <a:lumOff val="85000"/>
+                </a:schemeClr>
+              </a:solidFill>
+              <a:round/>
+            </a:ln>
+            <a:effectLst/>
+          </c:spPr>
+        </c:majorGridlines>
+        <c:numFmt formatCode="General" sourceLinked="1"/>
+        <c:majorTickMark val="none"/>
+        <c:minorTickMark val="none"/>
+        <c:tickLblPos val="nextTo"/>
+        <c:spPr>
+          <a:noFill/>
+          <a:ln>
+            <a:noFill/>
+          </a:ln>
+          <a:effectLst/>
+        </c:spPr>
+        <c:txPr>
+          <a:bodyPr rot="-60000000" spcFirstLastPara="1" vertOverflow="ellipsis" vert="horz" wrap="square" anchor="ctr" anchorCtr="1"/>
+          <a:lstStyle/>
+          <a:p>
+            <a:pPr>
+              <a:defRPr sz="1197" b="0" i="0" u="none" strike="noStrike" kern="1200" baseline="0">
+                <a:solidFill>
+                  <a:schemeClr val="tx1">
+                    <a:lumMod val="65000"/>
+                    <a:lumOff val="35000"/>
+                  </a:schemeClr>
+                </a:solidFill>
+                <a:latin typeface="+mn-lt"/>
+                <a:ea typeface="+mn-ea"/>
+                <a:cs typeface="+mn-cs"/>
+              </a:defRPr>
+            </a:pPr>
+            <a:endParaRPr lang="es-ES"/>
+          </a:p>
+        </c:txPr>
+        <c:crossAx val="-1042227664"/>
+        <c:crosses val="autoZero"/>
+        <c:crossBetween val="between"/>
+      </c:valAx>
+      <c:spPr>
+        <a:noFill/>
+        <a:ln>
+          <a:noFill/>
+        </a:ln>
+        <a:effectLst/>
+      </c:spPr>
+    </c:plotArea>
+    <c:legend>
+      <c:legendPos val="b"/>
+      <c:layout/>
+      <c:overlay val="0"/>
+      <c:spPr>
+        <a:noFill/>
+        <a:ln>
+          <a:noFill/>
+        </a:ln>
+        <a:effectLst/>
+      </c:spPr>
+      <c:txPr>
+        <a:bodyPr rot="0" spcFirstLastPara="1" vertOverflow="ellipsis" vert="horz" wrap="square" anchor="ctr" anchorCtr="1"/>
+        <a:lstStyle/>
+        <a:p>
+          <a:pPr>
+            <a:defRPr sz="1197" b="0" i="0" u="none" strike="noStrike" kern="1200" baseline="0">
+              <a:solidFill>
+                <a:schemeClr val="tx1">
+                  <a:lumMod val="65000"/>
+                  <a:lumOff val="35000"/>
+                </a:schemeClr>
+              </a:solidFill>
+              <a:latin typeface="+mn-lt"/>
+              <a:ea typeface="+mn-ea"/>
+              <a:cs typeface="+mn-cs"/>
+            </a:defRPr>
+          </a:pPr>
+          <a:endParaRPr lang="es-ES"/>
+        </a:p>
+      </c:txPr>
+    </c:legend>
+    <c:plotVisOnly val="1"/>
+    <c:dispBlanksAs val="gap"/>
+    <c:showDLblsOverMax val="0"/>
+  </c:chart>
+  <c:spPr>
+    <a:noFill/>
+    <a:ln>
+      <a:noFill/>
+    </a:ln>
+    <a:effectLst/>
+  </c:spPr>
+  <c:txPr>
+    <a:bodyPr/>
+    <a:lstStyle/>
+    <a:p>
+      <a:pPr>
+        <a:defRPr/>
+      </a:pPr>
+      <a:endParaRPr lang="es-ES"/>
+    </a:p>
+  </c:txPr>
+  <c:externalData r:id="rId3">
+    <c:autoUpdate val="0"/>
+  </c:externalData>
+</c:chartSpace>
+</file>
+
+<file path=ppt/charts/chart3.xml><?xml version="1.0" encoding="utf-8"?>
+<c:chartSpace xmlns:c="http://schemas.openxmlformats.org/drawingml/2006/chart" xmlns:a="http://schemas.openxmlformats.org/drawingml/2006/main" xmlns:r="http://schemas.openxmlformats.org/officeDocument/2006/relationships">
+  <c:date1904 val="0"/>
+  <c:lang val="en-US"/>
+  <c:roundedCorners val="0"/>
+  <mc:AlternateContent xmlns:mc="http://schemas.openxmlformats.org/markup-compatibility/2006">
+    <mc:Choice xmlns:c14="http://schemas.microsoft.com/office/drawing/2007/8/2/chart" Requires="c14">
+      <c14:style val="102"/>
+    </mc:Choice>
+    <mc:Fallback>
+      <c:style val="2"/>
+    </mc:Fallback>
+  </mc:AlternateContent>
+  <c:chart>
+    <c:title>
+      <c:tx>
+        <c:rich>
+          <a:bodyPr rot="0" spcFirstLastPara="1" vertOverflow="ellipsis" vert="horz" wrap="square" anchor="ctr" anchorCtr="1"/>
+          <a:lstStyle/>
+          <a:p>
+            <a:pPr>
+              <a:defRPr sz="2128" b="1" i="0" u="none" strike="noStrike" kern="1200" baseline="0">
+                <a:solidFill>
+                  <a:schemeClr val="tx1">
+                    <a:lumMod val="65000"/>
+                    <a:lumOff val="35000"/>
+                  </a:schemeClr>
+                </a:solidFill>
+                <a:latin typeface="+mn-lt"/>
+                <a:ea typeface="+mn-ea"/>
+                <a:cs typeface="+mn-cs"/>
+              </a:defRPr>
+            </a:pPr>
+            <a:r>
+              <a:rPr lang="en-GB" b="0" dirty="0" smtClean="0">
+                <a:effectLst>
+                  <a:outerShdw blurRad="38100" dist="38100" dir="2700000" algn="tl">
+                    <a:srgbClr val="000000">
+                      <a:alpha val="43137"/>
+                    </a:srgbClr>
+                  </a:outerShdw>
+                </a:effectLst>
+              </a:rPr>
+              <a:t>Utility of the communications with the Team Coach</a:t>
+            </a:r>
+            <a:endParaRPr lang="es-ES" b="0" dirty="0">
+              <a:effectLst>
+                <a:outerShdw blurRad="38100" dist="38100" dir="2700000" algn="tl">
+                  <a:srgbClr val="000000">
+                    <a:alpha val="43137"/>
+                  </a:srgbClr>
+                </a:outerShdw>
+              </a:effectLst>
+            </a:endParaRPr>
+          </a:p>
+        </c:rich>
+      </c:tx>
+      <c:layout>
+        <c:manualLayout>
+          <c:xMode val="edge"/>
+          <c:yMode val="edge"/>
+          <c:x val="0.14984281387218579"/>
+          <c:y val="1.0514019658733135E-2"/>
+        </c:manualLayout>
+      </c:layout>
+      <c:overlay val="0"/>
+      <c:spPr>
+        <a:noFill/>
+        <a:ln>
+          <a:noFill/>
+        </a:ln>
+        <a:effectLst/>
+      </c:spPr>
+      <c:txPr>
+        <a:bodyPr rot="0" spcFirstLastPara="1" vertOverflow="ellipsis" vert="horz" wrap="square" anchor="ctr" anchorCtr="1"/>
+        <a:lstStyle/>
+        <a:p>
+          <a:pPr>
+            <a:defRPr sz="2128" b="1" i="0" u="none" strike="noStrike" kern="1200" baseline="0">
+              <a:solidFill>
+                <a:schemeClr val="tx1">
+                  <a:lumMod val="65000"/>
+                  <a:lumOff val="35000"/>
+                </a:schemeClr>
+              </a:solidFill>
+              <a:latin typeface="+mn-lt"/>
+              <a:ea typeface="+mn-ea"/>
+              <a:cs typeface="+mn-cs"/>
+            </a:defRPr>
+          </a:pPr>
+          <a:endParaRPr lang="es-ES"/>
+        </a:p>
+      </c:txPr>
+    </c:title>
+    <c:autoTitleDeleted val="0"/>
+    <c:plotArea>
+      <c:layout/>
+      <c:barChart>
+        <c:barDir val="col"/>
+        <c:grouping val="clustered"/>
+        <c:varyColors val="0"/>
+        <c:ser>
+          <c:idx val="0"/>
+          <c:order val="0"/>
+          <c:tx>
+            <c:strRef>
+              <c:f>Sheet1!$B$1</c:f>
+              <c:strCache>
+                <c:ptCount val="1"/>
+                <c:pt idx="0">
+                  <c:v>Baseline (median utility)</c:v>
+                </c:pt>
+              </c:strCache>
+            </c:strRef>
+          </c:tx>
+          <c:spPr>
+            <a:gradFill rotWithShape="1">
+              <a:gsLst>
+                <a:gs pos="0">
+                  <a:schemeClr val="accent1">
+                    <a:satMod val="103000"/>
+                    <a:lumMod val="102000"/>
+                    <a:tint val="94000"/>
+                  </a:schemeClr>
+                </a:gs>
+                <a:gs pos="50000">
+                  <a:schemeClr val="accent1">
+                    <a:satMod val="110000"/>
+                    <a:lumMod val="100000"/>
+                    <a:shade val="100000"/>
+                  </a:schemeClr>
+                </a:gs>
+                <a:gs pos="100000">
+                  <a:schemeClr val="accent1">
+                    <a:lumMod val="99000"/>
+                    <a:satMod val="120000"/>
+                    <a:shade val="78000"/>
+                  </a:schemeClr>
+                </a:gs>
+              </a:gsLst>
+              <a:lin ang="5400000" scaled="0"/>
+            </a:gradFill>
+            <a:ln>
+              <a:noFill/>
+            </a:ln>
+            <a:effectLst>
+              <a:outerShdw blurRad="57150" dist="19050" dir="5400000" algn="ctr" rotWithShape="0">
+                <a:srgbClr val="000000">
+                  <a:alpha val="63000"/>
+                </a:srgbClr>
+              </a:outerShdw>
+            </a:effectLst>
+          </c:spPr>
+          <c:invertIfNegative val="0"/>
+          <c:dLbls>
+            <c:spPr>
+              <a:noFill/>
+              <a:ln>
+                <a:noFill/>
+              </a:ln>
+              <a:effectLst/>
+            </c:spPr>
+            <c:txPr>
+              <a:bodyPr rot="0" spcFirstLastPara="1" vertOverflow="ellipsis" vert="horz" wrap="square" lIns="38100" tIns="19050" rIns="38100" bIns="19050" anchor="ctr" anchorCtr="1">
+                <a:spAutoFit/>
+              </a:bodyPr>
+              <a:lstStyle/>
+              <a:p>
+                <a:pPr>
+                  <a:defRPr sz="1197" b="0" i="0" u="none" strike="noStrike" kern="1200" baseline="0">
+                    <a:solidFill>
+                      <a:schemeClr val="tx1">
+                        <a:lumMod val="75000"/>
+                        <a:lumOff val="25000"/>
+                      </a:schemeClr>
+                    </a:solidFill>
+                    <a:latin typeface="+mn-lt"/>
+                    <a:ea typeface="+mn-ea"/>
+                    <a:cs typeface="+mn-cs"/>
+                  </a:defRPr>
+                </a:pPr>
+                <a:endParaRPr lang="es-ES"/>
+              </a:p>
+            </c:txPr>
+            <c:dLblPos val="outEnd"/>
+            <c:showLegendKey val="0"/>
+            <c:showVal val="1"/>
+            <c:showCatName val="0"/>
+            <c:showSerName val="0"/>
+            <c:showPercent val="0"/>
+            <c:showBubbleSize val="0"/>
+            <c:showLeaderLines val="0"/>
+            <c:extLst>
+              <c:ext xmlns:c15="http://schemas.microsoft.com/office/drawing/2012/chart" uri="{CE6537A1-D6FC-4f65-9D91-7224C49458BB}">
+                <c15:layout/>
+                <c15:showLeaderLines val="1"/>
+                <c15:leaderLines>
+                  <c:spPr>
+                    <a:ln w="9525" cap="flat" cmpd="sng" algn="ctr">
+                      <a:solidFill>
+                        <a:schemeClr val="tx1">
+                          <a:lumMod val="35000"/>
+                          <a:lumOff val="65000"/>
+                        </a:schemeClr>
+                      </a:solidFill>
+                      <a:round/>
+                    </a:ln>
+                    <a:effectLst/>
+                  </c:spPr>
+                </c15:leaderLines>
+              </c:ext>
+            </c:extLst>
+          </c:dLbls>
+          <c:cat>
+            <c:strRef>
+              <c:f>Sheet1!$A$2</c:f>
+              <c:strCache>
+                <c:ptCount val="1"/>
+                <c:pt idx="0">
+                  <c:v>Developers</c:v>
+                </c:pt>
+              </c:strCache>
+            </c:strRef>
+          </c:cat>
+          <c:val>
+            <c:numRef>
+              <c:f>Sheet1!$B$2</c:f>
+              <c:numCache>
+                <c:formatCode>General</c:formatCode>
+                <c:ptCount val="1"/>
+                <c:pt idx="0">
+                  <c:v>3.5</c:v>
+                </c:pt>
+              </c:numCache>
+            </c:numRef>
+          </c:val>
+        </c:ser>
+        <c:ser>
+          <c:idx val="1"/>
+          <c:order val="1"/>
+          <c:tx>
+            <c:strRef>
+              <c:f>Sheet1!$C$1</c:f>
+              <c:strCache>
+                <c:ptCount val="1"/>
+                <c:pt idx="0">
+                  <c:v>Treatment (median utility)</c:v>
+                </c:pt>
+              </c:strCache>
+            </c:strRef>
+          </c:tx>
+          <c:spPr>
+            <a:gradFill rotWithShape="1">
+              <a:gsLst>
+                <a:gs pos="0">
+                  <a:schemeClr val="accent2">
+                    <a:satMod val="103000"/>
+                    <a:lumMod val="102000"/>
+                    <a:tint val="94000"/>
+                  </a:schemeClr>
+                </a:gs>
+                <a:gs pos="50000">
+                  <a:schemeClr val="accent2">
+                    <a:satMod val="110000"/>
+                    <a:lumMod val="100000"/>
+                    <a:shade val="100000"/>
+                  </a:schemeClr>
+                </a:gs>
+                <a:gs pos="100000">
+                  <a:schemeClr val="accent2">
+                    <a:lumMod val="99000"/>
+                    <a:satMod val="120000"/>
+                    <a:shade val="78000"/>
+                  </a:schemeClr>
+                </a:gs>
+              </a:gsLst>
+              <a:lin ang="5400000" scaled="0"/>
+            </a:gradFill>
+            <a:ln>
+              <a:noFill/>
+            </a:ln>
+            <a:effectLst>
+              <a:outerShdw blurRad="57150" dist="19050" dir="5400000" algn="ctr" rotWithShape="0">
+                <a:srgbClr val="000000">
+                  <a:alpha val="63000"/>
+                </a:srgbClr>
+              </a:outerShdw>
+            </a:effectLst>
+          </c:spPr>
+          <c:invertIfNegative val="0"/>
+          <c:dLbls>
+            <c:spPr>
+              <a:noFill/>
+              <a:ln>
+                <a:noFill/>
+              </a:ln>
+              <a:effectLst/>
+            </c:spPr>
+            <c:txPr>
+              <a:bodyPr rot="0" spcFirstLastPara="1" vertOverflow="ellipsis" vert="horz" wrap="square" lIns="38100" tIns="19050" rIns="38100" bIns="19050" anchor="ctr" anchorCtr="1">
+                <a:spAutoFit/>
+              </a:bodyPr>
+              <a:lstStyle/>
+              <a:p>
+                <a:pPr>
+                  <a:defRPr sz="1197" b="0" i="0" u="none" strike="noStrike" kern="1200" baseline="0">
+                    <a:solidFill>
+                      <a:schemeClr val="tx1">
+                        <a:lumMod val="75000"/>
+                        <a:lumOff val="25000"/>
+                      </a:schemeClr>
+                    </a:solidFill>
+                    <a:latin typeface="+mn-lt"/>
+                    <a:ea typeface="+mn-ea"/>
+                    <a:cs typeface="+mn-cs"/>
+                  </a:defRPr>
+                </a:pPr>
+                <a:endParaRPr lang="es-ES"/>
+              </a:p>
+            </c:txPr>
+            <c:dLblPos val="outEnd"/>
+            <c:showLegendKey val="0"/>
+            <c:showVal val="1"/>
+            <c:showCatName val="0"/>
+            <c:showSerName val="0"/>
+            <c:showPercent val="0"/>
+            <c:showBubbleSize val="0"/>
+            <c:showLeaderLines val="0"/>
+            <c:extLst>
+              <c:ext xmlns:c15="http://schemas.microsoft.com/office/drawing/2012/chart" uri="{CE6537A1-D6FC-4f65-9D91-7224C49458BB}">
+                <c15:layout/>
+                <c15:showLeaderLines val="1"/>
+                <c15:leaderLines>
+                  <c:spPr>
+                    <a:ln w="9525" cap="flat" cmpd="sng" algn="ctr">
+                      <a:solidFill>
+                        <a:schemeClr val="tx1">
+                          <a:lumMod val="35000"/>
+                          <a:lumOff val="65000"/>
+                        </a:schemeClr>
+                      </a:solidFill>
+                      <a:round/>
+                    </a:ln>
+                    <a:effectLst/>
+                  </c:spPr>
+                </c15:leaderLines>
+              </c:ext>
+            </c:extLst>
+          </c:dLbls>
+          <c:cat>
+            <c:strRef>
+              <c:f>Sheet1!$A$2</c:f>
+              <c:strCache>
+                <c:ptCount val="1"/>
+                <c:pt idx="0">
+                  <c:v>Developers</c:v>
+                </c:pt>
+              </c:strCache>
+            </c:strRef>
+          </c:cat>
+          <c:val>
+            <c:numRef>
+              <c:f>Sheet1!$C$2</c:f>
+              <c:numCache>
+                <c:formatCode>General</c:formatCode>
+                <c:ptCount val="1"/>
+                <c:pt idx="0">
+                  <c:v>3.6391</c:v>
+                </c:pt>
+              </c:numCache>
+            </c:numRef>
+          </c:val>
+        </c:ser>
+        <c:dLbls>
+          <c:showLegendKey val="0"/>
+          <c:showVal val="0"/>
+          <c:showCatName val="0"/>
+          <c:showSerName val="0"/>
+          <c:showPercent val="0"/>
+          <c:showBubbleSize val="0"/>
+        </c:dLbls>
+        <c:gapWidth val="100"/>
+        <c:overlap val="-24"/>
+        <c:axId val="-1042212432"/>
+        <c:axId val="-1042211888"/>
+      </c:barChart>
+      <c:catAx>
+        <c:axId val="-1042212432"/>
+        <c:scaling>
+          <c:orientation val="minMax"/>
+        </c:scaling>
+        <c:delete val="0"/>
+        <c:axPos val="b"/>
+        <c:numFmt formatCode="General" sourceLinked="1"/>
+        <c:majorTickMark val="none"/>
+        <c:minorTickMark val="none"/>
+        <c:tickLblPos val="nextTo"/>
+        <c:spPr>
+          <a:noFill/>
+          <a:ln w="12700" cap="flat" cmpd="sng" algn="ctr">
+            <a:solidFill>
+              <a:schemeClr val="tx1">
+                <a:lumMod val="15000"/>
+                <a:lumOff val="85000"/>
+              </a:schemeClr>
+            </a:solidFill>
+            <a:round/>
+          </a:ln>
+          <a:effectLst/>
+        </c:spPr>
+        <c:txPr>
+          <a:bodyPr rot="-60000000" spcFirstLastPara="1" vertOverflow="ellipsis" vert="horz" wrap="square" anchor="ctr" anchorCtr="1"/>
+          <a:lstStyle/>
+          <a:p>
+            <a:pPr>
+              <a:defRPr sz="1197" b="0" i="0" u="none" strike="noStrike" kern="1200" baseline="0">
+                <a:solidFill>
+                  <a:schemeClr val="tx1">
+                    <a:lumMod val="65000"/>
+                    <a:lumOff val="35000"/>
+                  </a:schemeClr>
+                </a:solidFill>
+                <a:latin typeface="+mn-lt"/>
+                <a:ea typeface="+mn-ea"/>
+                <a:cs typeface="+mn-cs"/>
+              </a:defRPr>
+            </a:pPr>
+            <a:endParaRPr lang="es-ES"/>
+          </a:p>
+        </c:txPr>
+        <c:crossAx val="-1042211888"/>
+        <c:crosses val="autoZero"/>
+        <c:auto val="1"/>
+        <c:lblAlgn val="ctr"/>
+        <c:lblOffset val="100"/>
+        <c:noMultiLvlLbl val="0"/>
+      </c:catAx>
+      <c:valAx>
+        <c:axId val="-1042211888"/>
+        <c:scaling>
+          <c:orientation val="minMax"/>
+          <c:max val="5"/>
+          <c:min val="1"/>
+        </c:scaling>
+        <c:delete val="0"/>
+        <c:axPos val="l"/>
+        <c:majorGridlines>
+          <c:spPr>
+            <a:ln w="9525" cap="flat" cmpd="sng" algn="ctr">
+              <a:solidFill>
+                <a:schemeClr val="tx1">
+                  <a:lumMod val="15000"/>
+                  <a:lumOff val="85000"/>
+                </a:schemeClr>
+              </a:solidFill>
+              <a:round/>
+            </a:ln>
+            <a:effectLst/>
+          </c:spPr>
+        </c:majorGridlines>
+        <c:numFmt formatCode="General" sourceLinked="1"/>
+        <c:majorTickMark val="none"/>
+        <c:minorTickMark val="none"/>
+        <c:tickLblPos val="nextTo"/>
+        <c:spPr>
+          <a:noFill/>
+          <a:ln>
+            <a:noFill/>
+          </a:ln>
+          <a:effectLst/>
+        </c:spPr>
+        <c:txPr>
+          <a:bodyPr rot="-60000000" spcFirstLastPara="1" vertOverflow="ellipsis" vert="horz" wrap="square" anchor="ctr" anchorCtr="1"/>
+          <a:lstStyle/>
+          <a:p>
+            <a:pPr>
+              <a:defRPr sz="1197" b="0" i="0" u="none" strike="noStrike" kern="1200" baseline="0">
+                <a:solidFill>
+                  <a:schemeClr val="tx1">
+                    <a:lumMod val="65000"/>
+                    <a:lumOff val="35000"/>
+                  </a:schemeClr>
+                </a:solidFill>
+                <a:latin typeface="+mn-lt"/>
+                <a:ea typeface="+mn-ea"/>
+                <a:cs typeface="+mn-cs"/>
+              </a:defRPr>
+            </a:pPr>
+            <a:endParaRPr lang="es-ES"/>
+          </a:p>
+        </c:txPr>
+        <c:crossAx val="-1042212432"/>
+        <c:crosses val="autoZero"/>
+        <c:crossBetween val="between"/>
+      </c:valAx>
+      <c:spPr>
+        <a:noFill/>
+        <a:ln>
+          <a:noFill/>
+        </a:ln>
+        <a:effectLst/>
+      </c:spPr>
+    </c:plotArea>
+    <c:legend>
+      <c:legendPos val="b"/>
+      <c:layout/>
+      <c:overlay val="0"/>
+      <c:spPr>
+        <a:noFill/>
+        <a:ln>
+          <a:noFill/>
+        </a:ln>
+        <a:effectLst/>
+      </c:spPr>
+      <c:txPr>
+        <a:bodyPr rot="0" spcFirstLastPara="1" vertOverflow="ellipsis" vert="horz" wrap="square" anchor="ctr" anchorCtr="1"/>
+        <a:lstStyle/>
+        <a:p>
+          <a:pPr>
+            <a:defRPr sz="1197" b="0" i="0" u="none" strike="noStrike" kern="1200" baseline="0">
+              <a:solidFill>
+                <a:schemeClr val="tx1">
+                  <a:lumMod val="65000"/>
+                  <a:lumOff val="35000"/>
+                </a:schemeClr>
+              </a:solidFill>
+              <a:latin typeface="+mn-lt"/>
+              <a:ea typeface="+mn-ea"/>
+              <a:cs typeface="+mn-cs"/>
+            </a:defRPr>
+          </a:pPr>
+          <a:endParaRPr lang="es-ES"/>
+        </a:p>
+      </c:txPr>
+    </c:legend>
+    <c:plotVisOnly val="1"/>
+    <c:dispBlanksAs val="gap"/>
+    <c:showDLblsOverMax val="0"/>
+  </c:chart>
+  <c:spPr>
+    <a:noFill/>
+    <a:ln>
+      <a:noFill/>
+    </a:ln>
+    <a:effectLst/>
+  </c:spPr>
+  <c:txPr>
+    <a:bodyPr/>
+    <a:lstStyle/>
+    <a:p>
+      <a:pPr>
+        <a:defRPr/>
+      </a:pPr>
+      <a:endParaRPr lang="es-ES"/>
+    </a:p>
+  </c:txPr>
+  <c:externalData r:id="rId3">
+    <c:autoUpdate val="0"/>
+  </c:externalData>
+</c:chartSpace>
+</file>
+
+<file path=ppt/charts/colors1.xml><?xml version="1.0" encoding="utf-8"?>
+<cs:colorStyle xmlns:cs="http://schemas.microsoft.com/office/drawing/2012/chartStyle" xmlns:a="http://schemas.openxmlformats.org/drawingml/2006/main" meth="cycle" id="10">
+  <a:schemeClr val="accent1"/>
+  <a:schemeClr val="accent2"/>
+  <a:schemeClr val="accent3"/>
+  <a:schemeClr val="accent4"/>
+  <a:schemeClr val="accent5"/>
+  <a:schemeClr val="accent6"/>
+  <cs:variation/>
+  <cs:variation>
+    <a:lumMod val="60000"/>
+  </cs:variation>
+  <cs:variation>
+    <a:lumMod val="80000"/>
+    <a:lumOff val="20000"/>
+  </cs:variation>
+  <cs:variation>
+    <a:lumMod val="80000"/>
+  </cs:variation>
+  <cs:variation>
+    <a:lumMod val="60000"/>
+    <a:lumOff val="40000"/>
+  </cs:variation>
+  <cs:variation>
+    <a:lumMod val="50000"/>
+  </cs:variation>
+  <cs:variation>
+    <a:lumMod val="70000"/>
+    <a:lumOff val="30000"/>
+  </cs:variation>
+  <cs:variation>
+    <a:lumMod val="70000"/>
+  </cs:variation>
+  <cs:variation>
+    <a:lumMod val="50000"/>
+    <a:lumOff val="50000"/>
+  </cs:variation>
+</cs:colorStyle>
+</file>
+
+<file path=ppt/charts/colors2.xml><?xml version="1.0" encoding="utf-8"?>
+<cs:colorStyle xmlns:cs="http://schemas.microsoft.com/office/drawing/2012/chartStyle" xmlns:a="http://schemas.openxmlformats.org/drawingml/2006/main" meth="cycle" id="10">
+  <a:schemeClr val="accent1"/>
+  <a:schemeClr val="accent2"/>
+  <a:schemeClr val="accent3"/>
+  <a:schemeClr val="accent4"/>
+  <a:schemeClr val="accent5"/>
+  <a:schemeClr val="accent6"/>
+  <cs:variation/>
+  <cs:variation>
+    <a:lumMod val="60000"/>
+  </cs:variation>
+  <cs:variation>
+    <a:lumMod val="80000"/>
+    <a:lumOff val="20000"/>
+  </cs:variation>
+  <cs:variation>
+    <a:lumMod val="80000"/>
+  </cs:variation>
+  <cs:variation>
+    <a:lumMod val="60000"/>
+    <a:lumOff val="40000"/>
+  </cs:variation>
+  <cs:variation>
+    <a:lumMod val="50000"/>
+  </cs:variation>
+  <cs:variation>
+    <a:lumMod val="70000"/>
+    <a:lumOff val="30000"/>
+  </cs:variation>
+  <cs:variation>
+    <a:lumMod val="70000"/>
+  </cs:variation>
+  <cs:variation>
+    <a:lumMod val="50000"/>
+    <a:lumOff val="50000"/>
+  </cs:variation>
+</cs:colorStyle>
+</file>
+
+<file path=ppt/charts/colors3.xml><?xml version="1.0" encoding="utf-8"?>
+<cs:colorStyle xmlns:cs="http://schemas.microsoft.com/office/drawing/2012/chartStyle" xmlns:a="http://schemas.openxmlformats.org/drawingml/2006/main" meth="cycle" id="10">
+  <a:schemeClr val="accent1"/>
+  <a:schemeClr val="accent2"/>
+  <a:schemeClr val="accent3"/>
+  <a:schemeClr val="accent4"/>
+  <a:schemeClr val="accent5"/>
+  <a:schemeClr val="accent6"/>
+  <cs:variation/>
+  <cs:variation>
+    <a:lumMod val="60000"/>
+  </cs:variation>
+  <cs:variation>
+    <a:lumMod val="80000"/>
+    <a:lumOff val="20000"/>
+  </cs:variation>
+  <cs:variation>
+    <a:lumMod val="80000"/>
+  </cs:variation>
+  <cs:variation>
+    <a:lumMod val="60000"/>
+    <a:lumOff val="40000"/>
+  </cs:variation>
+  <cs:variation>
+    <a:lumMod val="50000"/>
+  </cs:variation>
+  <cs:variation>
+    <a:lumMod val="70000"/>
+    <a:lumOff val="30000"/>
+  </cs:variation>
+  <cs:variation>
+    <a:lumMod val="70000"/>
+  </cs:variation>
+  <cs:variation>
+    <a:lumMod val="50000"/>
+    <a:lumOff val="50000"/>
+  </cs:variation>
+</cs:colorStyle>
+</file>
+
+<file path=ppt/charts/style1.xml><?xml version="1.0" encoding="utf-8"?>
+<cs:chartStyle xmlns:cs="http://schemas.microsoft.com/office/drawing/2012/chartStyle" xmlns:a="http://schemas.openxmlformats.org/drawingml/2006/main" id="340">
+  <cs:axisTitle>
+    <cs:lnRef idx="0"/>
+    <cs:fillRef idx="0"/>
+    <cs:effectRef idx="0"/>
+    <cs:fontRef idx="minor">
+      <a:schemeClr val="tx1">
+        <a:lumMod val="65000"/>
+        <a:lumOff val="35000"/>
+      </a:schemeClr>
+    </cs:fontRef>
+    <cs:defRPr sz="1197" kern="1200"/>
+  </cs:axisTitle>
+  <cs:categoryAxis>
+    <cs:lnRef idx="0"/>
+    <cs:fillRef idx="0"/>
+    <cs:effectRef idx="0"/>
+    <cs:fontRef idx="minor">
+      <a:schemeClr val="tx1">
+        <a:lumMod val="65000"/>
+        <a:lumOff val="35000"/>
+      </a:schemeClr>
+    </cs:fontRef>
+    <cs:spPr>
+      <a:ln w="12700" cap="flat" cmpd="sng" algn="ctr">
+        <a:solidFill>
+          <a:schemeClr val="tx1">
+            <a:lumMod val="15000"/>
+            <a:lumOff val="85000"/>
+          </a:schemeClr>
+        </a:solidFill>
+        <a:round/>
+      </a:ln>
+    </cs:spPr>
+    <cs:defRPr sz="1197" kern="1200"/>
+  </cs:categoryAxis>
+  <cs:chartArea mods="allowNoFillOverride allowNoLineOverride">
+    <cs:lnRef idx="0"/>
+    <cs:fillRef idx="0"/>
+    <cs:effectRef idx="0"/>
+    <cs:fontRef idx="minor">
+      <a:schemeClr val="tx2"/>
+    </cs:fontRef>
+    <cs:spPr>
+      <a:solidFill>
+        <a:schemeClr val="bg1"/>
+      </a:solidFill>
+      <a:ln w="9525" cap="flat" cmpd="sng" algn="ctr">
+        <a:solidFill>
+          <a:schemeClr val="tx1">
+            <a:lumMod val="15000"/>
+            <a:lumOff val="85000"/>
+          </a:schemeClr>
+        </a:solidFill>
+        <a:round/>
+      </a:ln>
+    </cs:spPr>
+    <cs:defRPr sz="1197" kern="1200"/>
+  </cs:chartArea>
+  <cs:dataLabel>
+    <cs:lnRef idx="0"/>
+    <cs:fillRef idx="0"/>
+    <cs:effectRef idx="0"/>
+    <cs:fontRef idx="minor">
+      <a:schemeClr val="tx1">
+        <a:lumMod val="75000"/>
+        <a:lumOff val="25000"/>
+      </a:schemeClr>
+    </cs:fontRef>
+    <cs:defRPr sz="1197" kern="1200"/>
+  </cs:dataLabel>
+  <cs:dataLabelCallout>
+    <cs:lnRef idx="0"/>
+    <cs:fillRef idx="0"/>
+    <cs:effectRef idx="0"/>
+    <cs:fontRef idx="minor">
+      <a:schemeClr val="dk1">
+        <a:lumMod val="65000"/>
+        <a:lumOff val="35000"/>
+      </a:schemeClr>
+    </cs:fontRef>
+    <cs:spPr>
+      <a:solidFill>
+        <a:schemeClr val="lt1"/>
+      </a:solidFill>
+      <a:ln>
+        <a:solidFill>
+          <a:schemeClr val="dk1">
+            <a:lumMod val="25000"/>
+            <a:lumOff val="75000"/>
+          </a:schemeClr>
+        </a:solidFill>
+      </a:ln>
+    </cs:spPr>
+    <cs:defRPr sz="1197" kern="1200"/>
+    <cs:bodyPr rot="0" spcFirstLastPara="1" vertOverflow="clip" horzOverflow="clip" vert="horz" wrap="square" lIns="36576" tIns="18288" rIns="36576" bIns="18288" anchor="ctr" anchorCtr="1">
+      <a:spAutoFit/>
+    </cs:bodyPr>
+  </cs:dataLabelCallout>
+  <cs:dataPoint>
+    <cs:lnRef idx="0"/>
+    <cs:fillRef idx="3">
+      <cs:styleClr val="auto"/>
+    </cs:fillRef>
+    <cs:effectRef idx="3"/>
+    <cs:fontRef idx="minor">
+      <a:schemeClr val="lt1"/>
+    </cs:fontRef>
+  </cs:dataPoint>
+  <cs:dataPoint3D>
+    <cs:lnRef idx="0"/>
+    <cs:fillRef idx="3">
+      <cs:styleClr val="auto"/>
+    </cs:fillRef>
+    <cs:effectRef idx="3"/>
+    <cs:fontRef idx="minor">
+      <a:schemeClr val="lt1"/>
+    </cs:fontRef>
+  </cs:dataPoint3D>
+  <cs:dataPointLine>
+    <cs:lnRef idx="0">
+      <cs:styleClr val="auto"/>
+    </cs:lnRef>
+    <cs:fillRef idx="3"/>
+    <cs:effectRef idx="3"/>
+    <cs:fontRef idx="minor">
+      <a:schemeClr val="lt1"/>
+    </cs:fontRef>
+    <cs:spPr>
+      <a:ln w="34925" cap="rnd">
+        <a:solidFill>
+          <a:schemeClr val="phClr"/>
+        </a:solidFill>
+        <a:round/>
+      </a:ln>
+    </cs:spPr>
+  </cs:dataPointLine>
+  <cs:dataPointMarker>
+    <cs:lnRef idx="0">
+      <cs:styleClr val="auto"/>
+    </cs:lnRef>
+    <cs:fillRef idx="3">
+      <cs:styleClr val="auto"/>
+    </cs:fillRef>
+    <cs:effectRef idx="3"/>
+    <cs:fontRef idx="minor">
+      <a:schemeClr val="lt1"/>
+    </cs:fontRef>
+    <cs:spPr>
+      <a:ln w="9525">
+        <a:solidFill>
+          <a:schemeClr val="phClr"/>
+        </a:solidFill>
+        <a:round/>
+      </a:ln>
+    </cs:spPr>
+  </cs:dataPointMarker>
+  <cs:dataPointMarkerLayout symbol="circle" size="6"/>
+  <cs:dataPointWireframe>
+    <cs:lnRef idx="0">
+      <cs:styleClr val="auto"/>
+    </cs:lnRef>
+    <cs:fillRef idx="3"/>
+    <cs:effectRef idx="3"/>
+    <cs:fontRef idx="minor">
+      <a:schemeClr val="lt1"/>
+    </cs:fontRef>
+    <cs:spPr>
+      <a:ln w="9525" cap="rnd">
+        <a:solidFill>
+          <a:schemeClr val="phClr"/>
+        </a:solidFill>
+        <a:round/>
+      </a:ln>
+    </cs:spPr>
+  </cs:dataPointWireframe>
+  <cs:dataTable>
+    <cs:lnRef idx="0"/>
+    <cs:fillRef idx="0"/>
+    <cs:effectRef idx="0"/>
+    <cs:fontRef idx="minor">
+      <a:schemeClr val="tx1">
+        <a:lumMod val="65000"/>
+        <a:lumOff val="35000"/>
+      </a:schemeClr>
+    </cs:fontRef>
+    <cs:spPr>
+      <a:noFill/>
+      <a:ln w="9525" cap="flat" cmpd="sng" algn="ctr">
+        <a:solidFill>
+          <a:schemeClr val="tx1">
+            <a:lumMod val="15000"/>
+            <a:lumOff val="85000"/>
+          </a:schemeClr>
+        </a:solidFill>
+        <a:round/>
+      </a:ln>
+    </cs:spPr>
+    <cs:defRPr sz="1197" kern="1200"/>
+  </cs:dataTable>
+  <cs:downBar>
+    <cs:lnRef idx="0"/>
+    <cs:fillRef idx="0"/>
+    <cs:effectRef idx="0"/>
+    <cs:fontRef idx="minor">
+      <a:schemeClr val="dk1"/>
+    </cs:fontRef>
+    <cs:spPr>
+      <a:solidFill>
+        <a:schemeClr val="dk1">
+          <a:lumMod val="65000"/>
+          <a:lumOff val="35000"/>
+        </a:schemeClr>
+      </a:solidFill>
+      <a:ln w="9525">
+        <a:solidFill>
+          <a:schemeClr val="tx1">
+            <a:lumMod val="65000"/>
+            <a:lumOff val="35000"/>
+          </a:schemeClr>
+        </a:solidFill>
+      </a:ln>
+    </cs:spPr>
+  </cs:downBar>
+  <cs:dropLine>
+    <cs:lnRef idx="0"/>
+    <cs:fillRef idx="0"/>
+    <cs:effectRef idx="0"/>
+    <cs:fontRef idx="minor">
+      <a:schemeClr val="tx1"/>
+    </cs:fontRef>
+    <cs:spPr>
+      <a:ln w="9525" cap="flat" cmpd="sng" algn="ctr">
+        <a:solidFill>
+          <a:schemeClr val="tx1">
+            <a:lumMod val="35000"/>
+            <a:lumOff val="65000"/>
+          </a:schemeClr>
+        </a:solidFill>
+        <a:round/>
+      </a:ln>
+    </cs:spPr>
+  </cs:dropLine>
+  <cs:errorBar>
+    <cs:lnRef idx="0"/>
+    <cs:fillRef idx="0"/>
+    <cs:effectRef idx="0"/>
+    <cs:fontRef idx="minor">
+      <a:schemeClr val="tx1"/>
+    </cs:fontRef>
+    <cs:spPr>
+      <a:ln w="9525" cap="flat" cmpd="sng" algn="ctr">
+        <a:solidFill>
+          <a:schemeClr val="tx1">
+            <a:lumMod val="65000"/>
+            <a:lumOff val="35000"/>
+          </a:schemeClr>
+        </a:solidFill>
+        <a:round/>
+      </a:ln>
+    </cs:spPr>
+  </cs:errorBar>
+  <cs:floor>
+    <cs:lnRef idx="0"/>
+    <cs:fillRef idx="0"/>
+    <cs:effectRef idx="0"/>
+    <cs:fontRef idx="minor">
+      <a:schemeClr val="lt1"/>
+    </cs:fontRef>
+  </cs:floor>
+  <cs:gridlineMajor>
+    <cs:lnRef idx="0"/>
+    <cs:fillRef idx="0"/>
+    <cs:effectRef idx="0"/>
+    <cs:fontRef idx="minor">
+      <a:schemeClr val="tx1"/>
+    </cs:fontRef>
+    <cs:spPr>
+      <a:ln w="9525" cap="flat" cmpd="sng" algn="ctr">
+        <a:solidFill>
+          <a:schemeClr val="tx1">
+            <a:lumMod val="15000"/>
+            <a:lumOff val="85000"/>
+          </a:schemeClr>
+        </a:solidFill>
+        <a:round/>
+      </a:ln>
+    </cs:spPr>
+  </cs:gridlineMajor>
+  <cs:gridlineMinor>
+    <cs:lnRef idx="0"/>
+    <cs:fillRef idx="0"/>
+    <cs:effectRef idx="0"/>
+    <cs:fontRef idx="minor">
+      <a:schemeClr val="tx1"/>
+    </cs:fontRef>
+    <cs:spPr>
+      <a:ln w="9525" cap="flat" cmpd="sng" algn="ctr">
+        <a:solidFill>
+          <a:schemeClr val="tx1">
+            <a:lumMod val="5000"/>
+            <a:lumOff val="95000"/>
+          </a:schemeClr>
+        </a:solidFill>
+        <a:round/>
+      </a:ln>
+    </cs:spPr>
+  </cs:gridlineMinor>
+  <cs:hiLoLine>
+    <cs:lnRef idx="0"/>
+    <cs:fillRef idx="0"/>
+    <cs:effectRef idx="0"/>
+    <cs:fontRef idx="minor">
+      <a:schemeClr val="tx1"/>
+    </cs:fontRef>
+    <cs:spPr>
+      <a:ln w="9525" cap="flat" cmpd="sng" algn="ctr">
+        <a:solidFill>
+          <a:schemeClr val="tx1">
+            <a:lumMod val="75000"/>
+            <a:lumOff val="25000"/>
+          </a:schemeClr>
+        </a:solidFill>
+        <a:round/>
+      </a:ln>
+    </cs:spPr>
+  </cs:hiLoLine>
+  <cs:leaderLine>
+    <cs:lnRef idx="0"/>
+    <cs:fillRef idx="0"/>
+    <cs:effectRef idx="0"/>
+    <cs:fontRef idx="minor">
+      <a:schemeClr val="tx1"/>
+    </cs:fontRef>
+    <cs:spPr>
+      <a:ln w="9525" cap="flat" cmpd="sng" algn="ctr">
+        <a:solidFill>
+          <a:schemeClr val="tx1">
+            <a:lumMod val="35000"/>
+            <a:lumOff val="65000"/>
+          </a:schemeClr>
+        </a:solidFill>
+        <a:round/>
+      </a:ln>
+    </cs:spPr>
+  </cs:leaderLine>
+  <cs:legend>
+    <cs:lnRef idx="0"/>
+    <cs:fillRef idx="0"/>
+    <cs:effectRef idx="0"/>
+    <cs:fontRef idx="minor">
+      <a:schemeClr val="tx1">
+        <a:lumMod val="65000"/>
+        <a:lumOff val="35000"/>
+      </a:schemeClr>
+    </cs:fontRef>
+    <cs:defRPr sz="1197" kern="1200"/>
+  </cs:legend>
+  <cs:plotArea>
+    <cs:lnRef idx="0"/>
+    <cs:fillRef idx="0"/>
+    <cs:effectRef idx="0"/>
+    <cs:fontRef idx="minor">
+      <a:schemeClr val="lt1"/>
+    </cs:fontRef>
+  </cs:plotArea>
+  <cs:plotArea3D>
+    <cs:lnRef idx="0"/>
+    <cs:fillRef idx="0"/>
+    <cs:effectRef idx="0"/>
+    <cs:fontRef idx="minor">
+      <a:schemeClr val="lt1"/>
+    </cs:fontRef>
+  </cs:plotArea3D>
+  <cs:seriesAxis>
+    <cs:lnRef idx="0"/>
+    <cs:fillRef idx="0"/>
+    <cs:effectRef idx="0"/>
+    <cs:fontRef idx="minor">
+      <a:schemeClr val="tx1">
+        <a:lumMod val="65000"/>
+        <a:lumOff val="35000"/>
+      </a:schemeClr>
+    </cs:fontRef>
+    <cs:spPr>
+      <a:ln w="12700" cap="flat" cmpd="sng" algn="ctr">
+        <a:solidFill>
+          <a:schemeClr val="tx1">
+            <a:lumMod val="15000"/>
+            <a:lumOff val="85000"/>
+          </a:schemeClr>
+        </a:solidFill>
+        <a:round/>
+      </a:ln>
+    </cs:spPr>
+    <cs:defRPr sz="1197" kern="1200"/>
+  </cs:seriesAxis>
+  <cs:seriesLine>
+    <cs:lnRef idx="0"/>
+    <cs:fillRef idx="0"/>
+    <cs:effectRef idx="0"/>
+    <cs:fontRef idx="minor">
+      <a:schemeClr val="tx1"/>
+    </cs:fontRef>
+    <cs:spPr>
+      <a:ln w="9525" cap="flat" cmpd="sng" algn="ctr">
+        <a:solidFill>
+          <a:schemeClr val="tx1">
+            <a:lumMod val="35000"/>
+            <a:lumOff val="65000"/>
+          </a:schemeClr>
+        </a:solidFill>
+        <a:round/>
+      </a:ln>
+    </cs:spPr>
+  </cs:seriesLine>
+  <cs:title>
+    <cs:lnRef idx="0"/>
+    <cs:fillRef idx="0"/>
+    <cs:effectRef idx="0"/>
+    <cs:fontRef idx="minor">
+      <a:schemeClr val="tx1">
+        <a:lumMod val="65000"/>
+        <a:lumOff val="35000"/>
+      </a:schemeClr>
+    </cs:fontRef>
+    <cs:defRPr sz="2128" b="1" kern="1200" baseline="0"/>
+  </cs:title>
+  <cs:trendline>
+    <cs:lnRef idx="0">
+      <cs:styleClr val="auto"/>
+    </cs:lnRef>
+    <cs:fillRef idx="0"/>
+    <cs:effectRef idx="0"/>
+    <cs:fontRef idx="minor">
+      <a:schemeClr val="lt1"/>
+    </cs:fontRef>
+    <cs:spPr>
+      <a:ln w="19050" cap="rnd">
+        <a:solidFill>
+          <a:schemeClr val="phClr"/>
+        </a:solidFill>
+      </a:ln>
+    </cs:spPr>
+  </cs:trendline>
+  <cs:trendlineLabel>
+    <cs:lnRef idx="0"/>
+    <cs:fillRef idx="0"/>
+    <cs:effectRef idx="0"/>
+    <cs:fontRef idx="minor">
+      <a:schemeClr val="tx1">
+        <a:lumMod val="65000"/>
+        <a:lumOff val="35000"/>
+      </a:schemeClr>
+    </cs:fontRef>
+    <cs:defRPr sz="1197" kern="1200"/>
+  </cs:trendlineLabel>
+  <cs:upBar>
+    <cs:lnRef idx="0"/>
+    <cs:fillRef idx="0"/>
+    <cs:effectRef idx="0"/>
+    <cs:fontRef idx="minor">
+      <a:schemeClr val="dk1"/>
+    </cs:fontRef>
+    <cs:spPr>
+      <a:solidFill>
+        <a:schemeClr val="lt1"/>
+      </a:solidFill>
+      <a:ln w="9525">
+        <a:solidFill>
+          <a:schemeClr val="tx1">
+            <a:lumMod val="15000"/>
+            <a:lumOff val="85000"/>
+          </a:schemeClr>
+        </a:solidFill>
+      </a:ln>
+    </cs:spPr>
+  </cs:upBar>
+  <cs:valueAxis>
+    <cs:lnRef idx="0"/>
+    <cs:fillRef idx="0"/>
+    <cs:effectRef idx="0"/>
+    <cs:fontRef idx="minor">
+      <a:schemeClr val="tx1">
+        <a:lumMod val="65000"/>
+        <a:lumOff val="35000"/>
+      </a:schemeClr>
+    </cs:fontRef>
+    <cs:defRPr sz="1197" kern="1200"/>
+  </cs:valueAxis>
+  <cs:wall>
+    <cs:lnRef idx="0"/>
+    <cs:fillRef idx="0"/>
+    <cs:effectRef idx="0"/>
+    <cs:fontRef idx="minor">
+      <a:schemeClr val="lt1"/>
+    </cs:fontRef>
+  </cs:wall>
+</cs:chartStyle>
+</file>
+
+<file path=ppt/charts/style2.xml><?xml version="1.0" encoding="utf-8"?>
+<cs:chartStyle xmlns:cs="http://schemas.microsoft.com/office/drawing/2012/chartStyle" xmlns:a="http://schemas.openxmlformats.org/drawingml/2006/main" id="340">
+  <cs:axisTitle>
+    <cs:lnRef idx="0"/>
+    <cs:fillRef idx="0"/>
+    <cs:effectRef idx="0"/>
+    <cs:fontRef idx="minor">
+      <a:schemeClr val="tx1">
+        <a:lumMod val="65000"/>
+        <a:lumOff val="35000"/>
+      </a:schemeClr>
+    </cs:fontRef>
+    <cs:defRPr sz="1197" kern="1200"/>
+  </cs:axisTitle>
+  <cs:categoryAxis>
+    <cs:lnRef idx="0"/>
+    <cs:fillRef idx="0"/>
+    <cs:effectRef idx="0"/>
+    <cs:fontRef idx="minor">
+      <a:schemeClr val="tx1">
+        <a:lumMod val="65000"/>
+        <a:lumOff val="35000"/>
+      </a:schemeClr>
+    </cs:fontRef>
+    <cs:spPr>
+      <a:ln w="12700" cap="flat" cmpd="sng" algn="ctr">
+        <a:solidFill>
+          <a:schemeClr val="tx1">
+            <a:lumMod val="15000"/>
+            <a:lumOff val="85000"/>
+          </a:schemeClr>
+        </a:solidFill>
+        <a:round/>
+      </a:ln>
+    </cs:spPr>
+    <cs:defRPr sz="1197" kern="1200"/>
+  </cs:categoryAxis>
+  <cs:chartArea mods="allowNoFillOverride allowNoLineOverride">
+    <cs:lnRef idx="0"/>
+    <cs:fillRef idx="0"/>
+    <cs:effectRef idx="0"/>
+    <cs:fontRef idx="minor">
+      <a:schemeClr val="tx2"/>
+    </cs:fontRef>
+    <cs:spPr>
+      <a:solidFill>
+        <a:schemeClr val="bg1"/>
+      </a:solidFill>
+      <a:ln w="9525" cap="flat" cmpd="sng" algn="ctr">
+        <a:solidFill>
+          <a:schemeClr val="tx1">
+            <a:lumMod val="15000"/>
+            <a:lumOff val="85000"/>
+          </a:schemeClr>
+        </a:solidFill>
+        <a:round/>
+      </a:ln>
+    </cs:spPr>
+    <cs:defRPr sz="1197" kern="1200"/>
+  </cs:chartArea>
+  <cs:dataLabel>
+    <cs:lnRef idx="0"/>
+    <cs:fillRef idx="0"/>
+    <cs:effectRef idx="0"/>
+    <cs:fontRef idx="minor">
+      <a:schemeClr val="tx1">
+        <a:lumMod val="75000"/>
+        <a:lumOff val="25000"/>
+      </a:schemeClr>
+    </cs:fontRef>
+    <cs:defRPr sz="1197" kern="1200"/>
+  </cs:dataLabel>
+  <cs:dataLabelCallout>
+    <cs:lnRef idx="0"/>
+    <cs:fillRef idx="0"/>
+    <cs:effectRef idx="0"/>
+    <cs:fontRef idx="minor">
+      <a:schemeClr val="dk1">
+        <a:lumMod val="65000"/>
+        <a:lumOff val="35000"/>
+      </a:schemeClr>
+    </cs:fontRef>
+    <cs:spPr>
+      <a:solidFill>
+        <a:schemeClr val="lt1"/>
+      </a:solidFill>
+      <a:ln>
+        <a:solidFill>
+          <a:schemeClr val="dk1">
+            <a:lumMod val="25000"/>
+            <a:lumOff val="75000"/>
+          </a:schemeClr>
+        </a:solidFill>
+      </a:ln>
+    </cs:spPr>
+    <cs:defRPr sz="1197" kern="1200"/>
+    <cs:bodyPr rot="0" spcFirstLastPara="1" vertOverflow="clip" horzOverflow="clip" vert="horz" wrap="square" lIns="36576" tIns="18288" rIns="36576" bIns="18288" anchor="ctr" anchorCtr="1">
+      <a:spAutoFit/>
+    </cs:bodyPr>
+  </cs:dataLabelCallout>
+  <cs:dataPoint>
+    <cs:lnRef idx="0"/>
+    <cs:fillRef idx="3">
+      <cs:styleClr val="auto"/>
+    </cs:fillRef>
+    <cs:effectRef idx="3"/>
+    <cs:fontRef idx="minor">
+      <a:schemeClr val="lt1"/>
+    </cs:fontRef>
+  </cs:dataPoint>
+  <cs:dataPoint3D>
+    <cs:lnRef idx="0"/>
+    <cs:fillRef idx="3">
+      <cs:styleClr val="auto"/>
+    </cs:fillRef>
+    <cs:effectRef idx="3"/>
+    <cs:fontRef idx="minor">
+      <a:schemeClr val="lt1"/>
+    </cs:fontRef>
+  </cs:dataPoint3D>
+  <cs:dataPointLine>
+    <cs:lnRef idx="0">
+      <cs:styleClr val="auto"/>
+    </cs:lnRef>
+    <cs:fillRef idx="3"/>
+    <cs:effectRef idx="3"/>
+    <cs:fontRef idx="minor">
+      <a:schemeClr val="lt1"/>
+    </cs:fontRef>
+    <cs:spPr>
+      <a:ln w="34925" cap="rnd">
+        <a:solidFill>
+          <a:schemeClr val="phClr"/>
+        </a:solidFill>
+        <a:round/>
+      </a:ln>
+    </cs:spPr>
+  </cs:dataPointLine>
+  <cs:dataPointMarker>
+    <cs:lnRef idx="0">
+      <cs:styleClr val="auto"/>
+    </cs:lnRef>
+    <cs:fillRef idx="3">
+      <cs:styleClr val="auto"/>
+    </cs:fillRef>
+    <cs:effectRef idx="3"/>
+    <cs:fontRef idx="minor">
+      <a:schemeClr val="lt1"/>
+    </cs:fontRef>
+    <cs:spPr>
+      <a:ln w="9525">
+        <a:solidFill>
+          <a:schemeClr val="phClr"/>
+        </a:solidFill>
+        <a:round/>
+      </a:ln>
+    </cs:spPr>
+  </cs:dataPointMarker>
+  <cs:dataPointMarkerLayout symbol="circle" size="6"/>
+  <cs:dataPointWireframe>
+    <cs:lnRef idx="0">
+      <cs:styleClr val="auto"/>
+    </cs:lnRef>
+    <cs:fillRef idx="3"/>
+    <cs:effectRef idx="3"/>
+    <cs:fontRef idx="minor">
+      <a:schemeClr val="lt1"/>
+    </cs:fontRef>
+    <cs:spPr>
+      <a:ln w="9525" cap="rnd">
+        <a:solidFill>
+          <a:schemeClr val="phClr"/>
+        </a:solidFill>
+        <a:round/>
+      </a:ln>
+    </cs:spPr>
+  </cs:dataPointWireframe>
+  <cs:dataTable>
+    <cs:lnRef idx="0"/>
+    <cs:fillRef idx="0"/>
+    <cs:effectRef idx="0"/>
+    <cs:fontRef idx="minor">
+      <a:schemeClr val="tx1">
+        <a:lumMod val="65000"/>
+        <a:lumOff val="35000"/>
+      </a:schemeClr>
+    </cs:fontRef>
+    <cs:spPr>
+      <a:noFill/>
+      <a:ln w="9525" cap="flat" cmpd="sng" algn="ctr">
+        <a:solidFill>
+          <a:schemeClr val="tx1">
+            <a:lumMod val="15000"/>
+            <a:lumOff val="85000"/>
+          </a:schemeClr>
+        </a:solidFill>
+        <a:round/>
+      </a:ln>
+    </cs:spPr>
+    <cs:defRPr sz="1197" kern="1200"/>
+  </cs:dataTable>
+  <cs:downBar>
+    <cs:lnRef idx="0"/>
+    <cs:fillRef idx="0"/>
+    <cs:effectRef idx="0"/>
+    <cs:fontRef idx="minor">
+      <a:schemeClr val="dk1"/>
+    </cs:fontRef>
+    <cs:spPr>
+      <a:solidFill>
+        <a:schemeClr val="dk1">
+          <a:lumMod val="65000"/>
+          <a:lumOff val="35000"/>
+        </a:schemeClr>
+      </a:solidFill>
+      <a:ln w="9525">
+        <a:solidFill>
+          <a:schemeClr val="tx1">
+            <a:lumMod val="65000"/>
+            <a:lumOff val="35000"/>
+          </a:schemeClr>
+        </a:solidFill>
+      </a:ln>
+    </cs:spPr>
+  </cs:downBar>
+  <cs:dropLine>
+    <cs:lnRef idx="0"/>
+    <cs:fillRef idx="0"/>
+    <cs:effectRef idx="0"/>
+    <cs:fontRef idx="minor">
+      <a:schemeClr val="tx1"/>
+    </cs:fontRef>
+    <cs:spPr>
+      <a:ln w="9525" cap="flat" cmpd="sng" algn="ctr">
+        <a:solidFill>
+          <a:schemeClr val="tx1">
+            <a:lumMod val="35000"/>
+            <a:lumOff val="65000"/>
+          </a:schemeClr>
+        </a:solidFill>
+        <a:round/>
+      </a:ln>
+    </cs:spPr>
+  </cs:dropLine>
+  <cs:errorBar>
+    <cs:lnRef idx="0"/>
+    <cs:fillRef idx="0"/>
+    <cs:effectRef idx="0"/>
+    <cs:fontRef idx="minor">
+      <a:schemeClr val="tx1"/>
+    </cs:fontRef>
+    <cs:spPr>
+      <a:ln w="9525" cap="flat" cmpd="sng" algn="ctr">
+        <a:solidFill>
+          <a:schemeClr val="tx1">
+            <a:lumMod val="65000"/>
+            <a:lumOff val="35000"/>
+          </a:schemeClr>
+        </a:solidFill>
+        <a:round/>
+      </a:ln>
+    </cs:spPr>
+  </cs:errorBar>
+  <cs:floor>
+    <cs:lnRef idx="0"/>
+    <cs:fillRef idx="0"/>
+    <cs:effectRef idx="0"/>
+    <cs:fontRef idx="minor">
+      <a:schemeClr val="lt1"/>
+    </cs:fontRef>
+  </cs:floor>
+  <cs:gridlineMajor>
+    <cs:lnRef idx="0"/>
+    <cs:fillRef idx="0"/>
+    <cs:effectRef idx="0"/>
+    <cs:fontRef idx="minor">
+      <a:schemeClr val="tx1"/>
+    </cs:fontRef>
+    <cs:spPr>
+      <a:ln w="9525" cap="flat" cmpd="sng" algn="ctr">
+        <a:solidFill>
+          <a:schemeClr val="tx1">
+            <a:lumMod val="15000"/>
+            <a:lumOff val="85000"/>
+          </a:schemeClr>
+        </a:solidFill>
+        <a:round/>
+      </a:ln>
+    </cs:spPr>
+  </cs:gridlineMajor>
+  <cs:gridlineMinor>
+    <cs:lnRef idx="0"/>
+    <cs:fillRef idx="0"/>
+    <cs:effectRef idx="0"/>
+    <cs:fontRef idx="minor">
+      <a:schemeClr val="tx1"/>
+    </cs:fontRef>
+    <cs:spPr>
+      <a:ln w="9525" cap="flat" cmpd="sng" algn="ctr">
+        <a:solidFill>
+          <a:schemeClr val="tx1">
+            <a:lumMod val="5000"/>
+            <a:lumOff val="95000"/>
+          </a:schemeClr>
+        </a:solidFill>
+        <a:round/>
+      </a:ln>
+    </cs:spPr>
+  </cs:gridlineMinor>
+  <cs:hiLoLine>
+    <cs:lnRef idx="0"/>
+    <cs:fillRef idx="0"/>
+    <cs:effectRef idx="0"/>
+    <cs:fontRef idx="minor">
+      <a:schemeClr val="tx1"/>
+    </cs:fontRef>
+    <cs:spPr>
+      <a:ln w="9525" cap="flat" cmpd="sng" algn="ctr">
+        <a:solidFill>
+          <a:schemeClr val="tx1">
+            <a:lumMod val="75000"/>
+            <a:lumOff val="25000"/>
+          </a:schemeClr>
+        </a:solidFill>
+        <a:round/>
+      </a:ln>
+    </cs:spPr>
+  </cs:hiLoLine>
+  <cs:leaderLine>
+    <cs:lnRef idx="0"/>
+    <cs:fillRef idx="0"/>
+    <cs:effectRef idx="0"/>
+    <cs:fontRef idx="minor">
+      <a:schemeClr val="tx1"/>
+    </cs:fontRef>
+    <cs:spPr>
+      <a:ln w="9525" cap="flat" cmpd="sng" algn="ctr">
+        <a:solidFill>
+          <a:schemeClr val="tx1">
+            <a:lumMod val="35000"/>
+            <a:lumOff val="65000"/>
+          </a:schemeClr>
+        </a:solidFill>
+        <a:round/>
+      </a:ln>
+    </cs:spPr>
+  </cs:leaderLine>
+  <cs:legend>
+    <cs:lnRef idx="0"/>
+    <cs:fillRef idx="0"/>
+    <cs:effectRef idx="0"/>
+    <cs:fontRef idx="minor">
+      <a:schemeClr val="tx1">
+        <a:lumMod val="65000"/>
+        <a:lumOff val="35000"/>
+      </a:schemeClr>
+    </cs:fontRef>
+    <cs:defRPr sz="1197" kern="1200"/>
+  </cs:legend>
+  <cs:plotArea>
+    <cs:lnRef idx="0"/>
+    <cs:fillRef idx="0"/>
+    <cs:effectRef idx="0"/>
+    <cs:fontRef idx="minor">
+      <a:schemeClr val="lt1"/>
+    </cs:fontRef>
+  </cs:plotArea>
+  <cs:plotArea3D>
+    <cs:lnRef idx="0"/>
+    <cs:fillRef idx="0"/>
+    <cs:effectRef idx="0"/>
+    <cs:fontRef idx="minor">
+      <a:schemeClr val="lt1"/>
+    </cs:fontRef>
+  </cs:plotArea3D>
+  <cs:seriesAxis>
+    <cs:lnRef idx="0"/>
+    <cs:fillRef idx="0"/>
+    <cs:effectRef idx="0"/>
+    <cs:fontRef idx="minor">
+      <a:schemeClr val="tx1">
+        <a:lumMod val="65000"/>
+        <a:lumOff val="35000"/>
+      </a:schemeClr>
+    </cs:fontRef>
+    <cs:spPr>
+      <a:ln w="12700" cap="flat" cmpd="sng" algn="ctr">
+        <a:solidFill>
+          <a:schemeClr val="tx1">
+            <a:lumMod val="15000"/>
+            <a:lumOff val="85000"/>
+          </a:schemeClr>
+        </a:solidFill>
+        <a:round/>
+      </a:ln>
+    </cs:spPr>
+    <cs:defRPr sz="1197" kern="1200"/>
+  </cs:seriesAxis>
+  <cs:seriesLine>
+    <cs:lnRef idx="0"/>
+    <cs:fillRef idx="0"/>
+    <cs:effectRef idx="0"/>
+    <cs:fontRef idx="minor">
+      <a:schemeClr val="tx1"/>
+    </cs:fontRef>
+    <cs:spPr>
+      <a:ln w="9525" cap="flat" cmpd="sng" algn="ctr">
+        <a:solidFill>
+          <a:schemeClr val="tx1">
+            <a:lumMod val="35000"/>
+            <a:lumOff val="65000"/>
+          </a:schemeClr>
+        </a:solidFill>
+        <a:round/>
+      </a:ln>
+    </cs:spPr>
+  </cs:seriesLine>
+  <cs:title>
+    <cs:lnRef idx="0"/>
+    <cs:fillRef idx="0"/>
+    <cs:effectRef idx="0"/>
+    <cs:fontRef idx="minor">
+      <a:schemeClr val="tx1">
+        <a:lumMod val="65000"/>
+        <a:lumOff val="35000"/>
+      </a:schemeClr>
+    </cs:fontRef>
+    <cs:defRPr sz="2128" b="1" kern="1200" baseline="0"/>
+  </cs:title>
+  <cs:trendline>
+    <cs:lnRef idx="0">
+      <cs:styleClr val="auto"/>
+    </cs:lnRef>
+    <cs:fillRef idx="0"/>
+    <cs:effectRef idx="0"/>
+    <cs:fontRef idx="minor">
+      <a:schemeClr val="lt1"/>
+    </cs:fontRef>
+    <cs:spPr>
+      <a:ln w="19050" cap="rnd">
+        <a:solidFill>
+          <a:schemeClr val="phClr"/>
+        </a:solidFill>
+      </a:ln>
+    </cs:spPr>
+  </cs:trendline>
+  <cs:trendlineLabel>
+    <cs:lnRef idx="0"/>
+    <cs:fillRef idx="0"/>
+    <cs:effectRef idx="0"/>
+    <cs:fontRef idx="minor">
+      <a:schemeClr val="tx1">
+        <a:lumMod val="65000"/>
+        <a:lumOff val="35000"/>
+      </a:schemeClr>
+    </cs:fontRef>
+    <cs:defRPr sz="1197" kern="1200"/>
+  </cs:trendlineLabel>
+  <cs:upBar>
+    <cs:lnRef idx="0"/>
+    <cs:fillRef idx="0"/>
+    <cs:effectRef idx="0"/>
+    <cs:fontRef idx="minor">
+      <a:schemeClr val="dk1"/>
+    </cs:fontRef>
+    <cs:spPr>
+      <a:solidFill>
+        <a:schemeClr val="lt1"/>
+      </a:solidFill>
+      <a:ln w="9525">
+        <a:solidFill>
+          <a:schemeClr val="tx1">
+            <a:lumMod val="15000"/>
+            <a:lumOff val="85000"/>
+          </a:schemeClr>
+        </a:solidFill>
+      </a:ln>
+    </cs:spPr>
+  </cs:upBar>
+  <cs:valueAxis>
+    <cs:lnRef idx="0"/>
+    <cs:fillRef idx="0"/>
+    <cs:effectRef idx="0"/>
+    <cs:fontRef idx="minor">
+      <a:schemeClr val="tx1">
+        <a:lumMod val="65000"/>
+        <a:lumOff val="35000"/>
+      </a:schemeClr>
+    </cs:fontRef>
+    <cs:defRPr sz="1197" kern="1200"/>
+  </cs:valueAxis>
+  <cs:wall>
+    <cs:lnRef idx="0"/>
+    <cs:fillRef idx="0"/>
+    <cs:effectRef idx="0"/>
+    <cs:fontRef idx="minor">
+      <a:schemeClr val="lt1"/>
+    </cs:fontRef>
+  </cs:wall>
+</cs:chartStyle>
+</file>
+
+<file path=ppt/charts/style3.xml><?xml version="1.0" encoding="utf-8"?>
+<cs:chartStyle xmlns:cs="http://schemas.microsoft.com/office/drawing/2012/chartStyle" xmlns:a="http://schemas.openxmlformats.org/drawingml/2006/main" id="340">
+  <cs:axisTitle>
+    <cs:lnRef idx="0"/>
+    <cs:fillRef idx="0"/>
+    <cs:effectRef idx="0"/>
+    <cs:fontRef idx="minor">
+      <a:schemeClr val="tx1">
+        <a:lumMod val="65000"/>
+        <a:lumOff val="35000"/>
+      </a:schemeClr>
+    </cs:fontRef>
+    <cs:defRPr sz="1197" kern="1200"/>
+  </cs:axisTitle>
+  <cs:categoryAxis>
+    <cs:lnRef idx="0"/>
+    <cs:fillRef idx="0"/>
+    <cs:effectRef idx="0"/>
+    <cs:fontRef idx="minor">
+      <a:schemeClr val="tx1">
+        <a:lumMod val="65000"/>
+        <a:lumOff val="35000"/>
+      </a:schemeClr>
+    </cs:fontRef>
+    <cs:spPr>
+      <a:ln w="12700" cap="flat" cmpd="sng" algn="ctr">
+        <a:solidFill>
+          <a:schemeClr val="tx1">
+            <a:lumMod val="15000"/>
+            <a:lumOff val="85000"/>
+          </a:schemeClr>
+        </a:solidFill>
+        <a:round/>
+      </a:ln>
+    </cs:spPr>
+    <cs:defRPr sz="1197" kern="1200"/>
+  </cs:categoryAxis>
+  <cs:chartArea mods="allowNoFillOverride allowNoLineOverride">
+    <cs:lnRef idx="0"/>
+    <cs:fillRef idx="0"/>
+    <cs:effectRef idx="0"/>
+    <cs:fontRef idx="minor">
+      <a:schemeClr val="tx2"/>
+    </cs:fontRef>
+    <cs:spPr>
+      <a:solidFill>
+        <a:schemeClr val="bg1"/>
+      </a:solidFill>
+      <a:ln w="9525" cap="flat" cmpd="sng" algn="ctr">
+        <a:solidFill>
+          <a:schemeClr val="tx1">
+            <a:lumMod val="15000"/>
+            <a:lumOff val="85000"/>
+          </a:schemeClr>
+        </a:solidFill>
+        <a:round/>
+      </a:ln>
+    </cs:spPr>
+    <cs:defRPr sz="1197" kern="1200"/>
+  </cs:chartArea>
+  <cs:dataLabel>
+    <cs:lnRef idx="0"/>
+    <cs:fillRef idx="0"/>
+    <cs:effectRef idx="0"/>
+    <cs:fontRef idx="minor">
+      <a:schemeClr val="tx1">
+        <a:lumMod val="75000"/>
+        <a:lumOff val="25000"/>
+      </a:schemeClr>
+    </cs:fontRef>
+    <cs:defRPr sz="1197" kern="1200"/>
+  </cs:dataLabel>
+  <cs:dataLabelCallout>
+    <cs:lnRef idx="0"/>
+    <cs:fillRef idx="0"/>
+    <cs:effectRef idx="0"/>
+    <cs:fontRef idx="minor">
+      <a:schemeClr val="dk1">
+        <a:lumMod val="65000"/>
+        <a:lumOff val="35000"/>
+      </a:schemeClr>
+    </cs:fontRef>
+    <cs:spPr>
+      <a:solidFill>
+        <a:schemeClr val="lt1"/>
+      </a:solidFill>
+      <a:ln>
+        <a:solidFill>
+          <a:schemeClr val="dk1">
+            <a:lumMod val="25000"/>
+            <a:lumOff val="75000"/>
+          </a:schemeClr>
+        </a:solidFill>
+      </a:ln>
+    </cs:spPr>
+    <cs:defRPr sz="1197" kern="1200"/>
+    <cs:bodyPr rot="0" spcFirstLastPara="1" vertOverflow="clip" horzOverflow="clip" vert="horz" wrap="square" lIns="36576" tIns="18288" rIns="36576" bIns="18288" anchor="ctr" anchorCtr="1">
+      <a:spAutoFit/>
+    </cs:bodyPr>
+  </cs:dataLabelCallout>
+  <cs:dataPoint>
+    <cs:lnRef idx="0"/>
+    <cs:fillRef idx="3">
+      <cs:styleClr val="auto"/>
+    </cs:fillRef>
+    <cs:effectRef idx="3"/>
+    <cs:fontRef idx="minor">
+      <a:schemeClr val="lt1"/>
+    </cs:fontRef>
+  </cs:dataPoint>
+  <cs:dataPoint3D>
+    <cs:lnRef idx="0"/>
+    <cs:fillRef idx="3">
+      <cs:styleClr val="auto"/>
+    </cs:fillRef>
+    <cs:effectRef idx="3"/>
+    <cs:fontRef idx="minor">
+      <a:schemeClr val="lt1"/>
+    </cs:fontRef>
+  </cs:dataPoint3D>
+  <cs:dataPointLine>
+    <cs:lnRef idx="0">
+      <cs:styleClr val="auto"/>
+    </cs:lnRef>
+    <cs:fillRef idx="3"/>
+    <cs:effectRef idx="3"/>
+    <cs:fontRef idx="minor">
+      <a:schemeClr val="lt1"/>
+    </cs:fontRef>
+    <cs:spPr>
+      <a:ln w="34925" cap="rnd">
+        <a:solidFill>
+          <a:schemeClr val="phClr"/>
+        </a:solidFill>
+        <a:round/>
+      </a:ln>
+    </cs:spPr>
+  </cs:dataPointLine>
+  <cs:dataPointMarker>
+    <cs:lnRef idx="0">
+      <cs:styleClr val="auto"/>
+    </cs:lnRef>
+    <cs:fillRef idx="3">
+      <cs:styleClr val="auto"/>
+    </cs:fillRef>
+    <cs:effectRef idx="3"/>
+    <cs:fontRef idx="minor">
+      <a:schemeClr val="lt1"/>
+    </cs:fontRef>
+    <cs:spPr>
+      <a:ln w="9525">
+        <a:solidFill>
+          <a:schemeClr val="phClr"/>
+        </a:solidFill>
+        <a:round/>
+      </a:ln>
+    </cs:spPr>
+  </cs:dataPointMarker>
+  <cs:dataPointMarkerLayout symbol="circle" size="6"/>
+  <cs:dataPointWireframe>
+    <cs:lnRef idx="0">
+      <cs:styleClr val="auto"/>
+    </cs:lnRef>
+    <cs:fillRef idx="3"/>
+    <cs:effectRef idx="3"/>
+    <cs:fontRef idx="minor">
+      <a:schemeClr val="lt1"/>
+    </cs:fontRef>
+    <cs:spPr>
+      <a:ln w="9525" cap="rnd">
+        <a:solidFill>
+          <a:schemeClr val="phClr"/>
+        </a:solidFill>
+        <a:round/>
+      </a:ln>
+    </cs:spPr>
+  </cs:dataPointWireframe>
+  <cs:dataTable>
+    <cs:lnRef idx="0"/>
+    <cs:fillRef idx="0"/>
+    <cs:effectRef idx="0"/>
+    <cs:fontRef idx="minor">
+      <a:schemeClr val="tx1">
+        <a:lumMod val="65000"/>
+        <a:lumOff val="35000"/>
+      </a:schemeClr>
+    </cs:fontRef>
+    <cs:spPr>
+      <a:noFill/>
+      <a:ln w="9525" cap="flat" cmpd="sng" algn="ctr">
+        <a:solidFill>
+          <a:schemeClr val="tx1">
+            <a:lumMod val="15000"/>
+            <a:lumOff val="85000"/>
+          </a:schemeClr>
+        </a:solidFill>
+        <a:round/>
+      </a:ln>
+    </cs:spPr>
+    <cs:defRPr sz="1197" kern="1200"/>
+  </cs:dataTable>
+  <cs:downBar>
+    <cs:lnRef idx="0"/>
+    <cs:fillRef idx="0"/>
+    <cs:effectRef idx="0"/>
+    <cs:fontRef idx="minor">
+      <a:schemeClr val="dk1"/>
+    </cs:fontRef>
+    <cs:spPr>
+      <a:solidFill>
+        <a:schemeClr val="dk1">
+          <a:lumMod val="65000"/>
+          <a:lumOff val="35000"/>
+        </a:schemeClr>
+      </a:solidFill>
+      <a:ln w="9525">
+        <a:solidFill>
+          <a:schemeClr val="tx1">
+            <a:lumMod val="65000"/>
+            <a:lumOff val="35000"/>
+          </a:schemeClr>
+        </a:solidFill>
+      </a:ln>
+    </cs:spPr>
+  </cs:downBar>
+  <cs:dropLine>
+    <cs:lnRef idx="0"/>
+    <cs:fillRef idx="0"/>
+    <cs:effectRef idx="0"/>
+    <cs:fontRef idx="minor">
+      <a:schemeClr val="tx1"/>
+    </cs:fontRef>
+    <cs:spPr>
+      <a:ln w="9525" cap="flat" cmpd="sng" algn="ctr">
+        <a:solidFill>
+          <a:schemeClr val="tx1">
+            <a:lumMod val="35000"/>
+            <a:lumOff val="65000"/>
+          </a:schemeClr>
+        </a:solidFill>
+        <a:round/>
+      </a:ln>
+    </cs:spPr>
+  </cs:dropLine>
+  <cs:errorBar>
+    <cs:lnRef idx="0"/>
+    <cs:fillRef idx="0"/>
+    <cs:effectRef idx="0"/>
+    <cs:fontRef idx="minor">
+      <a:schemeClr val="tx1"/>
+    </cs:fontRef>
+    <cs:spPr>
+      <a:ln w="9525" cap="flat" cmpd="sng" algn="ctr">
+        <a:solidFill>
+          <a:schemeClr val="tx1">
+            <a:lumMod val="65000"/>
+            <a:lumOff val="35000"/>
+          </a:schemeClr>
+        </a:solidFill>
+        <a:round/>
+      </a:ln>
+    </cs:spPr>
+  </cs:errorBar>
+  <cs:floor>
+    <cs:lnRef idx="0"/>
+    <cs:fillRef idx="0"/>
+    <cs:effectRef idx="0"/>
+    <cs:fontRef idx="minor">
+      <a:schemeClr val="lt1"/>
+    </cs:fontRef>
+  </cs:floor>
+  <cs:gridlineMajor>
+    <cs:lnRef idx="0"/>
+    <cs:fillRef idx="0"/>
+    <cs:effectRef idx="0"/>
+    <cs:fontRef idx="minor">
+      <a:schemeClr val="tx1"/>
+    </cs:fontRef>
+    <cs:spPr>
+      <a:ln w="9525" cap="flat" cmpd="sng" algn="ctr">
+        <a:solidFill>
+          <a:schemeClr val="tx1">
+            <a:lumMod val="15000"/>
+            <a:lumOff val="85000"/>
+          </a:schemeClr>
+        </a:solidFill>
+        <a:round/>
+      </a:ln>
+    </cs:spPr>
+  </cs:gridlineMajor>
+  <cs:gridlineMinor>
+    <cs:lnRef idx="0"/>
+    <cs:fillRef idx="0"/>
+    <cs:effectRef idx="0"/>
+    <cs:fontRef idx="minor">
+      <a:schemeClr val="tx1"/>
+    </cs:fontRef>
+    <cs:spPr>
+      <a:ln w="9525" cap="flat" cmpd="sng" algn="ctr">
+        <a:solidFill>
+          <a:schemeClr val="tx1">
+            <a:lumMod val="5000"/>
+            <a:lumOff val="95000"/>
+          </a:schemeClr>
+        </a:solidFill>
+        <a:round/>
+      </a:ln>
+    </cs:spPr>
+  </cs:gridlineMinor>
+  <cs:hiLoLine>
+    <cs:lnRef idx="0"/>
+    <cs:fillRef idx="0"/>
+    <cs:effectRef idx="0"/>
+    <cs:fontRef idx="minor">
+      <a:schemeClr val="tx1"/>
+    </cs:fontRef>
+    <cs:spPr>
+      <a:ln w="9525" cap="flat" cmpd="sng" algn="ctr">
+        <a:solidFill>
+          <a:schemeClr val="tx1">
+            <a:lumMod val="75000"/>
+            <a:lumOff val="25000"/>
+          </a:schemeClr>
+        </a:solidFill>
+        <a:round/>
+      </a:ln>
+    </cs:spPr>
+  </cs:hiLoLine>
+  <cs:leaderLine>
+    <cs:lnRef idx="0"/>
+    <cs:fillRef idx="0"/>
+    <cs:effectRef idx="0"/>
+    <cs:fontRef idx="minor">
+      <a:schemeClr val="tx1"/>
+    </cs:fontRef>
+    <cs:spPr>
+      <a:ln w="9525" cap="flat" cmpd="sng" algn="ctr">
+        <a:solidFill>
+          <a:schemeClr val="tx1">
+            <a:lumMod val="35000"/>
+            <a:lumOff val="65000"/>
+          </a:schemeClr>
+        </a:solidFill>
+        <a:round/>
+      </a:ln>
+    </cs:spPr>
+  </cs:leaderLine>
+  <cs:legend>
+    <cs:lnRef idx="0"/>
+    <cs:fillRef idx="0"/>
+    <cs:effectRef idx="0"/>
+    <cs:fontRef idx="minor">
+      <a:schemeClr val="tx1">
+        <a:lumMod val="65000"/>
+        <a:lumOff val="35000"/>
+      </a:schemeClr>
+    </cs:fontRef>
+    <cs:defRPr sz="1197" kern="1200"/>
+  </cs:legend>
+  <cs:plotArea>
+    <cs:lnRef idx="0"/>
+    <cs:fillRef idx="0"/>
+    <cs:effectRef idx="0"/>
+    <cs:fontRef idx="minor">
+      <a:schemeClr val="lt1"/>
+    </cs:fontRef>
+  </cs:plotArea>
+  <cs:plotArea3D>
+    <cs:lnRef idx="0"/>
+    <cs:fillRef idx="0"/>
+    <cs:effectRef idx="0"/>
+    <cs:fontRef idx="minor">
+      <a:schemeClr val="lt1"/>
+    </cs:fontRef>
+  </cs:plotArea3D>
+  <cs:seriesAxis>
+    <cs:lnRef idx="0"/>
+    <cs:fillRef idx="0"/>
+    <cs:effectRef idx="0"/>
+    <cs:fontRef idx="minor">
+      <a:schemeClr val="tx1">
+        <a:lumMod val="65000"/>
+        <a:lumOff val="35000"/>
+      </a:schemeClr>
+    </cs:fontRef>
+    <cs:spPr>
+      <a:ln w="12700" cap="flat" cmpd="sng" algn="ctr">
+        <a:solidFill>
+          <a:schemeClr val="tx1">
+            <a:lumMod val="15000"/>
+            <a:lumOff val="85000"/>
+          </a:schemeClr>
+        </a:solidFill>
+        <a:round/>
+      </a:ln>
+    </cs:spPr>
+    <cs:defRPr sz="1197" kern="1200"/>
+  </cs:seriesAxis>
+  <cs:seriesLine>
+    <cs:lnRef idx="0"/>
+    <cs:fillRef idx="0"/>
+    <cs:effectRef idx="0"/>
+    <cs:fontRef idx="minor">
+      <a:schemeClr val="tx1"/>
+    </cs:fontRef>
+    <cs:spPr>
+      <a:ln w="9525" cap="flat" cmpd="sng" algn="ctr">
+        <a:solidFill>
+          <a:schemeClr val="tx1">
+            <a:lumMod val="35000"/>
+            <a:lumOff val="65000"/>
+          </a:schemeClr>
+        </a:solidFill>
+        <a:round/>
+      </a:ln>
+    </cs:spPr>
+  </cs:seriesLine>
+  <cs:title>
+    <cs:lnRef idx="0"/>
+    <cs:fillRef idx="0"/>
+    <cs:effectRef idx="0"/>
+    <cs:fontRef idx="minor">
+      <a:schemeClr val="tx1">
+        <a:lumMod val="65000"/>
+        <a:lumOff val="35000"/>
+      </a:schemeClr>
+    </cs:fontRef>
+    <cs:defRPr sz="2128" b="1" kern="1200" baseline="0"/>
+  </cs:title>
+  <cs:trendline>
+    <cs:lnRef idx="0">
+      <cs:styleClr val="auto"/>
+    </cs:lnRef>
+    <cs:fillRef idx="0"/>
+    <cs:effectRef idx="0"/>
+    <cs:fontRef idx="minor">
+      <a:schemeClr val="lt1"/>
+    </cs:fontRef>
+    <cs:spPr>
+      <a:ln w="19050" cap="rnd">
+        <a:solidFill>
+          <a:schemeClr val="phClr"/>
+        </a:solidFill>
+      </a:ln>
+    </cs:spPr>
+  </cs:trendline>
+  <cs:trendlineLabel>
+    <cs:lnRef idx="0"/>
+    <cs:fillRef idx="0"/>
+    <cs:effectRef idx="0"/>
+    <cs:fontRef idx="minor">
+      <a:schemeClr val="tx1">
+        <a:lumMod val="65000"/>
+        <a:lumOff val="35000"/>
+      </a:schemeClr>
+    </cs:fontRef>
+    <cs:defRPr sz="1197" kern="1200"/>
+  </cs:trendlineLabel>
+  <cs:upBar>
+    <cs:lnRef idx="0"/>
+    <cs:fillRef idx="0"/>
+    <cs:effectRef idx="0"/>
+    <cs:fontRef idx="minor">
+      <a:schemeClr val="dk1"/>
+    </cs:fontRef>
+    <cs:spPr>
+      <a:solidFill>
+        <a:schemeClr val="lt1"/>
+      </a:solidFill>
+      <a:ln w="9525">
+        <a:solidFill>
+          <a:schemeClr val="tx1">
+            <a:lumMod val="15000"/>
+            <a:lumOff val="85000"/>
+          </a:schemeClr>
+        </a:solidFill>
+      </a:ln>
+    </cs:spPr>
+  </cs:upBar>
+  <cs:valueAxis>
+    <cs:lnRef idx="0"/>
+    <cs:fillRef idx="0"/>
+    <cs:effectRef idx="0"/>
+    <cs:fontRef idx="minor">
+      <a:schemeClr val="tx1">
+        <a:lumMod val="65000"/>
+        <a:lumOff val="35000"/>
+      </a:schemeClr>
+    </cs:fontRef>
+    <cs:defRPr sz="1197" kern="1200"/>
+  </cs:valueAxis>
+  <cs:wall>
+    <cs:lnRef idx="0"/>
+    <cs:fillRef idx="0"/>
+    <cs:effectRef idx="0"/>
+    <cs:fontRef idx="minor">
+      <a:schemeClr val="lt1"/>
+    </cs:fontRef>
+  </cs:wall>
+</cs:chartStyle>
 </file>
 
 <file path=ppt/handoutMasters/handoutMaster1.xml><?xml version="1.0" encoding="utf-8"?>
@@ -10741,7 +14097,7 @@
         </p:blipFill>
         <p:spPr>
           <a:xfrm>
-            <a:off x="954286" y="751561"/>
+            <a:off x="518857" y="533846"/>
             <a:ext cx="1217414" cy="1348434"/>
           </a:xfrm>
           <a:prstGeom prst="rect">
@@ -10933,13 +14289,13 @@
   <p:clrMapOvr>
     <a:masterClrMapping/>
   </p:clrMapOvr>
-  <mc:AlternateContent xmlns:mc="http://schemas.openxmlformats.org/markup-compatibility/2006">
-    <mc:Choice xmlns:p14="http://schemas.microsoft.com/office/powerpoint/2010/main" Requires="p14">
+  <mc:AlternateContent xmlns:mc="http://schemas.openxmlformats.org/markup-compatibility/2006" xmlns:p14="http://schemas.microsoft.com/office/powerpoint/2010/main">
+    <mc:Choice Requires="p14">
       <p:transition spd="med" p14:dur="700">
         <p:fade/>
       </p:transition>
     </mc:Choice>
-    <mc:Fallback>
+    <mc:Fallback xmlns="">
       <p:transition spd="med">
         <p:fade/>
       </p:transition>
@@ -11136,7 +14492,29 @@
                   </a:schemeClr>
                 </a:solidFill>
               </a:rPr>
-              <a:t>Because the Team Coach role usually overlaps with the Line Manager one, which requires a lot of dedication, there is barely no time available for the former. </a:t>
+              <a:t>Because the Team Coach role usually overlaps with the Line Manager one, which requires a lot of dedication, there is barely </a:t>
+            </a:r>
+            <a:r>
+              <a:rPr lang="en-GB" sz="2200" b="0" dirty="0" smtClean="0">
+                <a:solidFill>
+                  <a:schemeClr val="tx1">
+                    <a:lumMod val="50000"/>
+                    <a:lumOff val="50000"/>
+                  </a:schemeClr>
+                </a:solidFill>
+              </a:rPr>
+              <a:t>any time available </a:t>
+            </a:r>
+            <a:r>
+              <a:rPr lang="en-GB" sz="2200" b="0" dirty="0" smtClean="0">
+                <a:solidFill>
+                  <a:schemeClr val="tx1">
+                    <a:lumMod val="50000"/>
+                    <a:lumOff val="50000"/>
+                  </a:schemeClr>
+                </a:solidFill>
+              </a:rPr>
+              <a:t>for the former. </a:t>
             </a:r>
           </a:p>
           <a:p>
@@ -11177,13 +14555,13 @@
   <p:clrMapOvr>
     <a:masterClrMapping/>
   </p:clrMapOvr>
-  <mc:AlternateContent xmlns:mc="http://schemas.openxmlformats.org/markup-compatibility/2006">
-    <mc:Choice xmlns:p14="http://schemas.microsoft.com/office/powerpoint/2010/main" Requires="p14">
+  <mc:AlternateContent xmlns:mc="http://schemas.openxmlformats.org/markup-compatibility/2006" xmlns:p14="http://schemas.microsoft.com/office/powerpoint/2010/main">
+    <mc:Choice Requires="p14">
       <p:transition spd="med" p14:dur="700">
         <p:fade/>
       </p:transition>
     </mc:Choice>
-    <mc:Fallback>
+    <mc:Fallback xmlns="">
       <p:transition spd="med">
         <p:fade/>
       </p:transition>
@@ -11284,6 +14662,2312 @@
 </file>
 
 <file path=ppt/slides/slide12.xml><?xml version="1.0" encoding="utf-8"?>
+<p:sld xmlns:a="http://schemas.openxmlformats.org/drawingml/2006/main" xmlns:r="http://schemas.openxmlformats.org/officeDocument/2006/relationships" xmlns:p="http://schemas.openxmlformats.org/presentationml/2006/main">
+  <p:cSld>
+    <p:spTree>
+      <p:nvGrpSpPr>
+        <p:cNvPr id="1" name=""/>
+        <p:cNvGrpSpPr/>
+        <p:nvPr/>
+      </p:nvGrpSpPr>
+      <p:grpSpPr>
+        <a:xfrm>
+          <a:off x="0" y="0"/>
+          <a:ext cx="0" cy="0"/>
+          <a:chOff x="0" y="0"/>
+          <a:chExt cx="0" cy="0"/>
+        </a:xfrm>
+      </p:grpSpPr>
+      <p:sp>
+        <p:nvSpPr>
+          <p:cNvPr id="2" name="Title 1"/>
+          <p:cNvSpPr>
+            <a:spLocks noGrp="1"/>
+          </p:cNvSpPr>
+          <p:nvPr>
+            <p:ph type="title"/>
+          </p:nvPr>
+        </p:nvSpPr>
+        <p:spPr/>
+        <p:txBody>
+          <a:bodyPr/>
+          <a:lstStyle/>
+          <a:p>
+            <a:r>
+              <a:rPr lang="en-US" dirty="0" smtClean="0"/>
+              <a:t>Solution assessment</a:t>
+            </a:r>
+            <a:endParaRPr lang="en-US" dirty="0"/>
+          </a:p>
+        </p:txBody>
+      </p:sp>
+      <p:sp>
+        <p:nvSpPr>
+          <p:cNvPr id="3" name="Content Placeholder 2"/>
+          <p:cNvSpPr>
+            <a:spLocks noGrp="1"/>
+          </p:cNvSpPr>
+          <p:nvPr>
+            <p:ph idx="1"/>
+          </p:nvPr>
+        </p:nvSpPr>
+        <p:spPr>
+          <a:xfrm>
+            <a:off x="838200" y="1825625"/>
+            <a:ext cx="5177589" cy="4351338"/>
+          </a:xfrm>
+        </p:spPr>
+        <p:txBody>
+          <a:bodyPr/>
+          <a:lstStyle/>
+          <a:p>
+            <a:pPr algn="just"/>
+            <a:r>
+              <a:rPr lang="en-US" dirty="0" smtClean="0"/>
+              <a:t>Information lacking practical </a:t>
+            </a:r>
+            <a:r>
+              <a:rPr lang="en-US" dirty="0" smtClean="0"/>
+              <a:t>value</a:t>
+            </a:r>
+            <a:endParaRPr lang="en-GB" b="0" dirty="0" smtClean="0">
+              <a:solidFill>
+                <a:schemeClr val="tx1">
+                  <a:lumMod val="50000"/>
+                  <a:lumOff val="50000"/>
+                </a:schemeClr>
+              </a:solidFill>
+            </a:endParaRPr>
+          </a:p>
+          <a:p>
+            <a:pPr algn="just"/>
+            <a:endParaRPr lang="en-US" dirty="0" smtClean="0"/>
+          </a:p>
+          <a:p>
+            <a:pPr marL="342900" indent="-342900" algn="just">
+              <a:buFont typeface="Arial" panose="020B0604020202020204" pitchFamily="34" charset="0"/>
+              <a:buChar char="•"/>
+            </a:pPr>
+            <a:endParaRPr lang="en-US" sz="2200" b="0" dirty="0">
+              <a:solidFill>
+                <a:schemeClr val="tx1">
+                  <a:lumMod val="50000"/>
+                  <a:lumOff val="50000"/>
+                </a:schemeClr>
+              </a:solidFill>
+            </a:endParaRPr>
+          </a:p>
+        </p:txBody>
+      </p:sp>
+      <p:graphicFrame>
+        <p:nvGraphicFramePr>
+          <p:cNvPr id="17" name="Chart 16"/>
+          <p:cNvGraphicFramePr/>
+          <p:nvPr>
+            <p:extLst>
+              <p:ext uri="{D42A27DB-BD31-4B8C-83A1-F6EECF244321}">
+                <p14:modId xmlns:p14="http://schemas.microsoft.com/office/powerpoint/2010/main" val="1137613575"/>
+              </p:ext>
+            </p:extLst>
+          </p:nvPr>
+        </p:nvGraphicFramePr>
+        <p:xfrm>
+          <a:off x="2704616" y="2383424"/>
+          <a:ext cx="6029158" cy="3623733"/>
+        </p:xfrm>
+        <a:graphic>
+          <a:graphicData uri="http://schemas.openxmlformats.org/drawingml/2006/chart">
+            <c:chart xmlns:c="http://schemas.openxmlformats.org/drawingml/2006/chart" xmlns:r="http://schemas.openxmlformats.org/officeDocument/2006/relationships" r:id="rId2"/>
+          </a:graphicData>
+        </a:graphic>
+      </p:graphicFrame>
+      <p:sp>
+        <p:nvSpPr>
+          <p:cNvPr id="18" name="TextBox 17"/>
+          <p:cNvSpPr txBox="1"/>
+          <p:nvPr/>
+        </p:nvSpPr>
+        <p:spPr>
+          <a:xfrm>
+            <a:off x="838199" y="2431633"/>
+            <a:ext cx="4802945" cy="1938992"/>
+          </a:xfrm>
+          <a:prstGeom prst="rect">
+            <a:avLst/>
+          </a:prstGeom>
+          <a:noFill/>
+        </p:spPr>
+        <p:txBody>
+          <a:bodyPr wrap="square" rtlCol="0">
+            <a:spAutoFit/>
+          </a:bodyPr>
+          <a:lstStyle/>
+          <a:p>
+            <a:pPr marL="342900" indent="-342900" algn="just">
+              <a:buFont typeface="Arial" panose="020B0604020202020204" pitchFamily="34" charset="0"/>
+              <a:buChar char="•"/>
+            </a:pPr>
+            <a:r>
+              <a:rPr lang="en-GB" sz="2400" dirty="0" smtClean="0">
+                <a:solidFill>
+                  <a:schemeClr val="tx1">
+                    <a:lumMod val="50000"/>
+                    <a:lumOff val="50000"/>
+                  </a:schemeClr>
+                </a:solidFill>
+              </a:rPr>
+              <a:t>Overall </a:t>
+            </a:r>
+            <a:r>
+              <a:rPr lang="en-GB" sz="2400" dirty="0">
+                <a:solidFill>
+                  <a:schemeClr val="tx1">
+                    <a:lumMod val="50000"/>
+                    <a:lumOff val="50000"/>
+                  </a:schemeClr>
+                </a:solidFill>
+              </a:rPr>
+              <a:t>numbers are good, although differences are not major.</a:t>
+            </a:r>
+          </a:p>
+          <a:p>
+            <a:pPr marL="342900" indent="-342900" algn="just">
+              <a:buFont typeface="Arial" panose="020B0604020202020204" pitchFamily="34" charset="0"/>
+              <a:buChar char="•"/>
+            </a:pPr>
+            <a:r>
+              <a:rPr lang="en-GB" sz="2400" dirty="0">
+                <a:solidFill>
+                  <a:schemeClr val="tx1">
+                    <a:lumMod val="50000"/>
+                    <a:lumOff val="50000"/>
+                  </a:schemeClr>
+                </a:solidFill>
+              </a:rPr>
+              <a:t>A</a:t>
+            </a:r>
+            <a:r>
+              <a:rPr lang="en-GB" sz="2400" dirty="0" smtClean="0">
+                <a:solidFill>
+                  <a:schemeClr val="tx1">
+                    <a:lumMod val="50000"/>
+                    <a:lumOff val="50000"/>
+                  </a:schemeClr>
+                </a:solidFill>
+              </a:rPr>
+              <a:t>verage satisfaction is very good (4+ out of 5).</a:t>
+            </a:r>
+            <a:endParaRPr lang="es-ES" sz="2400" dirty="0"/>
+          </a:p>
+        </p:txBody>
+      </p:sp>
+    </p:spTree>
+    <p:extLst>
+      <p:ext uri="{BB962C8B-B14F-4D97-AF65-F5344CB8AC3E}">
+        <p14:creationId xmlns:p14="http://schemas.microsoft.com/office/powerpoint/2010/main" val="802410108"/>
+      </p:ext>
+    </p:extLst>
+  </p:cSld>
+  <p:clrMapOvr>
+    <a:masterClrMapping/>
+  </p:clrMapOvr>
+  <mc:AlternateContent xmlns:mc="http://schemas.openxmlformats.org/markup-compatibility/2006">
+    <mc:Choice xmlns:p14="http://schemas.microsoft.com/office/powerpoint/2010/main" Requires="p14">
+      <p:transition spd="med" p14:dur="700">
+        <p:fade/>
+      </p:transition>
+    </mc:Choice>
+    <mc:Fallback>
+      <p:transition spd="med">
+        <p:fade/>
+      </p:transition>
+    </mc:Fallback>
+  </mc:AlternateContent>
+  <p:timing>
+    <p:tnLst>
+      <p:par>
+        <p:cTn id="1" dur="indefinite" restart="never" nodeType="tmRoot">
+          <p:childTnLst>
+            <p:seq concurrent="1" nextAc="seek">
+              <p:cTn id="2" dur="indefinite" nodeType="mainSeq">
+                <p:childTnLst>
+                  <p:par>
+                    <p:cTn id="3" fill="hold">
+                      <p:stCondLst>
+                        <p:cond delay="indefinite"/>
+                      </p:stCondLst>
+                      <p:childTnLst>
+                        <p:par>
+                          <p:cTn id="4" fill="hold">
+                            <p:stCondLst>
+                              <p:cond delay="0"/>
+                            </p:stCondLst>
+                            <p:childTnLst>
+                              <p:par>
+                                <p:cTn id="5" presetID="22" presetClass="entr" presetSubtype="4" fill="hold" grpId="0" nodeType="clickEffect">
+                                  <p:stCondLst>
+                                    <p:cond delay="0"/>
+                                  </p:stCondLst>
+                                  <p:childTnLst>
+                                    <p:set>
+                                      <p:cBhvr>
+                                        <p:cTn id="6" dur="1" fill="hold">
+                                          <p:stCondLst>
+                                            <p:cond delay="0"/>
+                                          </p:stCondLst>
+                                        </p:cTn>
+                                        <p:tgtEl>
+                                          <p:spTgt spid="17">
+                                            <p:graphicEl>
+                                              <a:chart seriesIdx="-3" categoryIdx="-3" bldStep="gridLegend"/>
+                                            </p:graphicEl>
+                                          </p:spTgt>
+                                        </p:tgtEl>
+                                        <p:attrNameLst>
+                                          <p:attrName>style.visibility</p:attrName>
+                                        </p:attrNameLst>
+                                      </p:cBhvr>
+                                      <p:to>
+                                        <p:strVal val="visible"/>
+                                      </p:to>
+                                    </p:set>
+                                    <p:animEffect transition="in" filter="wipe(down)">
+                                      <p:cBhvr>
+                                        <p:cTn id="7" dur="500"/>
+                                        <p:tgtEl>
+                                          <p:spTgt spid="17">
+                                            <p:graphicEl>
+                                              <a:chart seriesIdx="-3" categoryIdx="-3" bldStep="gridLegend"/>
+                                            </p:graphicEl>
+                                          </p:spTgt>
+                                        </p:tgtEl>
+                                      </p:cBhvr>
+                                    </p:animEffect>
+                                  </p:childTnLst>
+                                </p:cTn>
+                              </p:par>
+                            </p:childTnLst>
+                          </p:cTn>
+                        </p:par>
+                      </p:childTnLst>
+                    </p:cTn>
+                  </p:par>
+                  <p:par>
+                    <p:cTn id="8" fill="hold">
+                      <p:stCondLst>
+                        <p:cond delay="indefinite"/>
+                      </p:stCondLst>
+                      <p:childTnLst>
+                        <p:par>
+                          <p:cTn id="9" fill="hold">
+                            <p:stCondLst>
+                              <p:cond delay="0"/>
+                            </p:stCondLst>
+                            <p:childTnLst>
+                              <p:par>
+                                <p:cTn id="10" presetID="22" presetClass="entr" presetSubtype="4" fill="hold" grpId="0" nodeType="clickEffect">
+                                  <p:stCondLst>
+                                    <p:cond delay="0"/>
+                                  </p:stCondLst>
+                                  <p:childTnLst>
+                                    <p:set>
+                                      <p:cBhvr>
+                                        <p:cTn id="11" dur="1" fill="hold">
+                                          <p:stCondLst>
+                                            <p:cond delay="0"/>
+                                          </p:stCondLst>
+                                        </p:cTn>
+                                        <p:tgtEl>
+                                          <p:spTgt spid="17">
+                                            <p:graphicEl>
+                                              <a:chart seriesIdx="0" categoryIdx="-4" bldStep="series"/>
+                                            </p:graphicEl>
+                                          </p:spTgt>
+                                        </p:tgtEl>
+                                        <p:attrNameLst>
+                                          <p:attrName>style.visibility</p:attrName>
+                                        </p:attrNameLst>
+                                      </p:cBhvr>
+                                      <p:to>
+                                        <p:strVal val="visible"/>
+                                      </p:to>
+                                    </p:set>
+                                    <p:animEffect transition="in" filter="wipe(down)">
+                                      <p:cBhvr>
+                                        <p:cTn id="12" dur="750"/>
+                                        <p:tgtEl>
+                                          <p:spTgt spid="17">
+                                            <p:graphicEl>
+                                              <a:chart seriesIdx="0" categoryIdx="-4" bldStep="series"/>
+                                            </p:graphicEl>
+                                          </p:spTgt>
+                                        </p:tgtEl>
+                                      </p:cBhvr>
+                                    </p:animEffect>
+                                  </p:childTnLst>
+                                </p:cTn>
+                              </p:par>
+                            </p:childTnLst>
+                          </p:cTn>
+                        </p:par>
+                      </p:childTnLst>
+                    </p:cTn>
+                  </p:par>
+                  <p:par>
+                    <p:cTn id="13" fill="hold">
+                      <p:stCondLst>
+                        <p:cond delay="indefinite"/>
+                      </p:stCondLst>
+                      <p:childTnLst>
+                        <p:par>
+                          <p:cTn id="14" fill="hold">
+                            <p:stCondLst>
+                              <p:cond delay="0"/>
+                            </p:stCondLst>
+                            <p:childTnLst>
+                              <p:par>
+                                <p:cTn id="15" presetID="22" presetClass="entr" presetSubtype="4" fill="hold" grpId="0" nodeType="clickEffect">
+                                  <p:stCondLst>
+                                    <p:cond delay="0"/>
+                                  </p:stCondLst>
+                                  <p:childTnLst>
+                                    <p:set>
+                                      <p:cBhvr>
+                                        <p:cTn id="16" dur="1" fill="hold">
+                                          <p:stCondLst>
+                                            <p:cond delay="0"/>
+                                          </p:stCondLst>
+                                        </p:cTn>
+                                        <p:tgtEl>
+                                          <p:spTgt spid="17">
+                                            <p:graphicEl>
+                                              <a:chart seriesIdx="1" categoryIdx="-4" bldStep="series"/>
+                                            </p:graphicEl>
+                                          </p:spTgt>
+                                        </p:tgtEl>
+                                        <p:attrNameLst>
+                                          <p:attrName>style.visibility</p:attrName>
+                                        </p:attrNameLst>
+                                      </p:cBhvr>
+                                      <p:to>
+                                        <p:strVal val="visible"/>
+                                      </p:to>
+                                    </p:set>
+                                    <p:animEffect transition="in" filter="wipe(down)">
+                                      <p:cBhvr>
+                                        <p:cTn id="17" dur="750"/>
+                                        <p:tgtEl>
+                                          <p:spTgt spid="17">
+                                            <p:graphicEl>
+                                              <a:chart seriesIdx="1" categoryIdx="-4" bldStep="series"/>
+                                            </p:graphicEl>
+                                          </p:spTgt>
+                                        </p:tgtEl>
+                                      </p:cBhvr>
+                                    </p:animEffect>
+                                  </p:childTnLst>
+                                </p:cTn>
+                              </p:par>
+                            </p:childTnLst>
+                          </p:cTn>
+                        </p:par>
+                      </p:childTnLst>
+                    </p:cTn>
+                  </p:par>
+                  <p:par>
+                    <p:cTn id="18" fill="hold">
+                      <p:stCondLst>
+                        <p:cond delay="indefinite"/>
+                      </p:stCondLst>
+                      <p:childTnLst>
+                        <p:par>
+                          <p:cTn id="19" fill="hold">
+                            <p:stCondLst>
+                              <p:cond delay="0"/>
+                            </p:stCondLst>
+                            <p:childTnLst>
+                              <p:par>
+                                <p:cTn id="20" presetID="63" presetClass="path" presetSubtype="0" accel="50000" decel="50000" fill="hold" grpId="1" nodeType="clickEffect">
+                                  <p:stCondLst>
+                                    <p:cond delay="0"/>
+                                  </p:stCondLst>
+                                  <p:childTnLst>
+                                    <p:animMotion origin="layout" path="M -6.25E-7 -4.07407E-6 L 0.25 -4.07407E-6 " pathEditMode="relative" rAng="0" ptsTypes="AA">
+                                      <p:cBhvr>
+                                        <p:cTn id="21" dur="500" fill="hold"/>
+                                        <p:tgtEl>
+                                          <p:spTgt spid="17">
+                                            <p:graphicEl>
+                                              <a:chart seriesIdx="-3" categoryIdx="-3" bldStep="gridLegend"/>
+                                            </p:graphicEl>
+                                          </p:spTgt>
+                                        </p:tgtEl>
+                                        <p:attrNameLst>
+                                          <p:attrName>ppt_x</p:attrName>
+                                          <p:attrName>ppt_y</p:attrName>
+                                        </p:attrNameLst>
+                                      </p:cBhvr>
+                                      <p:rCtr x="12500" y="0"/>
+                                    </p:animMotion>
+                                  </p:childTnLst>
+                                </p:cTn>
+                              </p:par>
+                              <p:par>
+                                <p:cTn id="22" presetID="63" presetClass="path" presetSubtype="0" accel="50000" decel="50000" fill="hold" grpId="1" nodeType="withEffect">
+                                  <p:stCondLst>
+                                    <p:cond delay="0"/>
+                                  </p:stCondLst>
+                                  <p:childTnLst>
+                                    <p:animMotion origin="layout" path="M -6.25E-7 -4.07407E-6 L 0.25 -4.07407E-6 " pathEditMode="relative" rAng="0" ptsTypes="AA">
+                                      <p:cBhvr>
+                                        <p:cTn id="23" dur="500" fill="hold"/>
+                                        <p:tgtEl>
+                                          <p:spTgt spid="17">
+                                            <p:graphicEl>
+                                              <a:chart seriesIdx="0" categoryIdx="-4" bldStep="series"/>
+                                            </p:graphicEl>
+                                          </p:spTgt>
+                                        </p:tgtEl>
+                                        <p:attrNameLst>
+                                          <p:attrName>ppt_x</p:attrName>
+                                          <p:attrName>ppt_y</p:attrName>
+                                        </p:attrNameLst>
+                                      </p:cBhvr>
+                                      <p:rCtr x="12500" y="0"/>
+                                    </p:animMotion>
+                                  </p:childTnLst>
+                                </p:cTn>
+                              </p:par>
+                              <p:par>
+                                <p:cTn id="24" presetID="63" presetClass="path" presetSubtype="0" accel="50000" decel="50000" fill="hold" grpId="1" nodeType="withEffect">
+                                  <p:stCondLst>
+                                    <p:cond delay="0"/>
+                                  </p:stCondLst>
+                                  <p:childTnLst>
+                                    <p:animMotion origin="layout" path="M -6.25E-7 -4.07407E-6 L 0.25 -4.07407E-6 " pathEditMode="relative" rAng="0" ptsTypes="AA">
+                                      <p:cBhvr>
+                                        <p:cTn id="25" dur="500" fill="hold"/>
+                                        <p:tgtEl>
+                                          <p:spTgt spid="17">
+                                            <p:graphicEl>
+                                              <a:chart seriesIdx="1" categoryIdx="-4" bldStep="series"/>
+                                            </p:graphicEl>
+                                          </p:spTgt>
+                                        </p:tgtEl>
+                                        <p:attrNameLst>
+                                          <p:attrName>ppt_x</p:attrName>
+                                          <p:attrName>ppt_y</p:attrName>
+                                        </p:attrNameLst>
+                                      </p:cBhvr>
+                                      <p:rCtr x="12500" y="0"/>
+                                    </p:animMotion>
+                                  </p:childTnLst>
+                                </p:cTn>
+                              </p:par>
+                            </p:childTnLst>
+                          </p:cTn>
+                        </p:par>
+                        <p:par>
+                          <p:cTn id="26" fill="hold">
+                            <p:stCondLst>
+                              <p:cond delay="500"/>
+                            </p:stCondLst>
+                            <p:childTnLst>
+                              <p:par>
+                                <p:cTn id="27" presetID="10" presetClass="entr" presetSubtype="0" fill="hold" grpId="0" nodeType="afterEffect">
+                                  <p:stCondLst>
+                                    <p:cond delay="0"/>
+                                  </p:stCondLst>
+                                  <p:childTnLst>
+                                    <p:set>
+                                      <p:cBhvr>
+                                        <p:cTn id="28" dur="1" fill="hold">
+                                          <p:stCondLst>
+                                            <p:cond delay="0"/>
+                                          </p:stCondLst>
+                                        </p:cTn>
+                                        <p:tgtEl>
+                                          <p:spTgt spid="18"/>
+                                        </p:tgtEl>
+                                        <p:attrNameLst>
+                                          <p:attrName>style.visibility</p:attrName>
+                                        </p:attrNameLst>
+                                      </p:cBhvr>
+                                      <p:to>
+                                        <p:strVal val="visible"/>
+                                      </p:to>
+                                    </p:set>
+                                    <p:animEffect transition="in" filter="fade">
+                                      <p:cBhvr>
+                                        <p:cTn id="29" dur="500"/>
+                                        <p:tgtEl>
+                                          <p:spTgt spid="18"/>
+                                        </p:tgtEl>
+                                      </p:cBhvr>
+                                    </p:animEffect>
+                                  </p:childTnLst>
+                                </p:cTn>
+                              </p:par>
+                            </p:childTnLst>
+                          </p:cTn>
+                        </p:par>
+                      </p:childTnLst>
+                    </p:cTn>
+                  </p:par>
+                  <p:par>
+                    <p:cTn id="30" fill="hold">
+                      <p:stCondLst>
+                        <p:cond delay="indefinite"/>
+                      </p:stCondLst>
+                      <p:childTnLst>
+                        <p:par>
+                          <p:cTn id="31" fill="hold">
+                            <p:stCondLst>
+                              <p:cond delay="0"/>
+                            </p:stCondLst>
+                            <p:childTnLst>
+                              <p:par>
+                                <p:cTn id="32" presetID="10" presetClass="entr" presetSubtype="0" fill="hold" nodeType="clickEffect">
+                                  <p:stCondLst>
+                                    <p:cond delay="0"/>
+                                  </p:stCondLst>
+                                  <p:childTnLst>
+                                    <p:set>
+                                      <p:cBhvr>
+                                        <p:cTn id="33" dur="1" fill="hold">
+                                          <p:stCondLst>
+                                            <p:cond delay="0"/>
+                                          </p:stCondLst>
+                                        </p:cTn>
+                                        <p:tgtEl>
+                                          <p:spTgt spid="18">
+                                            <p:txEl>
+                                              <p:pRg st="1" end="1"/>
+                                            </p:txEl>
+                                          </p:spTgt>
+                                        </p:tgtEl>
+                                        <p:attrNameLst>
+                                          <p:attrName>style.visibility</p:attrName>
+                                        </p:attrNameLst>
+                                      </p:cBhvr>
+                                      <p:to>
+                                        <p:strVal val="visible"/>
+                                      </p:to>
+                                    </p:set>
+                                    <p:animEffect transition="in" filter="fade">
+                                      <p:cBhvr>
+                                        <p:cTn id="34" dur="500"/>
+                                        <p:tgtEl>
+                                          <p:spTgt spid="18">
+                                            <p:txEl>
+                                              <p:pRg st="1" end="1"/>
+                                            </p:txEl>
+                                          </p:spTgt>
+                                        </p:tgtEl>
+                                      </p:cBhvr>
+                                    </p:animEffect>
+                                  </p:childTnLst>
+                                </p:cTn>
+                              </p:par>
+                            </p:childTnLst>
+                          </p:cTn>
+                        </p:par>
+                      </p:childTnLst>
+                    </p:cTn>
+                  </p:par>
+                </p:childTnLst>
+              </p:cTn>
+              <p:prevCondLst>
+                <p:cond evt="onPrev" delay="0">
+                  <p:tgtEl>
+                    <p:sldTgt/>
+                  </p:tgtEl>
+                </p:cond>
+              </p:prevCondLst>
+              <p:nextCondLst>
+                <p:cond evt="onNext" delay="0">
+                  <p:tgtEl>
+                    <p:sldTgt/>
+                  </p:tgtEl>
+                </p:cond>
+              </p:nextCondLst>
+            </p:seq>
+          </p:childTnLst>
+        </p:cTn>
+      </p:par>
+    </p:tnLst>
+    <p:bldLst>
+      <p:bldGraphic spid="17" grpId="0" uiExpand="1">
+        <p:bldSub>
+          <a:bldChart bld="series"/>
+        </p:bldSub>
+      </p:bldGraphic>
+      <p:bldGraphic spid="17" grpId="1" uiExpand="1">
+        <p:bldSub>
+          <a:bldChart bld="series"/>
+        </p:bldSub>
+      </p:bldGraphic>
+      <p:bldP spid="18" grpId="0"/>
+    </p:bldLst>
+  </p:timing>
+</p:sld>
+</file>
+
+<file path=ppt/slides/slide13.xml><?xml version="1.0" encoding="utf-8"?>
+<p:sld xmlns:a="http://schemas.openxmlformats.org/drawingml/2006/main" xmlns:r="http://schemas.openxmlformats.org/officeDocument/2006/relationships" xmlns:p="http://schemas.openxmlformats.org/presentationml/2006/main">
+  <p:cSld>
+    <p:spTree>
+      <p:nvGrpSpPr>
+        <p:cNvPr id="1" name=""/>
+        <p:cNvGrpSpPr/>
+        <p:nvPr/>
+      </p:nvGrpSpPr>
+      <p:grpSpPr>
+        <a:xfrm>
+          <a:off x="0" y="0"/>
+          <a:ext cx="0" cy="0"/>
+          <a:chOff x="0" y="0"/>
+          <a:chExt cx="0" cy="0"/>
+        </a:xfrm>
+      </p:grpSpPr>
+      <p:sp>
+        <p:nvSpPr>
+          <p:cNvPr id="2" name="Title 1"/>
+          <p:cNvSpPr>
+            <a:spLocks noGrp="1"/>
+          </p:cNvSpPr>
+          <p:nvPr>
+            <p:ph type="title"/>
+          </p:nvPr>
+        </p:nvSpPr>
+        <p:spPr/>
+        <p:txBody>
+          <a:bodyPr/>
+          <a:lstStyle/>
+          <a:p>
+            <a:r>
+              <a:rPr lang="en-US" dirty="0" smtClean="0"/>
+              <a:t>Solution assessment</a:t>
+            </a:r>
+            <a:endParaRPr lang="en-US" dirty="0"/>
+          </a:p>
+        </p:txBody>
+      </p:sp>
+      <p:sp>
+        <p:nvSpPr>
+          <p:cNvPr id="3" name="Content Placeholder 2"/>
+          <p:cNvSpPr>
+            <a:spLocks noGrp="1"/>
+          </p:cNvSpPr>
+          <p:nvPr>
+            <p:ph idx="1"/>
+          </p:nvPr>
+        </p:nvSpPr>
+        <p:spPr>
+          <a:xfrm>
+            <a:off x="838200" y="1825625"/>
+            <a:ext cx="4982029" cy="4351338"/>
+          </a:xfrm>
+        </p:spPr>
+        <p:txBody>
+          <a:bodyPr/>
+          <a:lstStyle/>
+          <a:p>
+            <a:pPr algn="just"/>
+            <a:r>
+              <a:rPr lang="en-GB" dirty="0" smtClean="0"/>
+              <a:t>Communication with Team Coach</a:t>
+            </a:r>
+          </a:p>
+          <a:p>
+            <a:pPr marL="342900" indent="-342900" algn="just">
+              <a:buFont typeface="Arial" panose="020B0604020202020204" pitchFamily="34" charset="0"/>
+              <a:buChar char="•"/>
+            </a:pPr>
+            <a:r>
+              <a:rPr lang="en-GB" b="0" dirty="0">
+                <a:solidFill>
+                  <a:schemeClr val="tx1">
+                    <a:lumMod val="50000"/>
+                    <a:lumOff val="50000"/>
+                  </a:schemeClr>
+                </a:solidFill>
+              </a:rPr>
+              <a:t>Communications with the Team Coach are “</a:t>
+            </a:r>
+            <a:r>
+              <a:rPr lang="en-GB" b="0" i="1" dirty="0">
+                <a:solidFill>
+                  <a:schemeClr val="tx1">
+                    <a:lumMod val="50000"/>
+                    <a:lumOff val="50000"/>
+                  </a:schemeClr>
+                </a:solidFill>
+              </a:rPr>
+              <a:t>20%</a:t>
+            </a:r>
+            <a:r>
+              <a:rPr lang="en-GB" b="0" dirty="0">
+                <a:solidFill>
+                  <a:schemeClr val="tx1">
+                    <a:lumMod val="50000"/>
+                    <a:lumOff val="50000"/>
+                  </a:schemeClr>
+                </a:solidFill>
+              </a:rPr>
+              <a:t> </a:t>
+            </a:r>
+            <a:r>
+              <a:rPr lang="en-GB" b="0" i="1" dirty="0">
+                <a:solidFill>
+                  <a:schemeClr val="tx1">
+                    <a:lumMod val="50000"/>
+                    <a:lumOff val="50000"/>
+                  </a:schemeClr>
+                </a:solidFill>
+              </a:rPr>
+              <a:t>easier”</a:t>
+            </a:r>
+            <a:r>
+              <a:rPr lang="en-GB" b="0" dirty="0">
+                <a:solidFill>
+                  <a:schemeClr val="tx1">
+                    <a:lumMod val="50000"/>
+                    <a:lumOff val="50000"/>
+                  </a:schemeClr>
+                </a:solidFill>
+              </a:rPr>
+              <a:t>.</a:t>
+            </a:r>
+            <a:endParaRPr lang="es-ES" b="0" dirty="0"/>
+          </a:p>
+          <a:p>
+            <a:pPr algn="just"/>
+            <a:endParaRPr lang="en-GB" b="0" dirty="0" smtClean="0">
+              <a:solidFill>
+                <a:schemeClr val="tx1">
+                  <a:lumMod val="50000"/>
+                  <a:lumOff val="50000"/>
+                </a:schemeClr>
+              </a:solidFill>
+            </a:endParaRPr>
+          </a:p>
+          <a:p>
+            <a:pPr algn="just"/>
+            <a:endParaRPr lang="en-US" dirty="0" smtClean="0"/>
+          </a:p>
+          <a:p>
+            <a:pPr marL="342900" indent="-342900" algn="just">
+              <a:buFont typeface="Arial" panose="020B0604020202020204" pitchFamily="34" charset="0"/>
+              <a:buChar char="•"/>
+            </a:pPr>
+            <a:endParaRPr lang="en-US" sz="2200" b="0" dirty="0">
+              <a:solidFill>
+                <a:schemeClr val="tx1">
+                  <a:lumMod val="50000"/>
+                  <a:lumOff val="50000"/>
+                </a:schemeClr>
+              </a:solidFill>
+            </a:endParaRPr>
+          </a:p>
+        </p:txBody>
+      </p:sp>
+      <p:graphicFrame>
+        <p:nvGraphicFramePr>
+          <p:cNvPr id="17" name="Chart 16"/>
+          <p:cNvGraphicFramePr/>
+          <p:nvPr>
+            <p:extLst>
+              <p:ext uri="{D42A27DB-BD31-4B8C-83A1-F6EECF244321}">
+                <p14:modId xmlns:p14="http://schemas.microsoft.com/office/powerpoint/2010/main" val="790350020"/>
+              </p:ext>
+            </p:extLst>
+          </p:nvPr>
+        </p:nvGraphicFramePr>
+        <p:xfrm>
+          <a:off x="2704616" y="2383424"/>
+          <a:ext cx="6029158" cy="3623733"/>
+        </p:xfrm>
+        <a:graphic>
+          <a:graphicData uri="http://schemas.openxmlformats.org/drawingml/2006/chart">
+            <c:chart xmlns:c="http://schemas.openxmlformats.org/drawingml/2006/chart" xmlns:r="http://schemas.openxmlformats.org/officeDocument/2006/relationships" r:id="rId2"/>
+          </a:graphicData>
+        </a:graphic>
+      </p:graphicFrame>
+    </p:spTree>
+    <p:extLst>
+      <p:ext uri="{BB962C8B-B14F-4D97-AF65-F5344CB8AC3E}">
+        <p14:creationId xmlns:p14="http://schemas.microsoft.com/office/powerpoint/2010/main" val="3748848572"/>
+      </p:ext>
+    </p:extLst>
+  </p:cSld>
+  <p:clrMapOvr>
+    <a:masterClrMapping/>
+  </p:clrMapOvr>
+  <mc:AlternateContent xmlns:mc="http://schemas.openxmlformats.org/markup-compatibility/2006">
+    <mc:Choice xmlns:p14="http://schemas.microsoft.com/office/powerpoint/2010/main" Requires="p14">
+      <p:transition spd="med" p14:dur="700">
+        <p:fade/>
+      </p:transition>
+    </mc:Choice>
+    <mc:Fallback>
+      <p:transition spd="med">
+        <p:fade/>
+      </p:transition>
+    </mc:Fallback>
+  </mc:AlternateContent>
+  <p:timing>
+    <p:tnLst>
+      <p:par>
+        <p:cTn id="1" dur="indefinite" restart="never" nodeType="tmRoot">
+          <p:childTnLst>
+            <p:seq concurrent="1" nextAc="seek">
+              <p:cTn id="2" dur="indefinite" nodeType="mainSeq">
+                <p:childTnLst>
+                  <p:par>
+                    <p:cTn id="3" fill="hold">
+                      <p:stCondLst>
+                        <p:cond delay="indefinite"/>
+                      </p:stCondLst>
+                      <p:childTnLst>
+                        <p:par>
+                          <p:cTn id="4" fill="hold">
+                            <p:stCondLst>
+                              <p:cond delay="0"/>
+                            </p:stCondLst>
+                            <p:childTnLst>
+                              <p:par>
+                                <p:cTn id="5" presetID="22" presetClass="entr" presetSubtype="4" fill="hold" grpId="0" nodeType="clickEffect">
+                                  <p:stCondLst>
+                                    <p:cond delay="0"/>
+                                  </p:stCondLst>
+                                  <p:childTnLst>
+                                    <p:set>
+                                      <p:cBhvr>
+                                        <p:cTn id="6" dur="1" fill="hold">
+                                          <p:stCondLst>
+                                            <p:cond delay="0"/>
+                                          </p:stCondLst>
+                                        </p:cTn>
+                                        <p:tgtEl>
+                                          <p:spTgt spid="17">
+                                            <p:graphicEl>
+                                              <a:chart seriesIdx="-3" categoryIdx="-3" bldStep="gridLegend"/>
+                                            </p:graphicEl>
+                                          </p:spTgt>
+                                        </p:tgtEl>
+                                        <p:attrNameLst>
+                                          <p:attrName>style.visibility</p:attrName>
+                                        </p:attrNameLst>
+                                      </p:cBhvr>
+                                      <p:to>
+                                        <p:strVal val="visible"/>
+                                      </p:to>
+                                    </p:set>
+                                    <p:animEffect transition="in" filter="wipe(down)">
+                                      <p:cBhvr>
+                                        <p:cTn id="7" dur="500"/>
+                                        <p:tgtEl>
+                                          <p:spTgt spid="17">
+                                            <p:graphicEl>
+                                              <a:chart seriesIdx="-3" categoryIdx="-3" bldStep="gridLegend"/>
+                                            </p:graphicEl>
+                                          </p:spTgt>
+                                        </p:tgtEl>
+                                      </p:cBhvr>
+                                    </p:animEffect>
+                                  </p:childTnLst>
+                                </p:cTn>
+                              </p:par>
+                            </p:childTnLst>
+                          </p:cTn>
+                        </p:par>
+                      </p:childTnLst>
+                    </p:cTn>
+                  </p:par>
+                  <p:par>
+                    <p:cTn id="8" fill="hold">
+                      <p:stCondLst>
+                        <p:cond delay="indefinite"/>
+                      </p:stCondLst>
+                      <p:childTnLst>
+                        <p:par>
+                          <p:cTn id="9" fill="hold">
+                            <p:stCondLst>
+                              <p:cond delay="0"/>
+                            </p:stCondLst>
+                            <p:childTnLst>
+                              <p:par>
+                                <p:cTn id="10" presetID="22" presetClass="entr" presetSubtype="4" fill="hold" grpId="0" nodeType="clickEffect">
+                                  <p:stCondLst>
+                                    <p:cond delay="0"/>
+                                  </p:stCondLst>
+                                  <p:childTnLst>
+                                    <p:set>
+                                      <p:cBhvr>
+                                        <p:cTn id="11" dur="1" fill="hold">
+                                          <p:stCondLst>
+                                            <p:cond delay="0"/>
+                                          </p:stCondLst>
+                                        </p:cTn>
+                                        <p:tgtEl>
+                                          <p:spTgt spid="17">
+                                            <p:graphicEl>
+                                              <a:chart seriesIdx="0" categoryIdx="-4" bldStep="series"/>
+                                            </p:graphicEl>
+                                          </p:spTgt>
+                                        </p:tgtEl>
+                                        <p:attrNameLst>
+                                          <p:attrName>style.visibility</p:attrName>
+                                        </p:attrNameLst>
+                                      </p:cBhvr>
+                                      <p:to>
+                                        <p:strVal val="visible"/>
+                                      </p:to>
+                                    </p:set>
+                                    <p:animEffect transition="in" filter="wipe(down)">
+                                      <p:cBhvr>
+                                        <p:cTn id="12" dur="500"/>
+                                        <p:tgtEl>
+                                          <p:spTgt spid="17">
+                                            <p:graphicEl>
+                                              <a:chart seriesIdx="0" categoryIdx="-4" bldStep="series"/>
+                                            </p:graphicEl>
+                                          </p:spTgt>
+                                        </p:tgtEl>
+                                      </p:cBhvr>
+                                    </p:animEffect>
+                                  </p:childTnLst>
+                                </p:cTn>
+                              </p:par>
+                            </p:childTnLst>
+                          </p:cTn>
+                        </p:par>
+                      </p:childTnLst>
+                    </p:cTn>
+                  </p:par>
+                  <p:par>
+                    <p:cTn id="13" fill="hold">
+                      <p:stCondLst>
+                        <p:cond delay="indefinite"/>
+                      </p:stCondLst>
+                      <p:childTnLst>
+                        <p:par>
+                          <p:cTn id="14" fill="hold">
+                            <p:stCondLst>
+                              <p:cond delay="0"/>
+                            </p:stCondLst>
+                            <p:childTnLst>
+                              <p:par>
+                                <p:cTn id="15" presetID="22" presetClass="entr" presetSubtype="4" fill="hold" grpId="0" nodeType="clickEffect">
+                                  <p:stCondLst>
+                                    <p:cond delay="0"/>
+                                  </p:stCondLst>
+                                  <p:childTnLst>
+                                    <p:set>
+                                      <p:cBhvr>
+                                        <p:cTn id="16" dur="1" fill="hold">
+                                          <p:stCondLst>
+                                            <p:cond delay="0"/>
+                                          </p:stCondLst>
+                                        </p:cTn>
+                                        <p:tgtEl>
+                                          <p:spTgt spid="17">
+                                            <p:graphicEl>
+                                              <a:chart seriesIdx="1" categoryIdx="-4" bldStep="series"/>
+                                            </p:graphicEl>
+                                          </p:spTgt>
+                                        </p:tgtEl>
+                                        <p:attrNameLst>
+                                          <p:attrName>style.visibility</p:attrName>
+                                        </p:attrNameLst>
+                                      </p:cBhvr>
+                                      <p:to>
+                                        <p:strVal val="visible"/>
+                                      </p:to>
+                                    </p:set>
+                                    <p:animEffect transition="in" filter="wipe(down)">
+                                      <p:cBhvr>
+                                        <p:cTn id="17" dur="500"/>
+                                        <p:tgtEl>
+                                          <p:spTgt spid="17">
+                                            <p:graphicEl>
+                                              <a:chart seriesIdx="1" categoryIdx="-4" bldStep="series"/>
+                                            </p:graphicEl>
+                                          </p:spTgt>
+                                        </p:tgtEl>
+                                      </p:cBhvr>
+                                    </p:animEffect>
+                                  </p:childTnLst>
+                                </p:cTn>
+                              </p:par>
+                            </p:childTnLst>
+                          </p:cTn>
+                        </p:par>
+                      </p:childTnLst>
+                    </p:cTn>
+                  </p:par>
+                  <p:par>
+                    <p:cTn id="18" fill="hold">
+                      <p:stCondLst>
+                        <p:cond delay="indefinite"/>
+                      </p:stCondLst>
+                      <p:childTnLst>
+                        <p:par>
+                          <p:cTn id="19" fill="hold">
+                            <p:stCondLst>
+                              <p:cond delay="0"/>
+                            </p:stCondLst>
+                            <p:childTnLst>
+                              <p:par>
+                                <p:cTn id="20" presetID="63" presetClass="path" presetSubtype="0" accel="50000" decel="50000" fill="hold" grpId="1" nodeType="clickEffect">
+                                  <p:stCondLst>
+                                    <p:cond delay="0"/>
+                                  </p:stCondLst>
+                                  <p:childTnLst>
+                                    <p:animMotion origin="layout" path="M -6.25E-7 -4.07407E-6 L 0.25 -4.07407E-6 " pathEditMode="relative" rAng="0" ptsTypes="AA">
+                                      <p:cBhvr>
+                                        <p:cTn id="21" dur="500" fill="hold"/>
+                                        <p:tgtEl>
+                                          <p:spTgt spid="17">
+                                            <p:graphicEl>
+                                              <a:chart seriesIdx="-3" categoryIdx="-3" bldStep="gridLegend"/>
+                                            </p:graphicEl>
+                                          </p:spTgt>
+                                        </p:tgtEl>
+                                        <p:attrNameLst>
+                                          <p:attrName>ppt_x</p:attrName>
+                                          <p:attrName>ppt_y</p:attrName>
+                                        </p:attrNameLst>
+                                      </p:cBhvr>
+                                      <p:rCtr x="12500" y="0"/>
+                                    </p:animMotion>
+                                  </p:childTnLst>
+                                </p:cTn>
+                              </p:par>
+                              <p:par>
+                                <p:cTn id="22" presetID="63" presetClass="path" presetSubtype="0" accel="50000" decel="50000" fill="hold" grpId="1" nodeType="withEffect">
+                                  <p:stCondLst>
+                                    <p:cond delay="0"/>
+                                  </p:stCondLst>
+                                  <p:childTnLst>
+                                    <p:animMotion origin="layout" path="M -6.25E-7 -4.07407E-6 L 0.25 -4.07407E-6 " pathEditMode="relative" rAng="0" ptsTypes="AA">
+                                      <p:cBhvr>
+                                        <p:cTn id="23" dur="500" fill="hold"/>
+                                        <p:tgtEl>
+                                          <p:spTgt spid="17">
+                                            <p:graphicEl>
+                                              <a:chart seriesIdx="0" categoryIdx="-4" bldStep="series"/>
+                                            </p:graphicEl>
+                                          </p:spTgt>
+                                        </p:tgtEl>
+                                        <p:attrNameLst>
+                                          <p:attrName>ppt_x</p:attrName>
+                                          <p:attrName>ppt_y</p:attrName>
+                                        </p:attrNameLst>
+                                      </p:cBhvr>
+                                      <p:rCtr x="12500" y="0"/>
+                                    </p:animMotion>
+                                  </p:childTnLst>
+                                </p:cTn>
+                              </p:par>
+                              <p:par>
+                                <p:cTn id="24" presetID="63" presetClass="path" presetSubtype="0" accel="50000" decel="50000" fill="hold" grpId="1" nodeType="withEffect">
+                                  <p:stCondLst>
+                                    <p:cond delay="0"/>
+                                  </p:stCondLst>
+                                  <p:childTnLst>
+                                    <p:animMotion origin="layout" path="M -6.25E-7 -4.07407E-6 L 0.25 -4.07407E-6 " pathEditMode="relative" rAng="0" ptsTypes="AA">
+                                      <p:cBhvr>
+                                        <p:cTn id="25" dur="500" fill="hold"/>
+                                        <p:tgtEl>
+                                          <p:spTgt spid="17">
+                                            <p:graphicEl>
+                                              <a:chart seriesIdx="1" categoryIdx="-4" bldStep="series"/>
+                                            </p:graphicEl>
+                                          </p:spTgt>
+                                        </p:tgtEl>
+                                        <p:attrNameLst>
+                                          <p:attrName>ppt_x</p:attrName>
+                                          <p:attrName>ppt_y</p:attrName>
+                                        </p:attrNameLst>
+                                      </p:cBhvr>
+                                      <p:rCtr x="12500" y="0"/>
+                                    </p:animMotion>
+                                  </p:childTnLst>
+                                </p:cTn>
+                              </p:par>
+                            </p:childTnLst>
+                          </p:cTn>
+                        </p:par>
+                        <p:par>
+                          <p:cTn id="26" fill="hold">
+                            <p:stCondLst>
+                              <p:cond delay="500"/>
+                            </p:stCondLst>
+                            <p:childTnLst>
+                              <p:par>
+                                <p:cTn id="27" presetID="10" presetClass="entr" presetSubtype="0" fill="hold" nodeType="afterEffect">
+                                  <p:stCondLst>
+                                    <p:cond delay="0"/>
+                                  </p:stCondLst>
+                                  <p:childTnLst>
+                                    <p:set>
+                                      <p:cBhvr>
+                                        <p:cTn id="28" dur="1" fill="hold">
+                                          <p:stCondLst>
+                                            <p:cond delay="0"/>
+                                          </p:stCondLst>
+                                        </p:cTn>
+                                        <p:tgtEl>
+                                          <p:spTgt spid="3">
+                                            <p:txEl>
+                                              <p:pRg st="1" end="1"/>
+                                            </p:txEl>
+                                          </p:spTgt>
+                                        </p:tgtEl>
+                                        <p:attrNameLst>
+                                          <p:attrName>style.visibility</p:attrName>
+                                        </p:attrNameLst>
+                                      </p:cBhvr>
+                                      <p:to>
+                                        <p:strVal val="visible"/>
+                                      </p:to>
+                                    </p:set>
+                                    <p:animEffect transition="in" filter="fade">
+                                      <p:cBhvr>
+                                        <p:cTn id="29" dur="500"/>
+                                        <p:tgtEl>
+                                          <p:spTgt spid="3">
+                                            <p:txEl>
+                                              <p:pRg st="1" end="1"/>
+                                            </p:txEl>
+                                          </p:spTgt>
+                                        </p:tgtEl>
+                                      </p:cBhvr>
+                                    </p:animEffect>
+                                  </p:childTnLst>
+                                </p:cTn>
+                              </p:par>
+                            </p:childTnLst>
+                          </p:cTn>
+                        </p:par>
+                      </p:childTnLst>
+                    </p:cTn>
+                  </p:par>
+                </p:childTnLst>
+              </p:cTn>
+              <p:prevCondLst>
+                <p:cond evt="onPrev" delay="0">
+                  <p:tgtEl>
+                    <p:sldTgt/>
+                  </p:tgtEl>
+                </p:cond>
+              </p:prevCondLst>
+              <p:nextCondLst>
+                <p:cond evt="onNext" delay="0">
+                  <p:tgtEl>
+                    <p:sldTgt/>
+                  </p:tgtEl>
+                </p:cond>
+              </p:nextCondLst>
+            </p:seq>
+          </p:childTnLst>
+        </p:cTn>
+      </p:par>
+    </p:tnLst>
+    <p:bldLst>
+      <p:bldGraphic spid="17" grpId="0">
+        <p:bldSub>
+          <a:bldChart bld="series"/>
+        </p:bldSub>
+      </p:bldGraphic>
+      <p:bldGraphic spid="17" grpId="1" uiExpand="1">
+        <p:bldSub>
+          <a:bldChart bld="series"/>
+        </p:bldSub>
+      </p:bldGraphic>
+    </p:bldLst>
+  </p:timing>
+</p:sld>
+</file>
+
+<file path=ppt/slides/slide14.xml><?xml version="1.0" encoding="utf-8"?>
+<p:sld xmlns:a="http://schemas.openxmlformats.org/drawingml/2006/main" xmlns:r="http://schemas.openxmlformats.org/officeDocument/2006/relationships" xmlns:p="http://schemas.openxmlformats.org/presentationml/2006/main">
+  <p:cSld>
+    <p:spTree>
+      <p:nvGrpSpPr>
+        <p:cNvPr id="1" name=""/>
+        <p:cNvGrpSpPr/>
+        <p:nvPr/>
+      </p:nvGrpSpPr>
+      <p:grpSpPr>
+        <a:xfrm>
+          <a:off x="0" y="0"/>
+          <a:ext cx="0" cy="0"/>
+          <a:chOff x="0" y="0"/>
+          <a:chExt cx="0" cy="0"/>
+        </a:xfrm>
+      </p:grpSpPr>
+      <p:sp>
+        <p:nvSpPr>
+          <p:cNvPr id="2" name="Title 1"/>
+          <p:cNvSpPr>
+            <a:spLocks noGrp="1"/>
+          </p:cNvSpPr>
+          <p:nvPr>
+            <p:ph type="title"/>
+          </p:nvPr>
+        </p:nvSpPr>
+        <p:spPr/>
+        <p:txBody>
+          <a:bodyPr/>
+          <a:lstStyle/>
+          <a:p>
+            <a:r>
+              <a:rPr lang="en-US" dirty="0" smtClean="0"/>
+              <a:t>Solution assessment</a:t>
+            </a:r>
+            <a:endParaRPr lang="en-US" dirty="0"/>
+          </a:p>
+        </p:txBody>
+      </p:sp>
+      <p:sp>
+        <p:nvSpPr>
+          <p:cNvPr id="3" name="Content Placeholder 2"/>
+          <p:cNvSpPr>
+            <a:spLocks noGrp="1"/>
+          </p:cNvSpPr>
+          <p:nvPr>
+            <p:ph idx="1"/>
+          </p:nvPr>
+        </p:nvSpPr>
+        <p:spPr>
+          <a:xfrm>
+            <a:off x="838199" y="1825625"/>
+            <a:ext cx="4982029" cy="4351338"/>
+          </a:xfrm>
+        </p:spPr>
+        <p:txBody>
+          <a:bodyPr/>
+          <a:lstStyle/>
+          <a:p>
+            <a:pPr algn="just"/>
+            <a:r>
+              <a:rPr lang="en-GB" dirty="0" smtClean="0"/>
+              <a:t>Communication with Team Coach</a:t>
+            </a:r>
+          </a:p>
+          <a:p>
+            <a:pPr marL="342900" indent="-342900" algn="just">
+              <a:buFont typeface="Arial" panose="020B0604020202020204" pitchFamily="34" charset="0"/>
+              <a:buChar char="•"/>
+            </a:pPr>
+            <a:r>
+              <a:rPr lang="en-GB" b="0" dirty="0">
+                <a:solidFill>
+                  <a:schemeClr val="tx1">
+                    <a:lumMod val="50000"/>
+                    <a:lumOff val="50000"/>
+                  </a:schemeClr>
+                </a:solidFill>
+              </a:rPr>
+              <a:t>Communications with the Team Coach are “</a:t>
+            </a:r>
+            <a:r>
+              <a:rPr lang="en-GB" b="0" i="1" dirty="0">
+                <a:solidFill>
+                  <a:schemeClr val="tx1">
+                    <a:lumMod val="50000"/>
+                    <a:lumOff val="50000"/>
+                  </a:schemeClr>
+                </a:solidFill>
+              </a:rPr>
+              <a:t>20%</a:t>
+            </a:r>
+            <a:r>
+              <a:rPr lang="en-GB" b="0" dirty="0">
+                <a:solidFill>
+                  <a:schemeClr val="tx1">
+                    <a:lumMod val="50000"/>
+                    <a:lumOff val="50000"/>
+                  </a:schemeClr>
+                </a:solidFill>
+              </a:rPr>
+              <a:t> </a:t>
+            </a:r>
+            <a:r>
+              <a:rPr lang="en-GB" b="0" i="1" dirty="0">
+                <a:solidFill>
+                  <a:schemeClr val="tx1">
+                    <a:lumMod val="50000"/>
+                    <a:lumOff val="50000"/>
+                  </a:schemeClr>
+                </a:solidFill>
+              </a:rPr>
+              <a:t>easier”</a:t>
+            </a:r>
+            <a:r>
+              <a:rPr lang="en-GB" b="0" dirty="0">
+                <a:solidFill>
+                  <a:schemeClr val="tx1">
+                    <a:lumMod val="50000"/>
+                    <a:lumOff val="50000"/>
+                  </a:schemeClr>
+                </a:solidFill>
+              </a:rPr>
+              <a:t>.</a:t>
+            </a:r>
+          </a:p>
+          <a:p>
+            <a:pPr marL="342900" indent="-342900" algn="just">
+              <a:buFont typeface="Arial" panose="020B0604020202020204" pitchFamily="34" charset="0"/>
+              <a:buChar char="•"/>
+            </a:pPr>
+            <a:r>
+              <a:rPr lang="en-GB" b="0" dirty="0">
+                <a:solidFill>
+                  <a:schemeClr val="tx1">
+                    <a:lumMod val="50000"/>
+                    <a:lumOff val="50000"/>
+                  </a:schemeClr>
+                </a:solidFill>
+              </a:rPr>
+              <a:t>Furthermore, they are also </a:t>
+            </a:r>
+            <a:r>
+              <a:rPr lang="en-GB" dirty="0">
+                <a:solidFill>
+                  <a:schemeClr val="tx1">
+                    <a:lumMod val="50000"/>
+                    <a:lumOff val="50000"/>
+                  </a:schemeClr>
+                </a:solidFill>
+              </a:rPr>
+              <a:t>consistently</a:t>
+            </a:r>
+            <a:r>
+              <a:rPr lang="en-GB" b="0" dirty="0">
+                <a:solidFill>
+                  <a:schemeClr val="tx1">
+                    <a:lumMod val="50000"/>
+                    <a:lumOff val="50000"/>
+                  </a:schemeClr>
+                </a:solidFill>
+              </a:rPr>
+              <a:t> more useful!</a:t>
+            </a:r>
+          </a:p>
+          <a:p>
+            <a:pPr marL="342900" indent="-342900" algn="just">
+              <a:buFont typeface="Arial" panose="020B0604020202020204" pitchFamily="34" charset="0"/>
+              <a:buChar char="•"/>
+            </a:pPr>
+            <a:r>
+              <a:rPr lang="en-GB" b="0" dirty="0">
+                <a:solidFill>
+                  <a:schemeClr val="tx1">
+                    <a:lumMod val="50000"/>
+                    <a:lumOff val="50000"/>
+                  </a:schemeClr>
+                </a:solidFill>
+              </a:rPr>
+              <a:t>Scrum </a:t>
+            </a:r>
+            <a:r>
+              <a:rPr lang="en-GB" b="0" dirty="0" smtClean="0">
+                <a:solidFill>
+                  <a:schemeClr val="tx1">
+                    <a:lumMod val="50000"/>
+                    <a:lumOff val="50000"/>
+                  </a:schemeClr>
+                </a:solidFill>
+              </a:rPr>
+              <a:t>Masters’ </a:t>
+            </a:r>
+            <a:r>
+              <a:rPr lang="en-GB" b="0" dirty="0">
+                <a:solidFill>
+                  <a:schemeClr val="tx1">
+                    <a:lumMod val="50000"/>
+                    <a:lumOff val="50000"/>
+                  </a:schemeClr>
+                </a:solidFill>
+              </a:rPr>
+              <a:t>satisfaction is good, but </a:t>
+            </a:r>
+            <a:r>
+              <a:rPr lang="en-GB" b="0" dirty="0" smtClean="0">
+                <a:solidFill>
+                  <a:schemeClr val="tx1">
+                    <a:lumMod val="50000"/>
+                    <a:lumOff val="50000"/>
+                  </a:schemeClr>
+                </a:solidFill>
+              </a:rPr>
+              <a:t>developers’ </a:t>
+            </a:r>
+            <a:r>
+              <a:rPr lang="en-GB" b="0" dirty="0">
+                <a:solidFill>
+                  <a:schemeClr val="tx1">
+                    <a:lumMod val="50000"/>
+                    <a:lumOff val="50000"/>
+                  </a:schemeClr>
+                </a:solidFill>
+              </a:rPr>
+              <a:t>could be better.</a:t>
+            </a:r>
+            <a:endParaRPr lang="es-ES" b="0" dirty="0"/>
+          </a:p>
+          <a:p>
+            <a:pPr marL="342900" indent="-342900" algn="just">
+              <a:buFont typeface="Arial" panose="020B0604020202020204" pitchFamily="34" charset="0"/>
+              <a:buChar char="•"/>
+            </a:pPr>
+            <a:endParaRPr lang="en-GB" b="0" dirty="0" smtClean="0">
+              <a:solidFill>
+                <a:schemeClr val="tx1">
+                  <a:lumMod val="50000"/>
+                  <a:lumOff val="50000"/>
+                </a:schemeClr>
+              </a:solidFill>
+            </a:endParaRPr>
+          </a:p>
+          <a:p>
+            <a:pPr algn="just"/>
+            <a:endParaRPr lang="en-US" dirty="0" smtClean="0"/>
+          </a:p>
+          <a:p>
+            <a:pPr marL="342900" indent="-342900" algn="just">
+              <a:buFont typeface="Arial" panose="020B0604020202020204" pitchFamily="34" charset="0"/>
+              <a:buChar char="•"/>
+            </a:pPr>
+            <a:endParaRPr lang="en-US" sz="2200" b="0" dirty="0">
+              <a:solidFill>
+                <a:schemeClr val="tx1">
+                  <a:lumMod val="50000"/>
+                  <a:lumOff val="50000"/>
+                </a:schemeClr>
+              </a:solidFill>
+            </a:endParaRPr>
+          </a:p>
+        </p:txBody>
+      </p:sp>
+      <p:graphicFrame>
+        <p:nvGraphicFramePr>
+          <p:cNvPr id="17" name="Chart 16"/>
+          <p:cNvGraphicFramePr/>
+          <p:nvPr>
+            <p:extLst>
+              <p:ext uri="{D42A27DB-BD31-4B8C-83A1-F6EECF244321}">
+                <p14:modId xmlns:p14="http://schemas.microsoft.com/office/powerpoint/2010/main" val="1421113507"/>
+              </p:ext>
+            </p:extLst>
+          </p:nvPr>
+        </p:nvGraphicFramePr>
+        <p:xfrm>
+          <a:off x="5815316" y="2310852"/>
+          <a:ext cx="6029158" cy="3623733"/>
+        </p:xfrm>
+        <a:graphic>
+          <a:graphicData uri="http://schemas.openxmlformats.org/drawingml/2006/chart">
+            <c:chart xmlns:c="http://schemas.openxmlformats.org/drawingml/2006/chart" xmlns:r="http://schemas.openxmlformats.org/officeDocument/2006/relationships" r:id="rId2"/>
+          </a:graphicData>
+        </a:graphic>
+      </p:graphicFrame>
+    </p:spTree>
+    <p:extLst>
+      <p:ext uri="{BB962C8B-B14F-4D97-AF65-F5344CB8AC3E}">
+        <p14:creationId xmlns:p14="http://schemas.microsoft.com/office/powerpoint/2010/main" val="781235168"/>
+      </p:ext>
+    </p:extLst>
+  </p:cSld>
+  <p:clrMapOvr>
+    <a:masterClrMapping/>
+  </p:clrMapOvr>
+  <mc:AlternateContent xmlns:mc="http://schemas.openxmlformats.org/markup-compatibility/2006">
+    <mc:Choice xmlns:p14="http://schemas.microsoft.com/office/powerpoint/2010/main" Requires="p14">
+      <p:transition spd="med" p14:dur="700">
+        <p:fade/>
+      </p:transition>
+    </mc:Choice>
+    <mc:Fallback>
+      <p:transition spd="med">
+        <p:fade/>
+      </p:transition>
+    </mc:Fallback>
+  </mc:AlternateContent>
+  <p:timing>
+    <p:tnLst>
+      <p:par>
+        <p:cTn id="1" dur="indefinite" restart="never" nodeType="tmRoot">
+          <p:childTnLst>
+            <p:seq concurrent="1" nextAc="seek">
+              <p:cTn id="2" dur="indefinite" nodeType="mainSeq">
+                <p:childTnLst>
+                  <p:par>
+                    <p:cTn id="3" fill="hold">
+                      <p:stCondLst>
+                        <p:cond delay="indefinite"/>
+                        <p:cond evt="onBegin" delay="0">
+                          <p:tn val="2"/>
+                        </p:cond>
+                      </p:stCondLst>
+                      <p:childTnLst>
+                        <p:par>
+                          <p:cTn id="4" fill="hold">
+                            <p:stCondLst>
+                              <p:cond delay="0"/>
+                            </p:stCondLst>
+                            <p:childTnLst>
+                              <p:par>
+                                <p:cTn id="5" presetID="22" presetClass="entr" presetSubtype="4" fill="hold" grpId="0" nodeType="withEffect">
+                                  <p:stCondLst>
+                                    <p:cond delay="0"/>
+                                  </p:stCondLst>
+                                  <p:childTnLst>
+                                    <p:set>
+                                      <p:cBhvr>
+                                        <p:cTn id="6" dur="1" fill="hold">
+                                          <p:stCondLst>
+                                            <p:cond delay="0"/>
+                                          </p:stCondLst>
+                                        </p:cTn>
+                                        <p:tgtEl>
+                                          <p:spTgt spid="17">
+                                            <p:graphicEl>
+                                              <a:chart seriesIdx="-3" categoryIdx="-3" bldStep="gridLegend"/>
+                                            </p:graphicEl>
+                                          </p:spTgt>
+                                        </p:tgtEl>
+                                        <p:attrNameLst>
+                                          <p:attrName>style.visibility</p:attrName>
+                                        </p:attrNameLst>
+                                      </p:cBhvr>
+                                      <p:to>
+                                        <p:strVal val="visible"/>
+                                      </p:to>
+                                    </p:set>
+                                    <p:animEffect transition="in" filter="wipe(down)">
+                                      <p:cBhvr>
+                                        <p:cTn id="7" dur="500"/>
+                                        <p:tgtEl>
+                                          <p:spTgt spid="17">
+                                            <p:graphicEl>
+                                              <a:chart seriesIdx="-3" categoryIdx="-3" bldStep="gridLegend"/>
+                                            </p:graphicEl>
+                                          </p:spTgt>
+                                        </p:tgtEl>
+                                      </p:cBhvr>
+                                    </p:animEffect>
+                                  </p:childTnLst>
+                                </p:cTn>
+                              </p:par>
+                              <p:par>
+                                <p:cTn id="8" presetID="22" presetClass="entr" presetSubtype="4" fill="hold" grpId="0" nodeType="withEffect">
+                                  <p:stCondLst>
+                                    <p:cond delay="0"/>
+                                  </p:stCondLst>
+                                  <p:childTnLst>
+                                    <p:set>
+                                      <p:cBhvr>
+                                        <p:cTn id="9" dur="1" fill="hold">
+                                          <p:stCondLst>
+                                            <p:cond delay="0"/>
+                                          </p:stCondLst>
+                                        </p:cTn>
+                                        <p:tgtEl>
+                                          <p:spTgt spid="17">
+                                            <p:graphicEl>
+                                              <a:chart seriesIdx="0" categoryIdx="-4" bldStep="series"/>
+                                            </p:graphicEl>
+                                          </p:spTgt>
+                                        </p:tgtEl>
+                                        <p:attrNameLst>
+                                          <p:attrName>style.visibility</p:attrName>
+                                        </p:attrNameLst>
+                                      </p:cBhvr>
+                                      <p:to>
+                                        <p:strVal val="visible"/>
+                                      </p:to>
+                                    </p:set>
+                                    <p:animEffect transition="in" filter="wipe(down)">
+                                      <p:cBhvr>
+                                        <p:cTn id="10" dur="250"/>
+                                        <p:tgtEl>
+                                          <p:spTgt spid="17">
+                                            <p:graphicEl>
+                                              <a:chart seriesIdx="0" categoryIdx="-4" bldStep="series"/>
+                                            </p:graphicEl>
+                                          </p:spTgt>
+                                        </p:tgtEl>
+                                      </p:cBhvr>
+                                    </p:animEffect>
+                                  </p:childTnLst>
+                                </p:cTn>
+                              </p:par>
+                              <p:par>
+                                <p:cTn id="11" presetID="22" presetClass="entr" presetSubtype="4" fill="hold" grpId="0" nodeType="withEffect">
+                                  <p:stCondLst>
+                                    <p:cond delay="0"/>
+                                  </p:stCondLst>
+                                  <p:childTnLst>
+                                    <p:set>
+                                      <p:cBhvr>
+                                        <p:cTn id="12" dur="1" fill="hold">
+                                          <p:stCondLst>
+                                            <p:cond delay="0"/>
+                                          </p:stCondLst>
+                                        </p:cTn>
+                                        <p:tgtEl>
+                                          <p:spTgt spid="17">
+                                            <p:graphicEl>
+                                              <a:chart seriesIdx="1" categoryIdx="-4" bldStep="series"/>
+                                            </p:graphicEl>
+                                          </p:spTgt>
+                                        </p:tgtEl>
+                                        <p:attrNameLst>
+                                          <p:attrName>style.visibility</p:attrName>
+                                        </p:attrNameLst>
+                                      </p:cBhvr>
+                                      <p:to>
+                                        <p:strVal val="visible"/>
+                                      </p:to>
+                                    </p:set>
+                                    <p:animEffect transition="in" filter="wipe(down)">
+                                      <p:cBhvr>
+                                        <p:cTn id="13" dur="500"/>
+                                        <p:tgtEl>
+                                          <p:spTgt spid="17">
+                                            <p:graphicEl>
+                                              <a:chart seriesIdx="1" categoryIdx="-4" bldStep="series"/>
+                                            </p:graphicEl>
+                                          </p:spTgt>
+                                        </p:tgtEl>
+                                      </p:cBhvr>
+                                    </p:animEffect>
+                                  </p:childTnLst>
+                                </p:cTn>
+                              </p:par>
+                              <p:par>
+                                <p:cTn id="14" presetID="10" presetClass="entr" presetSubtype="0" fill="hold" nodeType="withEffect">
+                                  <p:stCondLst>
+                                    <p:cond delay="0"/>
+                                  </p:stCondLst>
+                                  <p:childTnLst>
+                                    <p:set>
+                                      <p:cBhvr>
+                                        <p:cTn id="15" dur="1" fill="hold">
+                                          <p:stCondLst>
+                                            <p:cond delay="0"/>
+                                          </p:stCondLst>
+                                        </p:cTn>
+                                        <p:tgtEl>
+                                          <p:spTgt spid="3">
+                                            <p:txEl>
+                                              <p:pRg st="2" end="2"/>
+                                            </p:txEl>
+                                          </p:spTgt>
+                                        </p:tgtEl>
+                                        <p:attrNameLst>
+                                          <p:attrName>style.visibility</p:attrName>
+                                        </p:attrNameLst>
+                                      </p:cBhvr>
+                                      <p:to>
+                                        <p:strVal val="visible"/>
+                                      </p:to>
+                                    </p:set>
+                                    <p:animEffect transition="in" filter="fade">
+                                      <p:cBhvr>
+                                        <p:cTn id="16" dur="500"/>
+                                        <p:tgtEl>
+                                          <p:spTgt spid="3">
+                                            <p:txEl>
+                                              <p:pRg st="2" end="2"/>
+                                            </p:txEl>
+                                          </p:spTgt>
+                                        </p:tgtEl>
+                                      </p:cBhvr>
+                                    </p:animEffect>
+                                  </p:childTnLst>
+                                </p:cTn>
+                              </p:par>
+                            </p:childTnLst>
+                          </p:cTn>
+                        </p:par>
+                      </p:childTnLst>
+                    </p:cTn>
+                  </p:par>
+                  <p:par>
+                    <p:cTn id="17" fill="hold">
+                      <p:stCondLst>
+                        <p:cond delay="indefinite"/>
+                      </p:stCondLst>
+                      <p:childTnLst>
+                        <p:par>
+                          <p:cTn id="18" fill="hold">
+                            <p:stCondLst>
+                              <p:cond delay="0"/>
+                            </p:stCondLst>
+                            <p:childTnLst>
+                              <p:par>
+                                <p:cTn id="19" presetID="10" presetClass="entr" presetSubtype="0" fill="hold" nodeType="clickEffect">
+                                  <p:stCondLst>
+                                    <p:cond delay="0"/>
+                                  </p:stCondLst>
+                                  <p:childTnLst>
+                                    <p:set>
+                                      <p:cBhvr>
+                                        <p:cTn id="20" dur="1" fill="hold">
+                                          <p:stCondLst>
+                                            <p:cond delay="0"/>
+                                          </p:stCondLst>
+                                        </p:cTn>
+                                        <p:tgtEl>
+                                          <p:spTgt spid="3">
+                                            <p:txEl>
+                                              <p:pRg st="3" end="3"/>
+                                            </p:txEl>
+                                          </p:spTgt>
+                                        </p:tgtEl>
+                                        <p:attrNameLst>
+                                          <p:attrName>style.visibility</p:attrName>
+                                        </p:attrNameLst>
+                                      </p:cBhvr>
+                                      <p:to>
+                                        <p:strVal val="visible"/>
+                                      </p:to>
+                                    </p:set>
+                                    <p:animEffect transition="in" filter="fade">
+                                      <p:cBhvr>
+                                        <p:cTn id="21" dur="500"/>
+                                        <p:tgtEl>
+                                          <p:spTgt spid="3">
+                                            <p:txEl>
+                                              <p:pRg st="3" end="3"/>
+                                            </p:txEl>
+                                          </p:spTgt>
+                                        </p:tgtEl>
+                                      </p:cBhvr>
+                                    </p:animEffect>
+                                  </p:childTnLst>
+                                </p:cTn>
+                              </p:par>
+                            </p:childTnLst>
+                          </p:cTn>
+                        </p:par>
+                      </p:childTnLst>
+                    </p:cTn>
+                  </p:par>
+                </p:childTnLst>
+              </p:cTn>
+              <p:prevCondLst>
+                <p:cond evt="onPrev" delay="0">
+                  <p:tgtEl>
+                    <p:sldTgt/>
+                  </p:tgtEl>
+                </p:cond>
+              </p:prevCondLst>
+              <p:nextCondLst>
+                <p:cond evt="onNext" delay="0">
+                  <p:tgtEl>
+                    <p:sldTgt/>
+                  </p:tgtEl>
+                </p:cond>
+              </p:nextCondLst>
+            </p:seq>
+          </p:childTnLst>
+        </p:cTn>
+      </p:par>
+    </p:tnLst>
+    <p:bldLst>
+      <p:bldGraphic spid="17" grpId="0" uiExpand="1">
+        <p:bldSub>
+          <a:bldChart bld="series"/>
+        </p:bldSub>
+      </p:bldGraphic>
+    </p:bldLst>
+  </p:timing>
+</p:sld>
+</file>
+
+<file path=ppt/slides/slide15.xml><?xml version="1.0" encoding="utf-8"?>
+<p:sld xmlns:a="http://schemas.openxmlformats.org/drawingml/2006/main" xmlns:r="http://schemas.openxmlformats.org/officeDocument/2006/relationships" xmlns:p="http://schemas.openxmlformats.org/presentationml/2006/main">
+  <p:cSld>
+    <p:spTree>
+      <p:nvGrpSpPr>
+        <p:cNvPr id="1" name=""/>
+        <p:cNvGrpSpPr/>
+        <p:nvPr/>
+      </p:nvGrpSpPr>
+      <p:grpSpPr>
+        <a:xfrm>
+          <a:off x="0" y="0"/>
+          <a:ext cx="0" cy="0"/>
+          <a:chOff x="0" y="0"/>
+          <a:chExt cx="0" cy="0"/>
+        </a:xfrm>
+      </p:grpSpPr>
+      <p:sp>
+        <p:nvSpPr>
+          <p:cNvPr id="2" name="Title 1"/>
+          <p:cNvSpPr>
+            <a:spLocks noGrp="1"/>
+          </p:cNvSpPr>
+          <p:nvPr>
+            <p:ph type="title"/>
+          </p:nvPr>
+        </p:nvSpPr>
+        <p:spPr/>
+        <p:txBody>
+          <a:bodyPr/>
+          <a:lstStyle/>
+          <a:p>
+            <a:r>
+              <a:rPr lang="en-GB" dirty="0" smtClean="0"/>
+              <a:t>Closure</a:t>
+            </a:r>
+            <a:endParaRPr lang="es-ES" dirty="0"/>
+          </a:p>
+        </p:txBody>
+      </p:sp>
+      <p:sp>
+        <p:nvSpPr>
+          <p:cNvPr id="3" name="Content Placeholder 2"/>
+          <p:cNvSpPr>
+            <a:spLocks noGrp="1"/>
+          </p:cNvSpPr>
+          <p:nvPr>
+            <p:ph idx="1"/>
+          </p:nvPr>
+        </p:nvSpPr>
+        <p:spPr/>
+        <p:txBody>
+          <a:bodyPr/>
+          <a:lstStyle/>
+          <a:p>
+            <a:r>
+              <a:rPr lang="en-GB" dirty="0" smtClean="0"/>
+              <a:t>Lessons learnt </a:t>
+            </a:r>
+          </a:p>
+          <a:p>
+            <a:pPr marL="576263" lvl="1" indent="-342900">
+              <a:buFont typeface="Arial" panose="020B0604020202020204" pitchFamily="34" charset="0"/>
+              <a:buChar char="•"/>
+            </a:pPr>
+            <a:r>
+              <a:rPr lang="en-GB" dirty="0" smtClean="0"/>
+              <a:t>Rerouting global communications and similar e-mail to passive information sources, like the TVs in the corridors, would help reducing clutter in the workers’ inboxes and increasing their efficiency</a:t>
+            </a:r>
+            <a:r>
+              <a:rPr lang="en-GB" b="0" dirty="0" smtClean="0">
+                <a:solidFill>
+                  <a:schemeClr val="tx1">
+                    <a:lumMod val="50000"/>
+                    <a:lumOff val="50000"/>
+                  </a:schemeClr>
+                </a:solidFill>
+              </a:rPr>
+              <a:t>.</a:t>
+            </a:r>
+          </a:p>
+          <a:p>
+            <a:pPr marL="576263" lvl="1" indent="-342900">
+              <a:buFont typeface="Arial" panose="020B0604020202020204" pitchFamily="34" charset="0"/>
+              <a:buChar char="•"/>
+            </a:pPr>
+            <a:r>
+              <a:rPr lang="en-GB" dirty="0" smtClean="0"/>
+              <a:t>Merging coaching duties into the Scrum Master role is a win-win situation for both teams and Line Managers.</a:t>
+            </a:r>
+            <a:endParaRPr lang="en-GB" b="0" dirty="0">
+              <a:solidFill>
+                <a:schemeClr val="tx1">
+                  <a:lumMod val="50000"/>
+                  <a:lumOff val="50000"/>
+                </a:schemeClr>
+              </a:solidFill>
+            </a:endParaRPr>
+          </a:p>
+        </p:txBody>
+      </p:sp>
+    </p:spTree>
+    <p:extLst>
+      <p:ext uri="{BB962C8B-B14F-4D97-AF65-F5344CB8AC3E}">
+        <p14:creationId xmlns:p14="http://schemas.microsoft.com/office/powerpoint/2010/main" val="116946405"/>
+      </p:ext>
+    </p:extLst>
+  </p:cSld>
+  <p:clrMapOvr>
+    <a:masterClrMapping/>
+  </p:clrMapOvr>
+  <p:timing>
+    <p:tnLst>
+      <p:par>
+        <p:cTn id="1" dur="indefinite" restart="never" nodeType="tmRoot">
+          <p:childTnLst>
+            <p:seq concurrent="1" nextAc="seek">
+              <p:cTn id="2" dur="indefinite" nodeType="mainSeq">
+                <p:childTnLst>
+                  <p:par>
+                    <p:cTn id="3" fill="hold">
+                      <p:stCondLst>
+                        <p:cond delay="indefinite"/>
+                      </p:stCondLst>
+                      <p:childTnLst>
+                        <p:par>
+                          <p:cTn id="4" fill="hold">
+                            <p:stCondLst>
+                              <p:cond delay="0"/>
+                            </p:stCondLst>
+                            <p:childTnLst>
+                              <p:par>
+                                <p:cTn id="5" presetID="10" presetClass="entr" presetSubtype="0" fill="hold" nodeType="clickEffect">
+                                  <p:stCondLst>
+                                    <p:cond delay="0"/>
+                                  </p:stCondLst>
+                                  <p:childTnLst>
+                                    <p:set>
+                                      <p:cBhvr>
+                                        <p:cTn id="6" dur="1" fill="hold">
+                                          <p:stCondLst>
+                                            <p:cond delay="0"/>
+                                          </p:stCondLst>
+                                        </p:cTn>
+                                        <p:tgtEl>
+                                          <p:spTgt spid="3">
+                                            <p:txEl>
+                                              <p:pRg st="1" end="1"/>
+                                            </p:txEl>
+                                          </p:spTgt>
+                                        </p:tgtEl>
+                                        <p:attrNameLst>
+                                          <p:attrName>style.visibility</p:attrName>
+                                        </p:attrNameLst>
+                                      </p:cBhvr>
+                                      <p:to>
+                                        <p:strVal val="visible"/>
+                                      </p:to>
+                                    </p:set>
+                                    <p:animEffect transition="in" filter="fade">
+                                      <p:cBhvr>
+                                        <p:cTn id="7" dur="500"/>
+                                        <p:tgtEl>
+                                          <p:spTgt spid="3">
+                                            <p:txEl>
+                                              <p:pRg st="1" end="1"/>
+                                            </p:txEl>
+                                          </p:spTgt>
+                                        </p:tgtEl>
+                                      </p:cBhvr>
+                                    </p:animEffect>
+                                  </p:childTnLst>
+                                </p:cTn>
+                              </p:par>
+                            </p:childTnLst>
+                          </p:cTn>
+                        </p:par>
+                      </p:childTnLst>
+                    </p:cTn>
+                  </p:par>
+                  <p:par>
+                    <p:cTn id="8" fill="hold">
+                      <p:stCondLst>
+                        <p:cond delay="indefinite"/>
+                      </p:stCondLst>
+                      <p:childTnLst>
+                        <p:par>
+                          <p:cTn id="9" fill="hold">
+                            <p:stCondLst>
+                              <p:cond delay="0"/>
+                            </p:stCondLst>
+                            <p:childTnLst>
+                              <p:par>
+                                <p:cTn id="10" presetID="10" presetClass="entr" presetSubtype="0" fill="hold" nodeType="clickEffect">
+                                  <p:stCondLst>
+                                    <p:cond delay="0"/>
+                                  </p:stCondLst>
+                                  <p:childTnLst>
+                                    <p:set>
+                                      <p:cBhvr>
+                                        <p:cTn id="11" dur="1" fill="hold">
+                                          <p:stCondLst>
+                                            <p:cond delay="0"/>
+                                          </p:stCondLst>
+                                        </p:cTn>
+                                        <p:tgtEl>
+                                          <p:spTgt spid="3">
+                                            <p:txEl>
+                                              <p:pRg st="2" end="2"/>
+                                            </p:txEl>
+                                          </p:spTgt>
+                                        </p:tgtEl>
+                                        <p:attrNameLst>
+                                          <p:attrName>style.visibility</p:attrName>
+                                        </p:attrNameLst>
+                                      </p:cBhvr>
+                                      <p:to>
+                                        <p:strVal val="visible"/>
+                                      </p:to>
+                                    </p:set>
+                                    <p:animEffect transition="in" filter="fade">
+                                      <p:cBhvr>
+                                        <p:cTn id="12" dur="500"/>
+                                        <p:tgtEl>
+                                          <p:spTgt spid="3">
+                                            <p:txEl>
+                                              <p:pRg st="2" end="2"/>
+                                            </p:txEl>
+                                          </p:spTgt>
+                                        </p:tgtEl>
+                                      </p:cBhvr>
+                                    </p:animEffect>
+                                  </p:childTnLst>
+                                </p:cTn>
+                              </p:par>
+                            </p:childTnLst>
+                          </p:cTn>
+                        </p:par>
+                      </p:childTnLst>
+                    </p:cTn>
+                  </p:par>
+                </p:childTnLst>
+              </p:cTn>
+              <p:prevCondLst>
+                <p:cond evt="onPrev" delay="0">
+                  <p:tgtEl>
+                    <p:sldTgt/>
+                  </p:tgtEl>
+                </p:cond>
+              </p:prevCondLst>
+              <p:nextCondLst>
+                <p:cond evt="onNext" delay="0">
+                  <p:tgtEl>
+                    <p:sldTgt/>
+                  </p:tgtEl>
+                </p:cond>
+              </p:nextCondLst>
+            </p:seq>
+          </p:childTnLst>
+        </p:cTn>
+      </p:par>
+    </p:tnLst>
+  </p:timing>
+</p:sld>
+</file>
+
+<file path=ppt/slides/slide16.xml><?xml version="1.0" encoding="utf-8"?>
+<p:sld xmlns:a="http://schemas.openxmlformats.org/drawingml/2006/main" xmlns:r="http://schemas.openxmlformats.org/officeDocument/2006/relationships" xmlns:p="http://schemas.openxmlformats.org/presentationml/2006/main">
+  <p:cSld>
+    <p:spTree>
+      <p:nvGrpSpPr>
+        <p:cNvPr id="1" name=""/>
+        <p:cNvGrpSpPr/>
+        <p:nvPr/>
+      </p:nvGrpSpPr>
+      <p:grpSpPr>
+        <a:xfrm>
+          <a:off x="0" y="0"/>
+          <a:ext cx="0" cy="0"/>
+          <a:chOff x="0" y="0"/>
+          <a:chExt cx="0" cy="0"/>
+        </a:xfrm>
+      </p:grpSpPr>
+      <p:sp>
+        <p:nvSpPr>
+          <p:cNvPr id="2" name="Title 1"/>
+          <p:cNvSpPr>
+            <a:spLocks noGrp="1"/>
+          </p:cNvSpPr>
+          <p:nvPr>
+            <p:ph type="title"/>
+          </p:nvPr>
+        </p:nvSpPr>
+        <p:spPr/>
+        <p:txBody>
+          <a:bodyPr/>
+          <a:lstStyle/>
+          <a:p>
+            <a:r>
+              <a:rPr lang="en-GB" dirty="0" smtClean="0"/>
+              <a:t>Closure</a:t>
+            </a:r>
+            <a:endParaRPr lang="es-ES" dirty="0"/>
+          </a:p>
+        </p:txBody>
+      </p:sp>
+      <p:sp>
+        <p:nvSpPr>
+          <p:cNvPr id="3" name="Content Placeholder 2"/>
+          <p:cNvSpPr>
+            <a:spLocks noGrp="1"/>
+          </p:cNvSpPr>
+          <p:nvPr>
+            <p:ph idx="1"/>
+          </p:nvPr>
+        </p:nvSpPr>
+        <p:spPr/>
+        <p:txBody>
+          <a:bodyPr/>
+          <a:lstStyle/>
+          <a:p>
+            <a:r>
+              <a:rPr lang="en-GB" dirty="0" smtClean="0"/>
+              <a:t>For the future</a:t>
+            </a:r>
+          </a:p>
+          <a:p>
+            <a:pPr marL="576263" lvl="1" indent="-342900">
+              <a:buFont typeface="Arial" panose="020B0604020202020204" pitchFamily="34" charset="0"/>
+              <a:buChar char="•"/>
+            </a:pPr>
+            <a:r>
+              <a:rPr lang="en-GB" b="0" dirty="0" smtClean="0">
+                <a:solidFill>
+                  <a:schemeClr val="tx1">
+                    <a:lumMod val="50000"/>
+                    <a:lumOff val="50000"/>
+                  </a:schemeClr>
+                </a:solidFill>
+              </a:rPr>
+              <a:t>Why did the proposed solution to the </a:t>
+            </a:r>
+            <a:r>
+              <a:rPr lang="en-GB" dirty="0" smtClean="0"/>
+              <a:t>communications problem with the Team Coach score so low satisfaction-wise despite reporting quite good performance?</a:t>
+            </a:r>
+            <a:endParaRPr lang="en-GB" b="0" dirty="0" smtClean="0">
+              <a:solidFill>
+                <a:schemeClr val="tx1">
+                  <a:lumMod val="50000"/>
+                  <a:lumOff val="50000"/>
+                </a:schemeClr>
+              </a:solidFill>
+            </a:endParaRPr>
+          </a:p>
+          <a:p>
+            <a:pPr marL="576263" lvl="1" indent="-342900">
+              <a:buFont typeface="Arial" panose="020B0604020202020204" pitchFamily="34" charset="0"/>
+              <a:buChar char="•"/>
+            </a:pPr>
+            <a:endParaRPr lang="en-GB" b="0" dirty="0">
+              <a:solidFill>
+                <a:schemeClr val="tx1">
+                  <a:lumMod val="50000"/>
+                  <a:lumOff val="50000"/>
+                </a:schemeClr>
+              </a:solidFill>
+            </a:endParaRPr>
+          </a:p>
+        </p:txBody>
+      </p:sp>
+    </p:spTree>
+    <p:extLst>
+      <p:ext uri="{BB962C8B-B14F-4D97-AF65-F5344CB8AC3E}">
+        <p14:creationId xmlns:p14="http://schemas.microsoft.com/office/powerpoint/2010/main" val="3413087260"/>
+      </p:ext>
+    </p:extLst>
+  </p:cSld>
+  <p:clrMapOvr>
+    <a:masterClrMapping/>
+  </p:clrMapOvr>
+  <p:timing>
+    <p:tnLst>
+      <p:par>
+        <p:cTn id="1" dur="indefinite" restart="never" nodeType="tmRoot">
+          <p:childTnLst>
+            <p:seq concurrent="1" nextAc="seek">
+              <p:cTn id="2" dur="indefinite" nodeType="mainSeq">
+                <p:childTnLst>
+                  <p:par>
+                    <p:cTn id="3" fill="hold">
+                      <p:stCondLst>
+                        <p:cond delay="indefinite"/>
+                      </p:stCondLst>
+                      <p:childTnLst>
+                        <p:par>
+                          <p:cTn id="4" fill="hold">
+                            <p:stCondLst>
+                              <p:cond delay="0"/>
+                            </p:stCondLst>
+                            <p:childTnLst>
+                              <p:par>
+                                <p:cTn id="5" presetID="10" presetClass="entr" presetSubtype="0" fill="hold" nodeType="clickEffect">
+                                  <p:stCondLst>
+                                    <p:cond delay="0"/>
+                                  </p:stCondLst>
+                                  <p:childTnLst>
+                                    <p:set>
+                                      <p:cBhvr>
+                                        <p:cTn id="6" dur="1" fill="hold">
+                                          <p:stCondLst>
+                                            <p:cond delay="0"/>
+                                          </p:stCondLst>
+                                        </p:cTn>
+                                        <p:tgtEl>
+                                          <p:spTgt spid="3">
+                                            <p:txEl>
+                                              <p:pRg st="1" end="1"/>
+                                            </p:txEl>
+                                          </p:spTgt>
+                                        </p:tgtEl>
+                                        <p:attrNameLst>
+                                          <p:attrName>style.visibility</p:attrName>
+                                        </p:attrNameLst>
+                                      </p:cBhvr>
+                                      <p:to>
+                                        <p:strVal val="visible"/>
+                                      </p:to>
+                                    </p:set>
+                                    <p:animEffect transition="in" filter="fade">
+                                      <p:cBhvr>
+                                        <p:cTn id="7" dur="500"/>
+                                        <p:tgtEl>
+                                          <p:spTgt spid="3">
+                                            <p:txEl>
+                                              <p:pRg st="1" end="1"/>
+                                            </p:txEl>
+                                          </p:spTgt>
+                                        </p:tgtEl>
+                                      </p:cBhvr>
+                                    </p:animEffect>
+                                  </p:childTnLst>
+                                </p:cTn>
+                              </p:par>
+                            </p:childTnLst>
+                          </p:cTn>
+                        </p:par>
+                      </p:childTnLst>
+                    </p:cTn>
+                  </p:par>
+                </p:childTnLst>
+              </p:cTn>
+              <p:prevCondLst>
+                <p:cond evt="onPrev" delay="0">
+                  <p:tgtEl>
+                    <p:sldTgt/>
+                  </p:tgtEl>
+                </p:cond>
+              </p:prevCondLst>
+              <p:nextCondLst>
+                <p:cond evt="onNext" delay="0">
+                  <p:tgtEl>
+                    <p:sldTgt/>
+                  </p:tgtEl>
+                </p:cond>
+              </p:nextCondLst>
+            </p:seq>
+          </p:childTnLst>
+        </p:cTn>
+      </p:par>
+    </p:tnLst>
+  </p:timing>
+</p:sld>
+</file>
+
+<file path=ppt/slides/slide17.xml><?xml version="1.0" encoding="utf-8"?>
 <p:sld xmlns:a="http://schemas.openxmlformats.org/drawingml/2006/main" xmlns:r="http://schemas.openxmlformats.org/officeDocument/2006/relationships" xmlns:p="http://schemas.openxmlformats.org/presentationml/2006/main">
   <p:cSld>
     <p:spTree>
@@ -11873,24 +17557,6 @@
               </a:rPr>
               <a:t>Study context</a:t>
             </a:r>
-            <a:endParaRPr lang="en-US" b="0" dirty="0" smtClean="0">
-              <a:solidFill>
-                <a:schemeClr val="tx1">
-                  <a:lumMod val="75000"/>
-                  <a:lumOff val="25000"/>
-                </a:schemeClr>
-              </a:solidFill>
-              <a:effectLst>
-                <a:outerShdw blurRad="38100" dist="38100" dir="2700000" algn="tl">
-                  <a:srgbClr val="000000">
-                    <a:alpha val="43137"/>
-                  </a:srgbClr>
-                </a:outerShdw>
-              </a:effectLst>
-              <a:latin typeface="Roboto" panose="02000000000000000000" pitchFamily="2" charset="0"/>
-              <a:ea typeface="Roboto" panose="02000000000000000000" pitchFamily="2" charset="0"/>
-              <a:cs typeface="Roboto" panose="02000000000000000000" pitchFamily="2" charset="0"/>
-            </a:endParaRPr>
           </a:p>
           <a:p>
             <a:pPr marL="457200" indent="-457200">
@@ -11944,18 +17610,6 @@
               </a:rPr>
               <a:t>Proposed solutions</a:t>
             </a:r>
-            <a:endParaRPr lang="en-US" b="0" dirty="0" smtClean="0">
-              <a:effectLst>
-                <a:outerShdw blurRad="38100" dist="38100" dir="2700000" algn="tl">
-                  <a:srgbClr val="000000">
-                    <a:alpha val="43137"/>
-                  </a:srgbClr>
-                </a:outerShdw>
-              </a:effectLst>
-              <a:latin typeface="Roboto" panose="02000000000000000000" pitchFamily="2" charset="0"/>
-              <a:ea typeface="Roboto" panose="02000000000000000000" pitchFamily="2" charset="0"/>
-              <a:cs typeface="Roboto" panose="02000000000000000000" pitchFamily="2" charset="0"/>
-            </a:endParaRPr>
           </a:p>
           <a:p>
             <a:pPr marL="457200" indent="-457200">
@@ -12014,37 +17668,7 @@
                 <a:ea typeface="Roboto" panose="02000000000000000000" pitchFamily="2" charset="0"/>
                 <a:cs typeface="Roboto" panose="02000000000000000000" pitchFamily="2" charset="0"/>
               </a:rPr>
-              <a:t>What can be done </a:t>
-            </a:r>
-            <a:r>
-              <a:rPr lang="en-US" b="0" dirty="0" smtClean="0">
-                <a:effectLst>
-                  <a:outerShdw blurRad="38100" dist="38100" dir="2700000" algn="tl">
-                    <a:srgbClr val="000000">
-                      <a:alpha val="43137"/>
-                    </a:srgbClr>
-                  </a:outerShdw>
-                </a:effectLst>
-                <a:latin typeface="Roboto" panose="02000000000000000000" pitchFamily="2" charset="0"/>
-                <a:ea typeface="Roboto" panose="02000000000000000000" pitchFamily="2" charset="0"/>
-                <a:cs typeface="Roboto" panose="02000000000000000000" pitchFamily="2" charset="0"/>
-              </a:rPr>
-              <a:t>next</a:t>
-            </a:r>
-            <a:r>
-              <a:rPr lang="en-US" b="0" dirty="0">
-                <a:effectLst>
-                  <a:outerShdw blurRad="38100" dist="38100" dir="2700000" algn="tl">
-                    <a:srgbClr val="000000">
-                      <a:alpha val="43137"/>
-                    </a:srgbClr>
-                  </a:outerShdw>
-                </a:effectLst>
-                <a:latin typeface="Roboto" panose="02000000000000000000" pitchFamily="2" charset="0"/>
-                <a:ea typeface="Roboto" panose="02000000000000000000" pitchFamily="2" charset="0"/>
-                <a:cs typeface="Roboto" panose="02000000000000000000" pitchFamily="2" charset="0"/>
-              </a:rPr>
-              <a:t>?</a:t>
+              <a:t>Closing</a:t>
             </a:r>
             <a:endParaRPr lang="en-US" b="0" dirty="0">
               <a:effectLst>
@@ -12132,7 +17756,19 @@
           <a:p>
             <a:r>
               <a:rPr lang="en-GB" dirty="0" smtClean="0"/>
-              <a:t>Before we begin, some common terminology</a:t>
+              <a:t>Before </a:t>
+            </a:r>
+            <a:r>
+              <a:rPr lang="en-GB" dirty="0" smtClean="0"/>
+              <a:t>beginning, let’s </a:t>
+            </a:r>
+            <a:r>
+              <a:rPr lang="en-GB" dirty="0" smtClean="0"/>
+              <a:t>agree on </a:t>
+            </a:r>
+            <a:r>
+              <a:rPr lang="en-GB" dirty="0" smtClean="0"/>
+              <a:t>terminology</a:t>
             </a:r>
             <a:endParaRPr lang="es-ES" dirty="0"/>
           </a:p>
@@ -12325,13 +17961,13 @@
   <p:clrMapOvr>
     <a:masterClrMapping/>
   </p:clrMapOvr>
-  <mc:AlternateContent xmlns:mc="http://schemas.openxmlformats.org/markup-compatibility/2006">
-    <mc:Choice xmlns:p14="http://schemas.microsoft.com/office/powerpoint/2010/main" Requires="p14">
+  <mc:AlternateContent xmlns:mc="http://schemas.openxmlformats.org/markup-compatibility/2006" xmlns:p14="http://schemas.microsoft.com/office/powerpoint/2010/main">
+    <mc:Choice Requires="p14">
       <p:transition spd="med" p14:dur="700">
         <p:fade/>
       </p:transition>
     </mc:Choice>
-    <mc:Fallback>
+    <mc:Fallback xmlns="">
       <p:transition spd="med">
         <p:fade/>
       </p:transition>
@@ -14805,13 +20441,13 @@
   <p:clrMapOvr>
     <a:masterClrMapping/>
   </p:clrMapOvr>
-  <mc:AlternateContent xmlns:mc="http://schemas.openxmlformats.org/markup-compatibility/2006">
-    <mc:Choice xmlns:p14="http://schemas.microsoft.com/office/powerpoint/2010/main" Requires="p14">
+  <mc:AlternateContent xmlns:mc="http://schemas.openxmlformats.org/markup-compatibility/2006" xmlns:p14="http://schemas.microsoft.com/office/powerpoint/2010/main">
+    <mc:Choice Requires="p14">
       <p:transition spd="med" p14:dur="700">
         <p:fade/>
       </p:transition>
     </mc:Choice>
-    <mc:Fallback>
+    <mc:Fallback xmlns="">
       <p:transition spd="med">
         <p:fade/>
       </p:transition>
@@ -18635,13 +24271,13 @@
   <p:clrMapOvr>
     <a:masterClrMapping/>
   </p:clrMapOvr>
-  <mc:AlternateContent xmlns:mc="http://schemas.openxmlformats.org/markup-compatibility/2006">
-    <mc:Choice xmlns:p14="http://schemas.microsoft.com/office/powerpoint/2010/main" Requires="p14">
+  <mc:AlternateContent xmlns:mc="http://schemas.openxmlformats.org/markup-compatibility/2006" xmlns:p14="http://schemas.microsoft.com/office/powerpoint/2010/main">
+    <mc:Choice Requires="p14">
       <p:transition spd="med" p14:dur="700">
         <p:fade/>
       </p:transition>
     </mc:Choice>
-    <mc:Fallback>
+    <mc:Fallback xmlns="">
       <p:transition spd="med">
         <p:fade/>
       </p:transition>
@@ -19435,13 +25071,13 @@
   <p:clrMapOvr>
     <a:masterClrMapping/>
   </p:clrMapOvr>
-  <mc:AlternateContent xmlns:mc="http://schemas.openxmlformats.org/markup-compatibility/2006">
-    <mc:Choice xmlns:p14="http://schemas.microsoft.com/office/powerpoint/2010/main" Requires="p14">
+  <mc:AlternateContent xmlns:mc="http://schemas.openxmlformats.org/markup-compatibility/2006" xmlns:p14="http://schemas.microsoft.com/office/powerpoint/2010/main">
+    <mc:Choice Requires="p14">
       <p:transition spd="med" p14:dur="700">
         <p:fade/>
       </p:transition>
     </mc:Choice>
-    <mc:Fallback>
+    <mc:Fallback xmlns="">
       <p:transition spd="med">
         <p:fade/>
       </p:transition>
@@ -20267,13 +25903,13 @@
   <p:clrMapOvr>
     <a:masterClrMapping/>
   </p:clrMapOvr>
-  <mc:AlternateContent xmlns:mc="http://schemas.openxmlformats.org/markup-compatibility/2006">
-    <mc:Choice xmlns:p14="http://schemas.microsoft.com/office/powerpoint/2010/main" Requires="p14">
+  <mc:AlternateContent xmlns:mc="http://schemas.openxmlformats.org/markup-compatibility/2006" xmlns:p14="http://schemas.microsoft.com/office/powerpoint/2010/main">
+    <mc:Choice Requires="p14">
       <p:transition spd="med" p14:dur="700">
         <p:fade/>
       </p:transition>
     </mc:Choice>
-    <mc:Fallback>
+    <mc:Fallback xmlns="">
       <p:transition spd="med">
         <p:fade/>
       </p:transition>

--- a/Presentation material/ericsson_presentation.pptx
+++ b/Presentation material/ericsson_presentation.pptx
@@ -557,11 +557,11 @@
         </c:dLbls>
         <c:gapWidth val="100"/>
         <c:overlap val="-24"/>
-        <c:axId val="-1072494848"/>
-        <c:axId val="-1072496480"/>
+        <c:axId val="-1023881920"/>
+        <c:axId val="-1023881376"/>
       </c:barChart>
       <c:catAx>
-        <c:axId val="-1072494848"/>
+        <c:axId val="-1023881920"/>
         <c:scaling>
           <c:orientation val="minMax"/>
         </c:scaling>
@@ -604,7 +604,7 @@
             <a:endParaRPr lang="es-ES"/>
           </a:p>
         </c:txPr>
-        <c:crossAx val="-1072496480"/>
+        <c:crossAx val="-1023881376"/>
         <c:crosses val="autoZero"/>
         <c:auto val="1"/>
         <c:lblAlgn val="ctr"/>
@@ -612,7 +612,7 @@
         <c:noMultiLvlLbl val="0"/>
       </c:catAx>
       <c:valAx>
-        <c:axId val="-1072496480"/>
+        <c:axId val="-1023881376"/>
         <c:scaling>
           <c:orientation val="minMax"/>
           <c:max val="100"/>
@@ -664,7 +664,7 @@
             <a:endParaRPr lang="es-ES"/>
           </a:p>
         </c:txPr>
-        <c:crossAx val="-1072494848"/>
+        <c:crossAx val="-1023881920"/>
         <c:crosses val="autoZero"/>
         <c:crossBetween val="between"/>
       </c:valAx>
@@ -1118,11 +1118,11 @@
         </c:dLbls>
         <c:gapWidth val="100"/>
         <c:overlap val="-24"/>
-        <c:axId val="-1042227664"/>
-        <c:axId val="-1042232016"/>
+        <c:axId val="-495711920"/>
+        <c:axId val="-495723344"/>
       </c:barChart>
       <c:catAx>
-        <c:axId val="-1042227664"/>
+        <c:axId val="-495711920"/>
         <c:scaling>
           <c:orientation val="minMax"/>
         </c:scaling>
@@ -1165,7 +1165,7 @@
             <a:endParaRPr lang="es-ES"/>
           </a:p>
         </c:txPr>
-        <c:crossAx val="-1042232016"/>
+        <c:crossAx val="-495723344"/>
         <c:crosses val="autoZero"/>
         <c:auto val="1"/>
         <c:lblAlgn val="ctr"/>
@@ -1173,7 +1173,7 @@
         <c:noMultiLvlLbl val="0"/>
       </c:catAx>
       <c:valAx>
-        <c:axId val="-1042232016"/>
+        <c:axId val="-495723344"/>
         <c:scaling>
           <c:orientation val="minMax"/>
           <c:max val="5"/>
@@ -1226,7 +1226,7 @@
             <a:endParaRPr lang="es-ES"/>
           </a:p>
         </c:txPr>
-        <c:crossAx val="-1042227664"/>
+        <c:crossAx val="-495711920"/>
         <c:crosses val="autoZero"/>
         <c:crossBetween val="between"/>
       </c:valAx>
@@ -1680,11 +1680,11 @@
         </c:dLbls>
         <c:gapWidth val="100"/>
         <c:overlap val="-24"/>
-        <c:axId val="-1042212432"/>
-        <c:axId val="-1042211888"/>
+        <c:axId val="-495709200"/>
+        <c:axId val="-495706480"/>
       </c:barChart>
       <c:catAx>
-        <c:axId val="-1042212432"/>
+        <c:axId val="-495709200"/>
         <c:scaling>
           <c:orientation val="minMax"/>
         </c:scaling>
@@ -1727,7 +1727,7 @@
             <a:endParaRPr lang="es-ES"/>
           </a:p>
         </c:txPr>
-        <c:crossAx val="-1042211888"/>
+        <c:crossAx val="-495706480"/>
         <c:crosses val="autoZero"/>
         <c:auto val="1"/>
         <c:lblAlgn val="ctr"/>
@@ -1735,7 +1735,7 @@
         <c:noMultiLvlLbl val="0"/>
       </c:catAx>
       <c:valAx>
-        <c:axId val="-1042211888"/>
+        <c:axId val="-495706480"/>
         <c:scaling>
           <c:orientation val="minMax"/>
           <c:max val="5"/>
@@ -1788,7 +1788,7 @@
             <a:endParaRPr lang="es-ES"/>
           </a:p>
         </c:txPr>
-        <c:crossAx val="-1042212432"/>
+        <c:crossAx val="-495709200"/>
         <c:crosses val="autoZero"/>
         <c:crossBetween val="between"/>
       </c:valAx>
@@ -3567,7 +3567,7 @@
           <a:p>
             <a:fld id="{0CC970DB-8EE6-4E5B-9CBE-4CA39D1A6EC2}" type="datetimeFigureOut">
               <a:rPr lang="en-US" smtClean="0"/>
-              <a:t>5/3/2015</a:t>
+              <a:t>5/7/2015</a:t>
             </a:fld>
             <a:endParaRPr lang="en-US" dirty="0"/>
           </a:p>
@@ -4368,7 +4368,7 @@
           <a:p>
             <a:fld id="{90FFEE5F-65BB-4268-AC17-D19CED90FB82}" type="datetimeFigureOut">
               <a:rPr lang="en-US" smtClean="0"/>
-              <a:t>5/3/2015</a:t>
+              <a:t>5/7/2015</a:t>
             </a:fld>
             <a:endParaRPr lang="en-US" dirty="0"/>
           </a:p>
@@ -6510,7 +6510,7 @@
           <a:p>
             <a:fld id="{90FFEE5F-65BB-4268-AC17-D19CED90FB82}" type="datetimeFigureOut">
               <a:rPr lang="en-US" smtClean="0"/>
-              <a:t>5/3/2015</a:t>
+              <a:t>5/7/2015</a:t>
             </a:fld>
             <a:endParaRPr lang="en-US" dirty="0"/>
           </a:p>
@@ -7200,7 +7200,7 @@
           <a:p>
             <a:fld id="{90FFEE5F-65BB-4268-AC17-D19CED90FB82}" type="datetimeFigureOut">
               <a:rPr lang="en-US" smtClean="0"/>
-              <a:t>5/3/2015</a:t>
+              <a:t>5/7/2015</a:t>
             </a:fld>
             <a:endParaRPr lang="en-US" dirty="0"/>
           </a:p>
@@ -7924,7 +7924,7 @@
           <a:p>
             <a:fld id="{90FFEE5F-65BB-4268-AC17-D19CED90FB82}" type="datetimeFigureOut">
               <a:rPr lang="en-US" smtClean="0"/>
-              <a:t>5/3/2015</a:t>
+              <a:t>5/7/2015</a:t>
             </a:fld>
             <a:endParaRPr lang="en-US" dirty="0"/>
           </a:p>
@@ -8111,7 +8111,7 @@
           <a:p>
             <a:fld id="{90FFEE5F-65BB-4268-AC17-D19CED90FB82}" type="datetimeFigureOut">
               <a:rPr lang="en-US" smtClean="0"/>
-              <a:t>5/3/2015</a:t>
+              <a:t>5/7/2015</a:t>
             </a:fld>
             <a:endParaRPr lang="en-US" dirty="0"/>
           </a:p>
@@ -8288,7 +8288,7 @@
           <a:p>
             <a:fld id="{90FFEE5F-65BB-4268-AC17-D19CED90FB82}" type="datetimeFigureOut">
               <a:rPr lang="en-US" smtClean="0"/>
-              <a:t>5/3/2015</a:t>
+              <a:t>5/7/2015</a:t>
             </a:fld>
             <a:endParaRPr lang="en-US" dirty="0"/>
           </a:p>
@@ -8487,7 +8487,7 @@
           <a:p>
             <a:fld id="{90FFEE5F-65BB-4268-AC17-D19CED90FB82}" type="datetimeFigureOut">
               <a:rPr lang="en-US" smtClean="0"/>
-              <a:t>5/3/2015</a:t>
+              <a:t>5/7/2015</a:t>
             </a:fld>
             <a:endParaRPr lang="en-US" dirty="0"/>
           </a:p>
@@ -9489,7 +9489,7 @@
             <a:fld id="{90FFEE5F-65BB-4268-AC17-D19CED90FB82}" type="datetimeFigureOut">
               <a:rPr lang="en-US" smtClean="0"/>
               <a:pPr/>
-              <a:t>5/3/2015</a:t>
+              <a:t>5/7/2015</a:t>
             </a:fld>
             <a:endParaRPr lang="en-US" dirty="0"/>
           </a:p>
@@ -9795,7 +9795,7 @@
           <a:p>
             <a:fld id="{90FFEE5F-65BB-4268-AC17-D19CED90FB82}" type="datetimeFigureOut">
               <a:rPr lang="en-US" smtClean="0"/>
-              <a:t>5/3/2015</a:t>
+              <a:t>5/7/2015</a:t>
             </a:fld>
             <a:endParaRPr lang="en-US" dirty="0"/>
           </a:p>
@@ -10177,7 +10177,7 @@
           <a:p>
             <a:fld id="{90FFEE5F-65BB-4268-AC17-D19CED90FB82}" type="datetimeFigureOut">
               <a:rPr lang="en-US" smtClean="0"/>
-              <a:t>5/3/2015</a:t>
+              <a:t>5/7/2015</a:t>
             </a:fld>
             <a:endParaRPr lang="en-US" dirty="0"/>
           </a:p>
@@ -10302,7 +10302,7 @@
           <a:p>
             <a:fld id="{90FFEE5F-65BB-4268-AC17-D19CED90FB82}" type="datetimeFigureOut">
               <a:rPr lang="en-US" smtClean="0"/>
-              <a:t>5/3/2015</a:t>
+              <a:t>5/7/2015</a:t>
             </a:fld>
             <a:endParaRPr lang="en-US" dirty="0"/>
           </a:p>
@@ -10404,7 +10404,7 @@
           <a:p>
             <a:fld id="{90FFEE5F-65BB-4268-AC17-D19CED90FB82}" type="datetimeFigureOut">
               <a:rPr lang="en-US" smtClean="0"/>
-              <a:t>5/3/2015</a:t>
+              <a:t>5/7/2015</a:t>
             </a:fld>
             <a:endParaRPr lang="en-US" dirty="0"/>
           </a:p>
@@ -12324,7 +12324,7 @@
           <a:p>
             <a:fld id="{90FFEE5F-65BB-4268-AC17-D19CED90FB82}" type="datetimeFigureOut">
               <a:rPr lang="en-US" smtClean="0"/>
-              <a:t>5/3/2015</a:t>
+              <a:t>5/7/2015</a:t>
             </a:fld>
             <a:endParaRPr lang="en-US" dirty="0"/>
           </a:p>
@@ -13474,7 +13474,7 @@
             <a:fld id="{90FFEE5F-65BB-4268-AC17-D19CED90FB82}" type="datetimeFigureOut">
               <a:rPr lang="en-US" smtClean="0"/>
               <a:pPr/>
-              <a:t>5/3/2015</a:t>
+              <a:t>5/7/2015</a:t>
             </a:fld>
             <a:endParaRPr lang="en-US" dirty="0"/>
           </a:p>
@@ -14492,29 +14492,7 @@
                   </a:schemeClr>
                 </a:solidFill>
               </a:rPr>
-              <a:t>Because the Team Coach role usually overlaps with the Line Manager one, which requires a lot of dedication, there is barely </a:t>
-            </a:r>
-            <a:r>
-              <a:rPr lang="en-GB" sz="2200" b="0" dirty="0" smtClean="0">
-                <a:solidFill>
-                  <a:schemeClr val="tx1">
-                    <a:lumMod val="50000"/>
-                    <a:lumOff val="50000"/>
-                  </a:schemeClr>
-                </a:solidFill>
-              </a:rPr>
-              <a:t>any time available </a:t>
-            </a:r>
-            <a:r>
-              <a:rPr lang="en-GB" sz="2200" b="0" dirty="0" smtClean="0">
-                <a:solidFill>
-                  <a:schemeClr val="tx1">
-                    <a:lumMod val="50000"/>
-                    <a:lumOff val="50000"/>
-                  </a:schemeClr>
-                </a:solidFill>
-              </a:rPr>
-              <a:t>for the former. </a:t>
+              <a:t>Because the Team Coach role usually overlaps with the Line Manager one, which requires a lot of dedication, there is barely any time available for the former. </a:t>
             </a:r>
           </a:p>
           <a:p>
@@ -14724,11 +14702,7 @@
             <a:pPr algn="just"/>
             <a:r>
               <a:rPr lang="en-US" dirty="0" smtClean="0"/>
-              <a:t>Information lacking practical </a:t>
-            </a:r>
-            <a:r>
-              <a:rPr lang="en-US" dirty="0" smtClean="0"/>
-              <a:t>value</a:t>
+              <a:t>Information lacking practical value</a:t>
             </a:r>
             <a:endParaRPr lang="en-GB" b="0" dirty="0" smtClean="0">
               <a:solidFill>
@@ -14871,13 +14845,13 @@
   <p:clrMapOvr>
     <a:masterClrMapping/>
   </p:clrMapOvr>
-  <mc:AlternateContent xmlns:mc="http://schemas.openxmlformats.org/markup-compatibility/2006">
-    <mc:Choice xmlns:p14="http://schemas.microsoft.com/office/powerpoint/2010/main" Requires="p14">
+  <mc:AlternateContent xmlns:mc="http://schemas.openxmlformats.org/markup-compatibility/2006" xmlns:p14="http://schemas.microsoft.com/office/powerpoint/2010/main">
+    <mc:Choice Requires="p14">
       <p:transition spd="med" p14:dur="700">
         <p:fade/>
       </p:transition>
     </mc:Choice>
-    <mc:Fallback>
+    <mc:Fallback xmlns="">
       <p:transition spd="med">
         <p:fade/>
       </p:transition>
@@ -15242,6 +15216,67 @@
                                         <p:tgtEl>
                                           <p:spTgt spid="18">
                                             <p:txEl>
+                                              <p:pRg st="0" end="0"/>
+                                            </p:txEl>
+                                          </p:spTgt>
+                                        </p:tgtEl>
+                                        <p:attrNameLst>
+                                          <p:attrName>style.visibility</p:attrName>
+                                        </p:attrNameLst>
+                                      </p:cBhvr>
+                                      <p:to>
+                                        <p:strVal val="visible"/>
+                                      </p:to>
+                                    </p:set>
+                                    <p:animEffect transition="in" filter="fade">
+                                      <p:cBhvr>
+                                        <p:cTn id="34" dur="500"/>
+                                        <p:tgtEl>
+                                          <p:spTgt spid="18">
+                                            <p:txEl>
+                                              <p:pRg st="0" end="0"/>
+                                            </p:txEl>
+                                          </p:spTgt>
+                                        </p:tgtEl>
+                                      </p:cBhvr>
+                                    </p:animEffect>
+                                  </p:childTnLst>
+                                </p:cTn>
+                              </p:par>
+                            </p:childTnLst>
+                          </p:cTn>
+                        </p:par>
+                      </p:childTnLst>
+                    </p:cTn>
+                  </p:par>
+                  <p:par>
+                    <p:cTn id="35" fill="hold">
+                      <p:stCondLst>
+                        <p:cond delay="indefinite"/>
+                      </p:stCondLst>
+                      <p:childTnLst>
+                        <p:par>
+                          <p:cTn id="36" fill="hold">
+                            <p:stCondLst>
+                              <p:cond delay="0"/>
+                            </p:stCondLst>
+                            <p:childTnLst>
+                              <p:par>
+                                <p:cTn id="37" presetID="10" presetClass="entr" presetSubtype="0" fill="hold" nodeType="clickEffect">
+                                  <p:stCondLst>
+                                    <p:cond delay="0"/>
+                                  </p:stCondLst>
+                                  <p:childTnLst>
+                                    <p:set>
+                                      <p:cBhvr>
+                                        <p:cTn id="38" dur="1" fill="hold">
+                                          <p:stCondLst>
+                                            <p:cond delay="0"/>
+                                          </p:stCondLst>
+                                        </p:cTn>
+                                        <p:tgtEl>
+                                          <p:spTgt spid="18">
+                                            <p:txEl>
                                               <p:pRg st="1" end="1"/>
                                             </p:txEl>
                                           </p:spTgt>
@@ -15256,7 +15291,7 @@
                                     </p:set>
                                     <p:animEffect transition="in" filter="fade">
                                       <p:cBhvr>
-                                        <p:cTn id="34" dur="500"/>
+                                        <p:cTn id="39" dur="500"/>
                                         <p:tgtEl>
                                           <p:spTgt spid="18">
                                             <p:txEl>
@@ -15504,13 +15539,13 @@
   <p:clrMapOvr>
     <a:masterClrMapping/>
   </p:clrMapOvr>
-  <mc:AlternateContent xmlns:mc="http://schemas.openxmlformats.org/markup-compatibility/2006">
-    <mc:Choice xmlns:p14="http://schemas.microsoft.com/office/powerpoint/2010/main" Requires="p14">
+  <mc:AlternateContent xmlns:mc="http://schemas.openxmlformats.org/markup-compatibility/2006" xmlns:p14="http://schemas.microsoft.com/office/powerpoint/2010/main">
+    <mc:Choice Requires="p14">
       <p:transition spd="med" p14:dur="700">
         <p:fade/>
       </p:transition>
     </mc:Choice>
-    <mc:Fallback>
+    <mc:Fallback xmlns="">
       <p:transition spd="med">
         <p:fade/>
       </p:transition>
@@ -16186,13 +16221,13 @@
   <p:clrMapOvr>
     <a:masterClrMapping/>
   </p:clrMapOvr>
-  <mc:AlternateContent xmlns:mc="http://schemas.openxmlformats.org/markup-compatibility/2006">
-    <mc:Choice xmlns:p14="http://schemas.microsoft.com/office/powerpoint/2010/main" Requires="p14">
+  <mc:AlternateContent xmlns:mc="http://schemas.openxmlformats.org/markup-compatibility/2006" xmlns:p14="http://schemas.microsoft.com/office/powerpoint/2010/main">
+    <mc:Choice Requires="p14">
       <p:transition spd="med" p14:dur="700">
         <p:fade/>
       </p:transition>
     </mc:Choice>
-    <mc:Fallback>
+    <mc:Fallback xmlns="">
       <p:transition spd="med">
         <p:fade/>
       </p:transition>
@@ -17756,19 +17791,7 @@
           <a:p>
             <a:r>
               <a:rPr lang="en-GB" dirty="0" smtClean="0"/>
-              <a:t>Before </a:t>
-            </a:r>
-            <a:r>
-              <a:rPr lang="en-GB" dirty="0" smtClean="0"/>
-              <a:t>beginning, let’s </a:t>
-            </a:r>
-            <a:r>
-              <a:rPr lang="en-GB" dirty="0" smtClean="0"/>
-              <a:t>agree on </a:t>
-            </a:r>
-            <a:r>
-              <a:rPr lang="en-GB" dirty="0" smtClean="0"/>
-              <a:t>terminology</a:t>
+              <a:t>Before beginning, let’s agree on terminology</a:t>
             </a:r>
             <a:endParaRPr lang="es-ES" dirty="0"/>
           </a:p>
